--- a/Red and Green Modern Customer Support Presentation (1).pptx
+++ b/Red and Green Modern Customer Support Presentation (1).pptx
@@ -5,26 +5,25 @@
     <p:sldMasterId id="2147483648" r:id="rId1"/>
   </p:sldMasterIdLst>
   <p:notesMasterIdLst>
-    <p:notesMasterId r:id="rId19"/>
+    <p:notesMasterId r:id="rId18"/>
   </p:notesMasterIdLst>
   <p:sldIdLst>
     <p:sldId id="271" r:id="rId2"/>
     <p:sldId id="270" r:id="rId3"/>
     <p:sldId id="256" r:id="rId4"/>
     <p:sldId id="257" r:id="rId5"/>
-    <p:sldId id="258" r:id="rId6"/>
+    <p:sldId id="278" r:id="rId6"/>
     <p:sldId id="261" r:id="rId7"/>
     <p:sldId id="259" r:id="rId8"/>
     <p:sldId id="260" r:id="rId9"/>
     <p:sldId id="263" r:id="rId10"/>
-    <p:sldId id="264" r:id="rId11"/>
-    <p:sldId id="265" r:id="rId12"/>
-    <p:sldId id="268" r:id="rId13"/>
-    <p:sldId id="269" r:id="rId14"/>
-    <p:sldId id="262" r:id="rId15"/>
-    <p:sldId id="266" r:id="rId16"/>
-    <p:sldId id="267" r:id="rId17"/>
-    <p:sldId id="272" r:id="rId18"/>
+    <p:sldId id="258" r:id="rId11"/>
+    <p:sldId id="264" r:id="rId12"/>
+    <p:sldId id="262" r:id="rId13"/>
+    <p:sldId id="275" r:id="rId14"/>
+    <p:sldId id="266" r:id="rId15"/>
+    <p:sldId id="267" r:id="rId16"/>
+    <p:sldId id="272" r:id="rId17"/>
   </p:sldIdLst>
   <p:sldSz cx="18288000" cy="10287000"/>
   <p:notesSz cx="18288000" cy="10287000"/>
@@ -134,7 +133,7 @@
           <a:p>
             <a:fld id="{2A77B4B7-FFEB-465B-A269-19CCA458A1FA}" type="datetimeFigureOut">
               <a:rPr lang="en-IN" smtClean="0"/>
-              <a:t>14-11-2025</a:t>
+              <a:t>15-11-2025</a:t>
             </a:fld>
             <a:endParaRPr lang="en-IN"/>
           </a:p>
@@ -680,7 +679,7 @@
           <a:p>
             <a:fld id="{1D8BD707-D9CF-40AE-B4C6-C98DA3205C09}" type="datetimeFigureOut">
               <a:rPr lang="en-US"/>
-              <a:t>11/14/2025</a:t>
+              <a:t>11/15/2025</a:t>
             </a:fld>
             <a:endParaRPr lang="en-US"/>
           </a:p>
@@ -900,7 +899,7 @@
           <a:p>
             <a:fld id="{1D8BD707-D9CF-40AE-B4C6-C98DA3205C09}" type="datetimeFigureOut">
               <a:rPr lang="en-US"/>
-              <a:t>11/14/2025</a:t>
+              <a:t>11/15/2025</a:t>
             </a:fld>
             <a:endParaRPr lang="en-US"/>
           </a:p>
@@ -1163,7 +1162,7 @@
           <a:p>
             <a:fld id="{1D8BD707-D9CF-40AE-B4C6-C98DA3205C09}" type="datetimeFigureOut">
               <a:rPr lang="en-US"/>
-              <a:t>11/14/2025</a:t>
+              <a:t>11/15/2025</a:t>
             </a:fld>
             <a:endParaRPr lang="en-US"/>
           </a:p>
@@ -1360,7 +1359,7 @@
           <a:p>
             <a:fld id="{1D8BD707-D9CF-40AE-B4C6-C98DA3205C09}" type="datetimeFigureOut">
               <a:rPr lang="en-US"/>
-              <a:t>11/14/2025</a:t>
+              <a:t>11/15/2025</a:t>
             </a:fld>
             <a:endParaRPr lang="en-US"/>
           </a:p>
@@ -1534,7 +1533,7 @@
           <a:p>
             <a:fld id="{1D8BD707-D9CF-40AE-B4C6-C98DA3205C09}" type="datetimeFigureOut">
               <a:rPr lang="en-US"/>
-              <a:t>11/14/2025</a:t>
+              <a:t>11/15/2025</a:t>
             </a:fld>
             <a:endParaRPr lang="en-US"/>
           </a:p>
@@ -1802,7 +1801,7 @@
           <a:p>
             <a:fld id="{1D8BD707-D9CF-40AE-B4C6-C98DA3205C09}" type="datetimeFigureOut">
               <a:rPr lang="en-US"/>
-              <a:t>11/14/2025</a:t>
+              <a:t>11/15/2025</a:t>
             </a:fld>
             <a:endParaRPr lang="en-US"/>
           </a:p>
@@ -2104,7 +2103,10 @@
             <a:r>
               <a:rPr lang="en-US" sz="3200" dirty="0">
                 <a:solidFill>
-                  <a:srgbClr val="FF0000"/>
+                  <a:schemeClr val="tx2">
+                    <a:lumMod val="60000"/>
+                    <a:lumOff val="40000"/>
+                  </a:schemeClr>
                 </a:solidFill>
               </a:rPr>
               <a:t>NAME</a:t>
@@ -2112,7 +2114,10 @@
             <a:r>
               <a:rPr lang="en-US" sz="3600" dirty="0">
                 <a:solidFill>
-                  <a:srgbClr val="FF0000"/>
+                  <a:schemeClr val="tx2">
+                    <a:lumMod val="60000"/>
+                    <a:lumOff val="40000"/>
+                  </a:schemeClr>
                 </a:solidFill>
               </a:rPr>
               <a:t> :   </a:t>
@@ -2120,14 +2125,20 @@
             <a:r>
               <a:rPr lang="en-US" sz="3600" dirty="0" err="1">
                 <a:solidFill>
-                  <a:srgbClr val="FF0000"/>
+                  <a:schemeClr val="tx2">
+                    <a:lumMod val="60000"/>
+                    <a:lumOff val="40000"/>
+                  </a:schemeClr>
                 </a:solidFill>
               </a:rPr>
               <a:t>Yuvaraju</a:t>
             </a:r>
             <a:endParaRPr lang="en-US" sz="3600" dirty="0">
               <a:solidFill>
-                <a:srgbClr val="FF0000"/>
+                <a:schemeClr val="tx2">
+                  <a:lumMod val="60000"/>
+                  <a:lumOff val="40000"/>
+                </a:schemeClr>
               </a:solidFill>
             </a:endParaRPr>
           </a:p>
@@ -2135,7 +2146,10 @@
             <a:r>
               <a:rPr lang="en-US" sz="3200" dirty="0">
                 <a:solidFill>
-                  <a:srgbClr val="FF0000"/>
+                  <a:schemeClr val="tx2">
+                    <a:lumMod val="60000"/>
+                    <a:lumOff val="40000"/>
+                  </a:schemeClr>
                 </a:solidFill>
               </a:rPr>
               <a:t>BATCH NO  </a:t>
@@ -2143,7 +2157,10 @@
             <a:r>
               <a:rPr lang="en-US" sz="3600" dirty="0">
                 <a:solidFill>
-                  <a:srgbClr val="FF0000"/>
+                  <a:schemeClr val="tx2">
+                    <a:lumMod val="60000"/>
+                    <a:lumOff val="40000"/>
+                  </a:schemeClr>
                 </a:solidFill>
               </a:rPr>
               <a:t>: 403</a:t>
@@ -2153,7 +2170,10 @@
             <a:r>
               <a:rPr lang="en-US" sz="3200" dirty="0">
                 <a:solidFill>
-                  <a:srgbClr val="FF0000"/>
+                  <a:schemeClr val="tx2">
+                    <a:lumMod val="60000"/>
+                    <a:lumOff val="40000"/>
+                  </a:schemeClr>
                 </a:solidFill>
               </a:rPr>
               <a:t>BRANCH </a:t>
@@ -2161,7 +2181,10 @@
             <a:r>
               <a:rPr lang="en-US" sz="3600" dirty="0">
                 <a:solidFill>
-                  <a:srgbClr val="FF0000"/>
+                  <a:schemeClr val="tx2">
+                    <a:lumMod val="60000"/>
+                    <a:lumOff val="40000"/>
+                  </a:schemeClr>
                 </a:solidFill>
               </a:rPr>
               <a:t>:  </a:t>
@@ -2169,15 +2192,21 @@
             <a:r>
               <a:rPr lang="en-US" sz="3600" dirty="0" err="1">
                 <a:solidFill>
-                  <a:srgbClr val="FF0000"/>
+                  <a:schemeClr val="tx2">
+                    <a:lumMod val="60000"/>
+                    <a:lumOff val="40000"/>
+                  </a:schemeClr>
                 </a:solidFill>
               </a:rPr>
-              <a:t>Innomaticks</a:t>
+              <a:t>Innomatics</a:t>
             </a:r>
             <a:r>
               <a:rPr lang="en-US" sz="3600" dirty="0">
                 <a:solidFill>
-                  <a:srgbClr val="FF0000"/>
+                  <a:schemeClr val="tx2">
+                    <a:lumMod val="60000"/>
+                    <a:lumOff val="40000"/>
+                  </a:schemeClr>
                 </a:solidFill>
               </a:rPr>
               <a:t> Research Labs,</a:t>
@@ -2200,7 +2229,7 @@
         <p:spPr>
           <a:xfrm>
             <a:off x="4038600" y="5981700"/>
-            <a:ext cx="11353800" cy="1569660"/>
+            <a:ext cx="11353800" cy="830997"/>
           </a:xfrm>
           <a:prstGeom prst="rect">
             <a:avLst/>
@@ -2221,9 +2250,6 @@
               <a:latin typeface="Calibri"/>
               <a:cs typeface="Calibri"/>
             </a:endParaRPr>
-          </a:p>
-          <a:p>
-            <a:endParaRPr lang="en-IN" sz="4800" dirty="0"/>
           </a:p>
         </p:txBody>
       </p:sp>
@@ -2257,89 +2283,9 @@
           <a:chExt cx="0" cy="0"/>
         </a:xfrm>
       </p:grpSpPr>
-      <p:sp>
-        <p:nvSpPr>
-          <p:cNvPr id="18" name="object 18"/>
-          <p:cNvSpPr txBox="1">
-            <a:spLocks noGrp="1"/>
-          </p:cNvSpPr>
-          <p:nvPr>
-            <p:ph type="ftr" sz="quarter" idx="5"/>
-          </p:nvPr>
-        </p:nvSpPr>
-        <p:spPr>
-          <a:xfrm>
-            <a:off x="14824932" y="8939539"/>
-            <a:ext cx="3577423" cy="330090"/>
-          </a:xfrm>
-          <a:prstGeom prst="rect">
-            <a:avLst/>
-          </a:prstGeom>
-        </p:spPr>
-        <p:txBody>
-          <a:bodyPr vert="horz" wrap="square" lIns="0" tIns="4445" rIns="0" bIns="0" rtlCol="0">
-            <a:spAutoFit/>
-          </a:bodyPr>
-          <a:lstStyle/>
-          <a:p>
-            <a:pPr marR="5080" algn="r">
-              <a:lnSpc>
-                <a:spcPts val="2385"/>
-              </a:lnSpc>
-            </a:pPr>
-            <a:endParaRPr lang="en-IN" sz="2800" b="1" spc="220" dirty="0"/>
-          </a:p>
-        </p:txBody>
-      </p:sp>
-      <p:sp>
-        <p:nvSpPr>
-          <p:cNvPr id="9" name="object 9"/>
-          <p:cNvSpPr txBox="1"/>
-          <p:nvPr/>
-        </p:nvSpPr>
-        <p:spPr>
-          <a:xfrm>
-            <a:off x="11732411" y="701812"/>
-            <a:ext cx="839640" cy="320601"/>
-          </a:xfrm>
-          <a:prstGeom prst="rect">
-            <a:avLst/>
-          </a:prstGeom>
-        </p:spPr>
-        <p:txBody>
-          <a:bodyPr vert="horz" wrap="square" lIns="0" tIns="12700" rIns="0" bIns="0" rtlCol="0">
-            <a:spAutoFit/>
-          </a:bodyPr>
-          <a:lstStyle/>
-          <a:p>
-            <a:pPr marL="12700">
-              <a:lnSpc>
-                <a:spcPct val="100000"/>
-              </a:lnSpc>
-              <a:spcBef>
-                <a:spcPts val="100"/>
-              </a:spcBef>
-            </a:pPr>
-            <a:r>
-              <a:rPr sz="2000" spc="225" dirty="0">
-                <a:solidFill>
-                  <a:srgbClr val="B14F31"/>
-                </a:solidFill>
-                <a:latin typeface="Calibri"/>
-                <a:cs typeface="Calibri"/>
-              </a:rPr>
-              <a:t>t</a:t>
-            </a:r>
-            <a:endParaRPr sz="2000" dirty="0">
-              <a:latin typeface="Calibri"/>
-              <a:cs typeface="Calibri"/>
-            </a:endParaRPr>
-          </a:p>
-        </p:txBody>
-      </p:sp>
       <p:pic>
         <p:nvPicPr>
-          <p:cNvPr id="19" name="object 2"/>
+          <p:cNvPr id="2" name="object 2"/>
           <p:cNvPicPr/>
           <p:nvPr/>
         </p:nvPicPr>
@@ -2351,14 +2297,1277 @@
         </p:blipFill>
         <p:spPr>
           <a:xfrm>
-            <a:off x="152401" y="0"/>
-            <a:ext cx="5638799" cy="10287000"/>
+            <a:off x="228601" y="95250"/>
+            <a:ext cx="7391399" cy="10096500"/>
           </a:xfrm>
           <a:prstGeom prst="rect">
             <a:avLst/>
           </a:prstGeom>
         </p:spPr>
       </p:pic>
+      <p:sp>
+        <p:nvSpPr>
+          <p:cNvPr id="14" name="TextBox 13">
+            <a:extLst>
+              <a:ext uri="{FF2B5EF4-FFF2-40B4-BE49-F238E27FC236}">
+                <a16:creationId xmlns:a16="http://schemas.microsoft.com/office/drawing/2014/main" id="{A2AC4E17-7930-5601-22B2-42C204892E7D}"/>
+              </a:ext>
+            </a:extLst>
+          </p:cNvPr>
+          <p:cNvSpPr txBox="1"/>
+          <p:nvPr/>
+        </p:nvSpPr>
+        <p:spPr>
+          <a:xfrm>
+            <a:off x="8534400" y="571500"/>
+            <a:ext cx="8839200" cy="707886"/>
+          </a:xfrm>
+          <a:prstGeom prst="rect">
+            <a:avLst/>
+          </a:prstGeom>
+        </p:spPr>
+        <p:style>
+          <a:lnRef idx="2">
+            <a:schemeClr val="accent2"/>
+          </a:lnRef>
+          <a:fillRef idx="1">
+            <a:schemeClr val="lt1"/>
+          </a:fillRef>
+          <a:effectRef idx="0">
+            <a:schemeClr val="accent2"/>
+          </a:effectRef>
+          <a:fontRef idx="minor">
+            <a:schemeClr val="dk1"/>
+          </a:fontRef>
+        </p:style>
+        <p:txBody>
+          <a:bodyPr wrap="square" rtlCol="0">
+            <a:spAutoFit/>
+          </a:bodyPr>
+          <a:lstStyle/>
+          <a:p>
+            <a:r>
+              <a:rPr lang="en-IN" sz="4000" b="1" spc="-10" dirty="0">
+                <a:solidFill>
+                  <a:srgbClr val="FF0000"/>
+                </a:solidFill>
+              </a:rPr>
+              <a:t>PROJECT  OVERVIEW :</a:t>
+            </a:r>
+            <a:endParaRPr lang="en-IN" sz="4000" b="1" dirty="0">
+              <a:solidFill>
+                <a:srgbClr val="FF0000"/>
+              </a:solidFill>
+            </a:endParaRPr>
+          </a:p>
+        </p:txBody>
+      </p:sp>
+      <p:sp>
+        <p:nvSpPr>
+          <p:cNvPr id="15" name="TextBox 14">
+            <a:extLst>
+              <a:ext uri="{FF2B5EF4-FFF2-40B4-BE49-F238E27FC236}">
+                <a16:creationId xmlns:a16="http://schemas.microsoft.com/office/drawing/2014/main" id="{94671C66-B7A8-861F-C81A-886FC1D78E44}"/>
+              </a:ext>
+            </a:extLst>
+          </p:cNvPr>
+          <p:cNvSpPr txBox="1"/>
+          <p:nvPr/>
+        </p:nvSpPr>
+        <p:spPr>
+          <a:xfrm>
+            <a:off x="8240486" y="1756460"/>
+            <a:ext cx="10058400" cy="8530540"/>
+          </a:xfrm>
+          <a:prstGeom prst="rect">
+            <a:avLst/>
+          </a:prstGeom>
+          <a:noFill/>
+        </p:spPr>
+        <p:txBody>
+          <a:bodyPr wrap="square" rtlCol="0">
+            <a:spAutoFit/>
+          </a:bodyPr>
+          <a:lstStyle/>
+          <a:p>
+            <a:pPr marL="469900" marR="306070" indent="-457200">
+              <a:lnSpc>
+                <a:spcPct val="131500"/>
+              </a:lnSpc>
+              <a:spcBef>
+                <a:spcPts val="100"/>
+              </a:spcBef>
+              <a:buFont typeface="Wingdings" panose="05000000000000000000" pitchFamily="2" charset="2"/>
+              <a:buChar char="v"/>
+            </a:pPr>
+            <a:r>
+              <a:rPr lang="en-US" sz="2800" b="1" dirty="0">
+                <a:latin typeface="Times New Roman"/>
+                <a:cs typeface="Times New Roman"/>
+              </a:rPr>
+              <a:t>To</a:t>
+            </a:r>
+            <a:r>
+              <a:rPr lang="en-US" sz="2800" b="1" spc="-95" dirty="0">
+                <a:latin typeface="Times New Roman"/>
+                <a:cs typeface="Times New Roman"/>
+              </a:rPr>
+              <a:t> </a:t>
+            </a:r>
+            <a:r>
+              <a:rPr lang="en-US" sz="2800" b="1" dirty="0">
+                <a:latin typeface="Times New Roman"/>
+                <a:cs typeface="Times New Roman"/>
+              </a:rPr>
+              <a:t>analyze</a:t>
+            </a:r>
+            <a:r>
+              <a:rPr lang="en-US" sz="2800" b="1" spc="-90" dirty="0">
+                <a:latin typeface="Times New Roman"/>
+                <a:cs typeface="Times New Roman"/>
+              </a:rPr>
+              <a:t> </a:t>
+            </a:r>
+            <a:r>
+              <a:rPr lang="en-US" sz="2800" b="1" dirty="0">
+                <a:latin typeface="Times New Roman"/>
+                <a:cs typeface="Times New Roman"/>
+              </a:rPr>
+              <a:t>customer</a:t>
+            </a:r>
+            <a:r>
+              <a:rPr lang="en-US" sz="2800" b="1" spc="-95" dirty="0">
+                <a:latin typeface="Times New Roman"/>
+                <a:cs typeface="Times New Roman"/>
+              </a:rPr>
+              <a:t> </a:t>
+            </a:r>
+            <a:r>
+              <a:rPr lang="en-US" sz="2800" b="1" dirty="0">
+                <a:latin typeface="Times New Roman"/>
+                <a:cs typeface="Times New Roman"/>
+              </a:rPr>
+              <a:t>churn</a:t>
+            </a:r>
+            <a:r>
+              <a:rPr lang="en-US" sz="2800" b="1" spc="-90" dirty="0">
+                <a:latin typeface="Times New Roman"/>
+                <a:cs typeface="Times New Roman"/>
+              </a:rPr>
+              <a:t> </a:t>
+            </a:r>
+            <a:r>
+              <a:rPr lang="en-US" sz="2800" b="1" dirty="0">
+                <a:latin typeface="Times New Roman"/>
+                <a:cs typeface="Times New Roman"/>
+              </a:rPr>
+              <a:t>patterns</a:t>
+            </a:r>
+            <a:r>
+              <a:rPr lang="en-US" sz="2800" b="1" spc="-95" dirty="0">
+                <a:latin typeface="Times New Roman"/>
+                <a:cs typeface="Times New Roman"/>
+              </a:rPr>
+              <a:t> </a:t>
+            </a:r>
+            <a:r>
+              <a:rPr lang="en-US" sz="2800" b="1" dirty="0">
+                <a:latin typeface="Times New Roman"/>
+                <a:cs typeface="Times New Roman"/>
+              </a:rPr>
+              <a:t>and</a:t>
+            </a:r>
+            <a:r>
+              <a:rPr lang="en-US" sz="2800" b="1" spc="-90" dirty="0">
+                <a:latin typeface="Times New Roman"/>
+                <a:cs typeface="Times New Roman"/>
+              </a:rPr>
+              <a:t> </a:t>
+            </a:r>
+            <a:r>
+              <a:rPr lang="en-US" sz="2800" b="1" dirty="0">
+                <a:latin typeface="Times New Roman"/>
+                <a:cs typeface="Times New Roman"/>
+              </a:rPr>
+              <a:t>identify</a:t>
+            </a:r>
+            <a:r>
+              <a:rPr lang="en-US" sz="2800" b="1" spc="-95" dirty="0">
+                <a:latin typeface="Times New Roman"/>
+                <a:cs typeface="Times New Roman"/>
+              </a:rPr>
+              <a:t> </a:t>
+            </a:r>
+            <a:r>
+              <a:rPr lang="en-US" sz="2800" b="1" dirty="0">
+                <a:latin typeface="Times New Roman"/>
+                <a:cs typeface="Times New Roman"/>
+              </a:rPr>
+              <a:t>the</a:t>
+            </a:r>
+            <a:r>
+              <a:rPr lang="en-US" sz="2800" b="1" spc="-90" dirty="0">
+                <a:latin typeface="Times New Roman"/>
+                <a:cs typeface="Times New Roman"/>
+              </a:rPr>
+              <a:t> </a:t>
+            </a:r>
+            <a:r>
+              <a:rPr lang="en-US" sz="2800" b="1" dirty="0">
+                <a:latin typeface="Times New Roman"/>
+                <a:cs typeface="Times New Roman"/>
+              </a:rPr>
+              <a:t>key</a:t>
+            </a:r>
+            <a:r>
+              <a:rPr lang="en-US" sz="2800" b="1" spc="-95" dirty="0">
+                <a:latin typeface="Times New Roman"/>
+                <a:cs typeface="Times New Roman"/>
+              </a:rPr>
+              <a:t> </a:t>
+            </a:r>
+            <a:r>
+              <a:rPr lang="en-US" sz="2800" b="1" dirty="0">
+                <a:latin typeface="Times New Roman"/>
+                <a:cs typeface="Times New Roman"/>
+              </a:rPr>
+              <a:t>factors</a:t>
+            </a:r>
+            <a:r>
+              <a:rPr lang="en-US" sz="2800" b="1" spc="-90" dirty="0">
+                <a:latin typeface="Times New Roman"/>
+                <a:cs typeface="Times New Roman"/>
+              </a:rPr>
+              <a:t> </a:t>
+            </a:r>
+            <a:r>
+              <a:rPr lang="en-US" sz="2800" b="1" dirty="0">
+                <a:latin typeface="Times New Roman"/>
+                <a:cs typeface="Times New Roman"/>
+              </a:rPr>
+              <a:t>influencing</a:t>
+            </a:r>
+            <a:r>
+              <a:rPr lang="en-US" sz="2800" b="1" spc="-95" dirty="0">
+                <a:latin typeface="Times New Roman"/>
+                <a:cs typeface="Times New Roman"/>
+              </a:rPr>
+              <a:t> </a:t>
+            </a:r>
+            <a:r>
+              <a:rPr lang="en-US" sz="2800" b="1" dirty="0">
+                <a:latin typeface="Times New Roman"/>
+                <a:cs typeface="Times New Roman"/>
+              </a:rPr>
+              <a:t>customer</a:t>
+            </a:r>
+            <a:r>
+              <a:rPr lang="en-US" sz="2800" b="1" spc="-90" dirty="0">
+                <a:latin typeface="Times New Roman"/>
+                <a:cs typeface="Times New Roman"/>
+              </a:rPr>
+              <a:t> </a:t>
+            </a:r>
+            <a:r>
+              <a:rPr lang="en-US" sz="2800" b="1" spc="-10" dirty="0">
+                <a:latin typeface="Times New Roman"/>
+                <a:cs typeface="Times New Roman"/>
+              </a:rPr>
+              <a:t>attrition. </a:t>
+            </a:r>
+            <a:endParaRPr lang="en-US" sz="2800" b="1" dirty="0">
+              <a:latin typeface="Times New Roman"/>
+              <a:cs typeface="Times New Roman"/>
+            </a:endParaRPr>
+          </a:p>
+          <a:p>
+            <a:pPr marL="469900" marR="306070" indent="-457200">
+              <a:lnSpc>
+                <a:spcPct val="131500"/>
+              </a:lnSpc>
+              <a:spcBef>
+                <a:spcPts val="100"/>
+              </a:spcBef>
+              <a:buFont typeface="Wingdings" panose="05000000000000000000" pitchFamily="2" charset="2"/>
+              <a:buChar char="v"/>
+            </a:pPr>
+            <a:r>
+              <a:rPr lang="en-US" sz="2800" b="1" spc="-90" dirty="0">
+                <a:latin typeface="Times New Roman"/>
+                <a:cs typeface="Times New Roman"/>
+              </a:rPr>
+              <a:t> </a:t>
+            </a:r>
+            <a:r>
+              <a:rPr lang="en-US" sz="2800" b="1" dirty="0">
+                <a:latin typeface="Times New Roman"/>
+                <a:cs typeface="Times New Roman"/>
+              </a:rPr>
+              <a:t>understand</a:t>
+            </a:r>
+            <a:r>
+              <a:rPr lang="en-US" sz="2800" b="1" spc="-85" dirty="0">
+                <a:latin typeface="Times New Roman"/>
+                <a:cs typeface="Times New Roman"/>
+              </a:rPr>
+              <a:t> </a:t>
+            </a:r>
+            <a:r>
+              <a:rPr lang="en-US" sz="2800" b="1" dirty="0">
+                <a:latin typeface="Times New Roman"/>
+                <a:cs typeface="Times New Roman"/>
+              </a:rPr>
+              <a:t>customer</a:t>
+            </a:r>
+            <a:r>
+              <a:rPr lang="en-US" sz="2800" b="1" spc="-90" dirty="0">
+                <a:latin typeface="Times New Roman"/>
+                <a:cs typeface="Times New Roman"/>
+              </a:rPr>
+              <a:t> </a:t>
+            </a:r>
+            <a:r>
+              <a:rPr lang="en-US" sz="2800" b="1" dirty="0">
+                <a:latin typeface="Times New Roman"/>
+                <a:cs typeface="Times New Roman"/>
+              </a:rPr>
+              <a:t>behavior</a:t>
+            </a:r>
+            <a:r>
+              <a:rPr lang="en-US" sz="2800" b="1" spc="-85" dirty="0">
+                <a:latin typeface="Times New Roman"/>
+                <a:cs typeface="Times New Roman"/>
+              </a:rPr>
+              <a:t> </a:t>
+            </a:r>
+            <a:r>
+              <a:rPr lang="en-US" sz="2800" b="1" dirty="0">
+                <a:latin typeface="Times New Roman"/>
+                <a:cs typeface="Times New Roman"/>
+              </a:rPr>
+              <a:t>based</a:t>
+            </a:r>
+            <a:r>
+              <a:rPr lang="en-US" sz="2800" b="1" spc="-85" dirty="0">
+                <a:latin typeface="Times New Roman"/>
+                <a:cs typeface="Times New Roman"/>
+              </a:rPr>
+              <a:t> </a:t>
+            </a:r>
+            <a:r>
+              <a:rPr lang="en-US" sz="2800" b="1" dirty="0">
+                <a:latin typeface="Times New Roman"/>
+                <a:cs typeface="Times New Roman"/>
+              </a:rPr>
+              <a:t>on</a:t>
+            </a:r>
+            <a:r>
+              <a:rPr lang="en-US" sz="2800" b="1" spc="-90" dirty="0">
+                <a:latin typeface="Times New Roman"/>
+                <a:cs typeface="Times New Roman"/>
+              </a:rPr>
+              <a:t> </a:t>
+            </a:r>
+            <a:r>
+              <a:rPr lang="en-US" sz="2800" b="1" spc="-10" dirty="0">
+                <a:latin typeface="Times New Roman"/>
+                <a:cs typeface="Times New Roman"/>
+              </a:rPr>
+              <a:t>demographics,</a:t>
+            </a:r>
+            <a:r>
+              <a:rPr lang="en-US" sz="2800" b="1" spc="-85" dirty="0">
+                <a:latin typeface="Times New Roman"/>
+                <a:cs typeface="Times New Roman"/>
+              </a:rPr>
+              <a:t> </a:t>
+            </a:r>
+            <a:r>
+              <a:rPr lang="en-US" sz="2800" b="1" dirty="0">
+                <a:latin typeface="Times New Roman"/>
+                <a:cs typeface="Times New Roman"/>
+              </a:rPr>
+              <a:t>service</a:t>
+            </a:r>
+            <a:r>
+              <a:rPr lang="en-US" sz="2800" b="1" spc="-85" dirty="0">
+                <a:latin typeface="Times New Roman"/>
+                <a:cs typeface="Times New Roman"/>
+              </a:rPr>
+              <a:t> </a:t>
+            </a:r>
+            <a:r>
+              <a:rPr lang="en-US" sz="2800" b="1" spc="-10" dirty="0">
+                <a:latin typeface="Times New Roman"/>
+                <a:cs typeface="Times New Roman"/>
+              </a:rPr>
+              <a:t>subscriptions,</a:t>
+            </a:r>
+            <a:r>
+              <a:rPr lang="en-US" sz="2800" b="1" spc="-90" dirty="0">
+                <a:latin typeface="Times New Roman"/>
+                <a:cs typeface="Times New Roman"/>
+              </a:rPr>
+              <a:t> </a:t>
+            </a:r>
+            <a:r>
+              <a:rPr lang="en-US" sz="2800" b="1" dirty="0">
+                <a:latin typeface="Times New Roman"/>
+                <a:cs typeface="Times New Roman"/>
+              </a:rPr>
+              <a:t>and</a:t>
+            </a:r>
+            <a:r>
+              <a:rPr lang="en-US" sz="2800" b="1" spc="-85" dirty="0">
+                <a:latin typeface="Times New Roman"/>
+                <a:cs typeface="Times New Roman"/>
+              </a:rPr>
+              <a:t> </a:t>
+            </a:r>
+            <a:r>
+              <a:rPr lang="en-US" sz="2800" b="1" spc="-10" dirty="0">
+                <a:latin typeface="Times New Roman"/>
+                <a:cs typeface="Times New Roman"/>
+              </a:rPr>
+              <a:t>billing information.</a:t>
+            </a:r>
+            <a:endParaRPr lang="en-US" sz="2800" dirty="0">
+              <a:latin typeface="Times New Roman"/>
+              <a:cs typeface="Times New Roman"/>
+            </a:endParaRPr>
+          </a:p>
+          <a:p>
+            <a:pPr marL="469900" marR="164465" indent="-457200">
+              <a:lnSpc>
+                <a:spcPts val="4580"/>
+              </a:lnSpc>
+              <a:spcBef>
+                <a:spcPts val="330"/>
+              </a:spcBef>
+              <a:buFont typeface="Wingdings" panose="05000000000000000000" pitchFamily="2" charset="2"/>
+              <a:buChar char="v"/>
+            </a:pPr>
+            <a:r>
+              <a:rPr lang="en-US" sz="2800" b="1" dirty="0">
+                <a:latin typeface="Times New Roman"/>
+                <a:cs typeface="Times New Roman"/>
+              </a:rPr>
+              <a:t>To</a:t>
+            </a:r>
+            <a:r>
+              <a:rPr lang="en-US" sz="2800" b="1" spc="-85" dirty="0">
+                <a:latin typeface="Times New Roman"/>
+                <a:cs typeface="Times New Roman"/>
+              </a:rPr>
+              <a:t> </a:t>
+            </a:r>
+            <a:r>
+              <a:rPr lang="en-US" sz="2800" b="1" dirty="0">
+                <a:latin typeface="Times New Roman"/>
+                <a:cs typeface="Times New Roman"/>
+              </a:rPr>
+              <a:t>measure</a:t>
+            </a:r>
+            <a:r>
+              <a:rPr lang="en-US" sz="2800" b="1" spc="-90" dirty="0">
+                <a:latin typeface="Times New Roman"/>
+                <a:cs typeface="Times New Roman"/>
+              </a:rPr>
+              <a:t> </a:t>
+            </a:r>
+            <a:r>
+              <a:rPr lang="en-US" sz="2800" b="1" dirty="0">
+                <a:latin typeface="Times New Roman"/>
+                <a:cs typeface="Times New Roman"/>
+              </a:rPr>
+              <a:t>churn</a:t>
+            </a:r>
+            <a:r>
+              <a:rPr lang="en-US" sz="2800" b="1" spc="-85" dirty="0">
+                <a:latin typeface="Times New Roman"/>
+                <a:cs typeface="Times New Roman"/>
+              </a:rPr>
+              <a:t> </a:t>
+            </a:r>
+            <a:r>
+              <a:rPr lang="en-US" sz="2800" b="1" dirty="0">
+                <a:latin typeface="Times New Roman"/>
+                <a:cs typeface="Times New Roman"/>
+              </a:rPr>
+              <a:t>rate</a:t>
+            </a:r>
+            <a:r>
+              <a:rPr lang="en-US" sz="2800" b="1" spc="-85" dirty="0">
+                <a:latin typeface="Times New Roman"/>
+                <a:cs typeface="Times New Roman"/>
+              </a:rPr>
+              <a:t> </a:t>
+            </a:r>
+            <a:r>
+              <a:rPr lang="en-US" sz="2800" b="1" dirty="0">
+                <a:latin typeface="Times New Roman"/>
+                <a:cs typeface="Times New Roman"/>
+              </a:rPr>
+              <a:t>across</a:t>
+            </a:r>
+            <a:r>
+              <a:rPr lang="en-US" sz="2800" b="1" spc="-85" dirty="0">
+                <a:latin typeface="Times New Roman"/>
+                <a:cs typeface="Times New Roman"/>
+              </a:rPr>
+              <a:t> </a:t>
+            </a:r>
+            <a:r>
+              <a:rPr lang="en-US" sz="2800" b="1" dirty="0">
+                <a:latin typeface="Times New Roman"/>
+                <a:cs typeface="Times New Roman"/>
+              </a:rPr>
+              <a:t>various</a:t>
+            </a:r>
+            <a:r>
+              <a:rPr lang="en-US" sz="2800" b="1" spc="-85" dirty="0">
+                <a:latin typeface="Times New Roman"/>
+                <a:cs typeface="Times New Roman"/>
+              </a:rPr>
+              <a:t> </a:t>
+            </a:r>
+            <a:r>
+              <a:rPr lang="en-US" sz="2800" b="1" dirty="0">
+                <a:latin typeface="Times New Roman"/>
+                <a:cs typeface="Times New Roman"/>
+              </a:rPr>
+              <a:t>customer</a:t>
+            </a:r>
+            <a:r>
+              <a:rPr lang="en-US" sz="2800" b="1" spc="-85" dirty="0">
+                <a:latin typeface="Times New Roman"/>
+                <a:cs typeface="Times New Roman"/>
+              </a:rPr>
+              <a:t> </a:t>
+            </a:r>
+            <a:r>
+              <a:rPr lang="en-US" sz="2800" b="1" dirty="0">
+                <a:latin typeface="Times New Roman"/>
+                <a:cs typeface="Times New Roman"/>
+              </a:rPr>
+              <a:t>segments</a:t>
+            </a:r>
+            <a:r>
+              <a:rPr lang="en-US" sz="2800" b="1" spc="-85" dirty="0">
+                <a:latin typeface="Times New Roman"/>
+                <a:cs typeface="Times New Roman"/>
+              </a:rPr>
+              <a:t> </a:t>
+            </a:r>
+            <a:r>
+              <a:rPr lang="en-US" sz="2800" b="1" dirty="0">
+                <a:latin typeface="Times New Roman"/>
+                <a:cs typeface="Times New Roman"/>
+              </a:rPr>
+              <a:t>such</a:t>
+            </a:r>
+            <a:r>
+              <a:rPr lang="en-US" sz="2800" b="1" spc="-85" dirty="0">
+                <a:latin typeface="Times New Roman"/>
+                <a:cs typeface="Times New Roman"/>
+              </a:rPr>
+              <a:t> </a:t>
+            </a:r>
+            <a:r>
+              <a:rPr lang="en-US" sz="2800" b="1" dirty="0">
+                <a:latin typeface="Times New Roman"/>
+                <a:cs typeface="Times New Roman"/>
+              </a:rPr>
+              <a:t>as</a:t>
+            </a:r>
+            <a:r>
+              <a:rPr lang="en-US" sz="2800" b="1" spc="-85" dirty="0">
+                <a:latin typeface="Times New Roman"/>
+                <a:cs typeface="Times New Roman"/>
+              </a:rPr>
+              <a:t> </a:t>
+            </a:r>
+            <a:r>
+              <a:rPr lang="en-US" sz="2800" b="1" dirty="0">
+                <a:latin typeface="Times New Roman"/>
+                <a:cs typeface="Times New Roman"/>
+              </a:rPr>
+              <a:t>contract</a:t>
+            </a:r>
+            <a:r>
+              <a:rPr lang="en-US" sz="2800" b="1" spc="-85" dirty="0">
+                <a:latin typeface="Times New Roman"/>
+                <a:cs typeface="Times New Roman"/>
+              </a:rPr>
+              <a:t> </a:t>
+            </a:r>
+            <a:r>
+              <a:rPr lang="en-US" sz="2800" b="1" dirty="0">
+                <a:latin typeface="Times New Roman"/>
+                <a:cs typeface="Times New Roman"/>
+              </a:rPr>
+              <a:t>type,</a:t>
+            </a:r>
+            <a:r>
+              <a:rPr lang="en-US" sz="2800" b="1" spc="-85" dirty="0">
+                <a:latin typeface="Times New Roman"/>
+                <a:cs typeface="Times New Roman"/>
+              </a:rPr>
+              <a:t> </a:t>
+            </a:r>
+            <a:r>
+              <a:rPr lang="en-US" sz="2800" b="1" dirty="0">
+                <a:latin typeface="Times New Roman"/>
+                <a:cs typeface="Times New Roman"/>
+              </a:rPr>
+              <a:t>internet</a:t>
+            </a:r>
+            <a:r>
+              <a:rPr lang="en-US" sz="2800" b="1" spc="-85" dirty="0">
+                <a:latin typeface="Times New Roman"/>
+                <a:cs typeface="Times New Roman"/>
+              </a:rPr>
+              <a:t> </a:t>
+            </a:r>
+            <a:r>
+              <a:rPr lang="en-US" sz="2800" b="1" spc="-10" dirty="0">
+                <a:latin typeface="Times New Roman"/>
+                <a:cs typeface="Times New Roman"/>
+              </a:rPr>
+              <a:t>service, </a:t>
+            </a:r>
+            <a:r>
+              <a:rPr lang="en-US" sz="2800" b="1" dirty="0">
+                <a:latin typeface="Times New Roman"/>
+                <a:cs typeface="Times New Roman"/>
+              </a:rPr>
+              <a:t>and</a:t>
+            </a:r>
+            <a:r>
+              <a:rPr lang="en-US" sz="2800" b="1" spc="-90" dirty="0">
+                <a:latin typeface="Times New Roman"/>
+                <a:cs typeface="Times New Roman"/>
+              </a:rPr>
+              <a:t> </a:t>
+            </a:r>
+            <a:r>
+              <a:rPr lang="en-US" sz="2800" b="1" dirty="0">
+                <a:latin typeface="Times New Roman"/>
+                <a:cs typeface="Times New Roman"/>
+              </a:rPr>
+              <a:t>payment</a:t>
+            </a:r>
+            <a:r>
+              <a:rPr lang="en-US" sz="2800" b="1" spc="-85" dirty="0">
+                <a:latin typeface="Times New Roman"/>
+                <a:cs typeface="Times New Roman"/>
+              </a:rPr>
+              <a:t> </a:t>
+            </a:r>
+            <a:r>
+              <a:rPr lang="en-US" sz="2800" b="1" spc="-10" dirty="0">
+                <a:latin typeface="Times New Roman"/>
+                <a:cs typeface="Times New Roman"/>
+              </a:rPr>
+              <a:t>method.</a:t>
+            </a:r>
+            <a:endParaRPr lang="en-US" sz="2800" dirty="0">
+              <a:latin typeface="Times New Roman"/>
+              <a:cs typeface="Times New Roman"/>
+            </a:endParaRPr>
+          </a:p>
+          <a:p>
+            <a:pPr marL="469900" indent="-457200">
+              <a:lnSpc>
+                <a:spcPct val="100000"/>
+              </a:lnSpc>
+              <a:spcBef>
+                <a:spcPts val="755"/>
+              </a:spcBef>
+              <a:buFont typeface="Wingdings" panose="05000000000000000000" pitchFamily="2" charset="2"/>
+              <a:buChar char="v"/>
+            </a:pPr>
+            <a:r>
+              <a:rPr lang="en-US" sz="2800" b="1" dirty="0">
+                <a:latin typeface="Times New Roman"/>
+                <a:cs typeface="Times New Roman"/>
+              </a:rPr>
+              <a:t>To</a:t>
+            </a:r>
+            <a:r>
+              <a:rPr lang="en-US" sz="2800" b="1" spc="-105" dirty="0">
+                <a:latin typeface="Times New Roman"/>
+                <a:cs typeface="Times New Roman"/>
+              </a:rPr>
+              <a:t> </a:t>
+            </a:r>
+            <a:r>
+              <a:rPr lang="en-US" sz="2800" b="1" dirty="0">
+                <a:latin typeface="Times New Roman"/>
+                <a:cs typeface="Times New Roman"/>
+              </a:rPr>
+              <a:t>visualize</a:t>
+            </a:r>
+            <a:r>
+              <a:rPr lang="en-US" sz="2800" b="1" spc="-105" dirty="0">
+                <a:latin typeface="Times New Roman"/>
+                <a:cs typeface="Times New Roman"/>
+              </a:rPr>
+              <a:t> </a:t>
+            </a:r>
+            <a:r>
+              <a:rPr lang="en-US" sz="2800" b="1" dirty="0">
+                <a:latin typeface="Times New Roman"/>
+                <a:cs typeface="Times New Roman"/>
+              </a:rPr>
+              <a:t>business</a:t>
+            </a:r>
+            <a:r>
+              <a:rPr lang="en-US" sz="2800" b="1" spc="-100" dirty="0">
+                <a:latin typeface="Times New Roman"/>
+                <a:cs typeface="Times New Roman"/>
+              </a:rPr>
+              <a:t> </a:t>
+            </a:r>
+            <a:r>
+              <a:rPr lang="en-US" sz="2800" b="1" dirty="0">
+                <a:latin typeface="Times New Roman"/>
+                <a:cs typeface="Times New Roman"/>
+              </a:rPr>
+              <a:t>performance</a:t>
+            </a:r>
+            <a:r>
+              <a:rPr lang="en-US" sz="2800" b="1" spc="-105" dirty="0">
+                <a:latin typeface="Times New Roman"/>
+                <a:cs typeface="Times New Roman"/>
+              </a:rPr>
+              <a:t> </a:t>
+            </a:r>
+            <a:r>
+              <a:rPr lang="en-US" sz="2800" b="1" dirty="0">
+                <a:latin typeface="Times New Roman"/>
+                <a:cs typeface="Times New Roman"/>
+              </a:rPr>
+              <a:t>using</a:t>
+            </a:r>
+            <a:r>
+              <a:rPr lang="en-US" sz="2800" b="1" spc="-105" dirty="0">
+                <a:latin typeface="Times New Roman"/>
+                <a:cs typeface="Times New Roman"/>
+              </a:rPr>
+              <a:t> </a:t>
+            </a:r>
+            <a:r>
+              <a:rPr lang="en-US" sz="2800" b="1" dirty="0">
+                <a:latin typeface="Times New Roman"/>
+                <a:cs typeface="Times New Roman"/>
+              </a:rPr>
+              <a:t>interactive</a:t>
+            </a:r>
+            <a:r>
+              <a:rPr lang="en-US" sz="2800" b="1" spc="-100" dirty="0">
+                <a:latin typeface="Times New Roman"/>
+                <a:cs typeface="Times New Roman"/>
+              </a:rPr>
+              <a:t> </a:t>
+            </a:r>
+            <a:r>
+              <a:rPr lang="en-US" sz="2800" b="1" dirty="0">
+                <a:latin typeface="Times New Roman"/>
+                <a:cs typeface="Times New Roman"/>
+              </a:rPr>
+              <a:t>Power</a:t>
+            </a:r>
+            <a:r>
+              <a:rPr lang="en-US" sz="2800" b="1" spc="-105" dirty="0">
+                <a:latin typeface="Times New Roman"/>
+                <a:cs typeface="Times New Roman"/>
+              </a:rPr>
+              <a:t> </a:t>
+            </a:r>
+            <a:r>
+              <a:rPr lang="en-US" sz="2800" b="1" dirty="0">
+                <a:latin typeface="Times New Roman"/>
+                <a:cs typeface="Times New Roman"/>
+              </a:rPr>
+              <a:t>BI</a:t>
+            </a:r>
+            <a:r>
+              <a:rPr lang="en-US" sz="2800" b="1" spc="-100" dirty="0">
+                <a:latin typeface="Times New Roman"/>
+                <a:cs typeface="Times New Roman"/>
+              </a:rPr>
+              <a:t> </a:t>
+            </a:r>
+            <a:r>
+              <a:rPr lang="en-US" sz="2800" b="1" dirty="0">
+                <a:latin typeface="Times New Roman"/>
+                <a:cs typeface="Times New Roman"/>
+              </a:rPr>
+              <a:t>dashboards</a:t>
+            </a:r>
+            <a:r>
+              <a:rPr lang="en-US" sz="2800" b="1" spc="-105" dirty="0">
+                <a:latin typeface="Times New Roman"/>
+                <a:cs typeface="Times New Roman"/>
+              </a:rPr>
+              <a:t> </a:t>
+            </a:r>
+            <a:r>
+              <a:rPr lang="en-US" sz="2800" b="1" dirty="0">
+                <a:latin typeface="Times New Roman"/>
+                <a:cs typeface="Times New Roman"/>
+              </a:rPr>
+              <a:t>and</a:t>
+            </a:r>
+            <a:r>
+              <a:rPr lang="en-US" sz="2800" b="1" spc="-105" dirty="0">
+                <a:latin typeface="Times New Roman"/>
+                <a:cs typeface="Times New Roman"/>
+              </a:rPr>
+              <a:t> </a:t>
+            </a:r>
+            <a:r>
+              <a:rPr lang="en-US" sz="2800" b="1" spc="-10" dirty="0">
+                <a:latin typeface="Times New Roman"/>
+                <a:cs typeface="Times New Roman"/>
+              </a:rPr>
+              <a:t>KPIs.</a:t>
+            </a:r>
+            <a:endParaRPr lang="en-US" sz="2800" dirty="0">
+              <a:latin typeface="Times New Roman"/>
+              <a:cs typeface="Times New Roman"/>
+            </a:endParaRPr>
+          </a:p>
+          <a:p>
+            <a:pPr marL="469900" marR="1613535" indent="-457200">
+              <a:lnSpc>
+                <a:spcPts val="4580"/>
+              </a:lnSpc>
+              <a:spcBef>
+                <a:spcPts val="330"/>
+              </a:spcBef>
+              <a:buFont typeface="Wingdings" panose="05000000000000000000" pitchFamily="2" charset="2"/>
+              <a:buChar char="v"/>
+            </a:pPr>
+            <a:r>
+              <a:rPr lang="en-US" sz="2800" b="1" dirty="0">
+                <a:latin typeface="Times New Roman"/>
+                <a:cs typeface="Times New Roman"/>
+              </a:rPr>
+              <a:t>To</a:t>
+            </a:r>
+            <a:r>
+              <a:rPr lang="en-US" sz="2800" b="1" spc="-80" dirty="0">
+                <a:latin typeface="Times New Roman"/>
+                <a:cs typeface="Times New Roman"/>
+              </a:rPr>
+              <a:t> </a:t>
+            </a:r>
+            <a:r>
+              <a:rPr lang="en-US" sz="2800" b="1" dirty="0">
+                <a:latin typeface="Times New Roman"/>
+                <a:cs typeface="Times New Roman"/>
+              </a:rPr>
+              <a:t>predict</a:t>
+            </a:r>
+            <a:r>
+              <a:rPr lang="en-US" sz="2800" b="1" spc="-80" dirty="0">
+                <a:latin typeface="Times New Roman"/>
+                <a:cs typeface="Times New Roman"/>
+              </a:rPr>
+              <a:t> </a:t>
+            </a:r>
+            <a:r>
+              <a:rPr lang="en-US" sz="2800" b="1" dirty="0">
+                <a:latin typeface="Times New Roman"/>
+                <a:cs typeface="Times New Roman"/>
+              </a:rPr>
+              <a:t>churn</a:t>
+            </a:r>
+            <a:r>
+              <a:rPr lang="en-US" sz="2800" b="1" spc="-80" dirty="0">
+                <a:latin typeface="Times New Roman"/>
+                <a:cs typeface="Times New Roman"/>
+              </a:rPr>
+              <a:t> </a:t>
+            </a:r>
+            <a:r>
+              <a:rPr lang="en-US" sz="2800" b="1" dirty="0">
+                <a:latin typeface="Times New Roman"/>
+                <a:cs typeface="Times New Roman"/>
+              </a:rPr>
+              <a:t>risk</a:t>
+            </a:r>
+            <a:r>
+              <a:rPr lang="en-US" sz="2800" b="1" spc="-80" dirty="0">
+                <a:latin typeface="Times New Roman"/>
+                <a:cs typeface="Times New Roman"/>
+              </a:rPr>
+              <a:t> </a:t>
+            </a:r>
+            <a:r>
+              <a:rPr lang="en-US" sz="2800" b="1" dirty="0">
+                <a:latin typeface="Times New Roman"/>
+                <a:cs typeface="Times New Roman"/>
+              </a:rPr>
+              <a:t>and</a:t>
+            </a:r>
+            <a:r>
+              <a:rPr lang="en-US" sz="2800" b="1" spc="-80" dirty="0">
+                <a:latin typeface="Times New Roman"/>
+                <a:cs typeface="Times New Roman"/>
+              </a:rPr>
+              <a:t> </a:t>
+            </a:r>
+            <a:r>
+              <a:rPr lang="en-US" sz="2800" b="1" dirty="0">
+                <a:latin typeface="Times New Roman"/>
+                <a:cs typeface="Times New Roman"/>
+              </a:rPr>
+              <a:t>highlight</a:t>
+            </a:r>
+            <a:r>
+              <a:rPr lang="en-US" sz="2800" b="1" spc="-80" dirty="0">
+                <a:latin typeface="Times New Roman"/>
+                <a:cs typeface="Times New Roman"/>
+              </a:rPr>
+              <a:t> </a:t>
+            </a:r>
+            <a:r>
+              <a:rPr lang="en-US" sz="2800" b="1" spc="-20" dirty="0">
+                <a:latin typeface="Times New Roman"/>
+                <a:cs typeface="Times New Roman"/>
+              </a:rPr>
+              <a:t>high-</a:t>
+            </a:r>
+            <a:r>
+              <a:rPr lang="en-US" sz="2800" b="1" dirty="0">
+                <a:latin typeface="Times New Roman"/>
+                <a:cs typeface="Times New Roman"/>
+              </a:rPr>
+              <a:t>risk</a:t>
+            </a:r>
+            <a:r>
+              <a:rPr lang="en-US" sz="2800" b="1" spc="-80" dirty="0">
+                <a:latin typeface="Times New Roman"/>
+                <a:cs typeface="Times New Roman"/>
+              </a:rPr>
+              <a:t> </a:t>
+            </a:r>
+            <a:r>
+              <a:rPr lang="en-US" sz="2800" b="1" dirty="0">
+                <a:latin typeface="Times New Roman"/>
+                <a:cs typeface="Times New Roman"/>
+              </a:rPr>
+              <a:t>customer</a:t>
+            </a:r>
+            <a:r>
+              <a:rPr lang="en-US" sz="2800" b="1" spc="-80" dirty="0">
+                <a:latin typeface="Times New Roman"/>
+                <a:cs typeface="Times New Roman"/>
+              </a:rPr>
+              <a:t> </a:t>
+            </a:r>
+            <a:r>
+              <a:rPr lang="en-US" sz="2800" b="1" dirty="0">
+                <a:latin typeface="Times New Roman"/>
+                <a:cs typeface="Times New Roman"/>
+              </a:rPr>
+              <a:t>segments</a:t>
+            </a:r>
+            <a:r>
+              <a:rPr lang="en-US" sz="2800" b="1" spc="-80" dirty="0">
+                <a:latin typeface="Times New Roman"/>
+                <a:cs typeface="Times New Roman"/>
+              </a:rPr>
+              <a:t> </a:t>
+            </a:r>
+            <a:r>
+              <a:rPr lang="en-US" sz="2800" b="1" dirty="0">
+                <a:latin typeface="Times New Roman"/>
+                <a:cs typeface="Times New Roman"/>
+              </a:rPr>
+              <a:t>for</a:t>
+            </a:r>
+            <a:r>
+              <a:rPr lang="en-US" sz="2800" b="1" spc="-75" dirty="0">
+                <a:latin typeface="Times New Roman"/>
+                <a:cs typeface="Times New Roman"/>
+              </a:rPr>
+              <a:t> </a:t>
+            </a:r>
+            <a:r>
+              <a:rPr lang="en-US" sz="2800" b="1" dirty="0">
+                <a:latin typeface="Times New Roman"/>
+                <a:cs typeface="Times New Roman"/>
+              </a:rPr>
+              <a:t>targeted</a:t>
+            </a:r>
+            <a:r>
+              <a:rPr lang="en-US" sz="2800" b="1" spc="-80" dirty="0">
+                <a:latin typeface="Times New Roman"/>
+                <a:cs typeface="Times New Roman"/>
+              </a:rPr>
+              <a:t> </a:t>
+            </a:r>
+            <a:r>
+              <a:rPr lang="en-US" sz="2800" b="1" spc="-10" dirty="0">
+                <a:latin typeface="Times New Roman"/>
+                <a:cs typeface="Times New Roman"/>
+              </a:rPr>
+              <a:t>retention strategies.</a:t>
+            </a:r>
+            <a:endParaRPr lang="en-US" sz="2800" dirty="0">
+              <a:latin typeface="Times New Roman"/>
+              <a:cs typeface="Times New Roman"/>
+            </a:endParaRPr>
+          </a:p>
+          <a:p>
+            <a:pPr marL="536575" indent="-457200">
+              <a:lnSpc>
+                <a:spcPct val="100000"/>
+              </a:lnSpc>
+              <a:spcBef>
+                <a:spcPts val="830"/>
+              </a:spcBef>
+              <a:buFont typeface="Wingdings" panose="05000000000000000000" pitchFamily="2" charset="2"/>
+              <a:buChar char="v"/>
+            </a:pPr>
+            <a:r>
+              <a:rPr lang="en-US" sz="2800" b="1" dirty="0">
+                <a:latin typeface="Times New Roman"/>
+                <a:cs typeface="Times New Roman"/>
+              </a:rPr>
+              <a:t>To</a:t>
+            </a:r>
+            <a:r>
+              <a:rPr lang="en-US" sz="2800" b="1" spc="-60" dirty="0">
+                <a:latin typeface="Times New Roman"/>
+                <a:cs typeface="Times New Roman"/>
+              </a:rPr>
+              <a:t> </a:t>
+            </a:r>
+            <a:r>
+              <a:rPr lang="en-US" sz="2800" b="1" dirty="0">
+                <a:latin typeface="Times New Roman"/>
+                <a:cs typeface="Times New Roman"/>
+              </a:rPr>
+              <a:t>support</a:t>
+            </a:r>
+            <a:r>
+              <a:rPr lang="en-US" sz="2800" b="1" spc="-55" dirty="0">
+                <a:latin typeface="Times New Roman"/>
+                <a:cs typeface="Times New Roman"/>
+              </a:rPr>
+              <a:t> </a:t>
+            </a:r>
+            <a:r>
+              <a:rPr lang="en-US" sz="2800" b="1" spc="-10" dirty="0">
+                <a:latin typeface="Times New Roman"/>
+                <a:cs typeface="Times New Roman"/>
+              </a:rPr>
+              <a:t>data-</a:t>
+            </a:r>
+            <a:r>
+              <a:rPr lang="en-US" sz="2800" b="1" dirty="0">
+                <a:latin typeface="Times New Roman"/>
+                <a:cs typeface="Times New Roman"/>
+              </a:rPr>
+              <a:t>driven</a:t>
+            </a:r>
+            <a:r>
+              <a:rPr lang="en-US" sz="2800" b="1" spc="-55" dirty="0">
+                <a:latin typeface="Times New Roman"/>
+                <a:cs typeface="Times New Roman"/>
+              </a:rPr>
+              <a:t> </a:t>
+            </a:r>
+            <a:r>
+              <a:rPr lang="en-US" sz="2800" b="1" dirty="0">
+                <a:latin typeface="Times New Roman"/>
+                <a:cs typeface="Times New Roman"/>
+              </a:rPr>
+              <a:t>decisions</a:t>
+            </a:r>
+            <a:r>
+              <a:rPr lang="en-US" sz="2800" b="1" spc="-55" dirty="0">
+                <a:latin typeface="Times New Roman"/>
+                <a:cs typeface="Times New Roman"/>
+              </a:rPr>
+              <a:t> </a:t>
+            </a:r>
+            <a:r>
+              <a:rPr lang="en-US" sz="2800" b="1" dirty="0">
+                <a:latin typeface="Times New Roman"/>
+                <a:cs typeface="Times New Roman"/>
+              </a:rPr>
+              <a:t>that</a:t>
+            </a:r>
+            <a:r>
+              <a:rPr lang="en-US" sz="2800" b="1" spc="-55" dirty="0">
+                <a:latin typeface="Times New Roman"/>
+                <a:cs typeface="Times New Roman"/>
+              </a:rPr>
+              <a:t> </a:t>
+            </a:r>
+            <a:r>
+              <a:rPr lang="en-US" sz="2800" b="1" dirty="0">
+                <a:latin typeface="Times New Roman"/>
+                <a:cs typeface="Times New Roman"/>
+              </a:rPr>
+              <a:t>can</a:t>
+            </a:r>
+            <a:r>
+              <a:rPr lang="en-US" sz="2800" b="1" spc="-55" dirty="0">
+                <a:latin typeface="Times New Roman"/>
+                <a:cs typeface="Times New Roman"/>
+              </a:rPr>
+              <a:t> </a:t>
+            </a:r>
+            <a:r>
+              <a:rPr lang="en-US" sz="2800" b="1" dirty="0">
+                <a:latin typeface="Times New Roman"/>
+                <a:cs typeface="Times New Roman"/>
+              </a:rPr>
+              <a:t>reduce</a:t>
+            </a:r>
+            <a:r>
+              <a:rPr lang="en-US" sz="2800" b="1" spc="-55" dirty="0">
+                <a:latin typeface="Times New Roman"/>
+                <a:cs typeface="Times New Roman"/>
+              </a:rPr>
+              <a:t> </a:t>
+            </a:r>
+            <a:r>
+              <a:rPr lang="en-US" sz="2800" b="1" dirty="0">
+                <a:latin typeface="Times New Roman"/>
+                <a:cs typeface="Times New Roman"/>
+              </a:rPr>
+              <a:t>churn,</a:t>
+            </a:r>
+            <a:r>
+              <a:rPr lang="en-US" sz="2800" b="1" spc="-55" dirty="0">
+                <a:latin typeface="Times New Roman"/>
+                <a:cs typeface="Times New Roman"/>
+              </a:rPr>
+              <a:t> </a:t>
+            </a:r>
+            <a:r>
+              <a:rPr lang="en-US" sz="2800" b="1" dirty="0">
+                <a:latin typeface="Times New Roman"/>
+                <a:cs typeface="Times New Roman"/>
+              </a:rPr>
+              <a:t>increase</a:t>
+            </a:r>
+            <a:r>
+              <a:rPr lang="en-US" sz="2800" b="1" spc="-55" dirty="0">
+                <a:latin typeface="Times New Roman"/>
+                <a:cs typeface="Times New Roman"/>
+              </a:rPr>
+              <a:t> </a:t>
+            </a:r>
+            <a:r>
+              <a:rPr lang="en-US" sz="2800" b="1" dirty="0">
+                <a:latin typeface="Times New Roman"/>
+                <a:cs typeface="Times New Roman"/>
+              </a:rPr>
+              <a:t>customer</a:t>
+            </a:r>
+            <a:r>
+              <a:rPr lang="en-US" sz="2800" b="1" spc="-55" dirty="0">
+                <a:latin typeface="Times New Roman"/>
+                <a:cs typeface="Times New Roman"/>
+              </a:rPr>
+              <a:t> </a:t>
+            </a:r>
+            <a:r>
+              <a:rPr lang="en-US" sz="2800" b="1" spc="-10" dirty="0">
+                <a:latin typeface="Times New Roman"/>
+                <a:cs typeface="Times New Roman"/>
+              </a:rPr>
+              <a:t>satisfaction,</a:t>
+            </a:r>
+            <a:endParaRPr lang="en-US" sz="2800" dirty="0">
+              <a:latin typeface="Times New Roman"/>
+              <a:cs typeface="Times New Roman"/>
+            </a:endParaRPr>
+          </a:p>
+          <a:p>
+            <a:pPr marL="79375">
+              <a:lnSpc>
+                <a:spcPct val="100000"/>
+              </a:lnSpc>
+              <a:spcBef>
+                <a:spcPts val="1260"/>
+              </a:spcBef>
+            </a:pPr>
+            <a:r>
+              <a:rPr lang="en-US" sz="2800" b="1" dirty="0">
+                <a:latin typeface="Times New Roman"/>
+                <a:cs typeface="Times New Roman"/>
+              </a:rPr>
+              <a:t>and</a:t>
+            </a:r>
+            <a:r>
+              <a:rPr lang="en-US" sz="2800" b="1" spc="-55" dirty="0">
+                <a:latin typeface="Times New Roman"/>
+                <a:cs typeface="Times New Roman"/>
+              </a:rPr>
+              <a:t> </a:t>
+            </a:r>
+            <a:r>
+              <a:rPr lang="en-US" sz="2800" b="1" dirty="0">
+                <a:latin typeface="Times New Roman"/>
+                <a:cs typeface="Times New Roman"/>
+              </a:rPr>
+              <a:t>improve</a:t>
+            </a:r>
+            <a:r>
+              <a:rPr lang="en-US" sz="2800" b="1" spc="-50" dirty="0">
+                <a:latin typeface="Times New Roman"/>
+                <a:cs typeface="Times New Roman"/>
+              </a:rPr>
+              <a:t> </a:t>
+            </a:r>
+            <a:r>
+              <a:rPr lang="en-US" sz="2800" b="1" dirty="0">
+                <a:latin typeface="Times New Roman"/>
+                <a:cs typeface="Times New Roman"/>
+              </a:rPr>
+              <a:t>revenue</a:t>
+            </a:r>
+            <a:r>
+              <a:rPr lang="en-US" sz="2800" b="1" spc="-55" dirty="0">
+                <a:latin typeface="Times New Roman"/>
+                <a:cs typeface="Times New Roman"/>
+              </a:rPr>
+              <a:t> </a:t>
+            </a:r>
+            <a:r>
+              <a:rPr lang="en-US" sz="2800" b="1" spc="-10" dirty="0">
+                <a:latin typeface="Times New Roman"/>
+                <a:cs typeface="Times New Roman"/>
+              </a:rPr>
+              <a:t>stability.</a:t>
+            </a:r>
+          </a:p>
+          <a:p>
+            <a:pPr marL="79375">
+              <a:lnSpc>
+                <a:spcPct val="100000"/>
+              </a:lnSpc>
+              <a:spcBef>
+                <a:spcPts val="1260"/>
+              </a:spcBef>
+            </a:pPr>
+            <a:endParaRPr lang="en-US" sz="2800" dirty="0">
+              <a:latin typeface="Times New Roman"/>
+              <a:cs typeface="Times New Roman"/>
+            </a:endParaRPr>
+          </a:p>
+        </p:txBody>
+      </p:sp>
     </p:spTree>
   </p:cSld>
   <p:clrMapOvr>
@@ -2384,22 +3593,76 @@
           <a:chExt cx="0" cy="0"/>
         </a:xfrm>
       </p:grpSpPr>
+      <p:sp>
+        <p:nvSpPr>
+          <p:cNvPr id="9" name="object 9"/>
+          <p:cNvSpPr txBox="1"/>
+          <p:nvPr/>
+        </p:nvSpPr>
+        <p:spPr>
+          <a:xfrm>
+            <a:off x="11732411" y="701812"/>
+            <a:ext cx="839640" cy="320601"/>
+          </a:xfrm>
+          <a:prstGeom prst="rect">
+            <a:avLst/>
+          </a:prstGeom>
+        </p:spPr>
+        <p:txBody>
+          <a:bodyPr vert="horz" wrap="square" lIns="0" tIns="12700" rIns="0" bIns="0" rtlCol="0">
+            <a:spAutoFit/>
+          </a:bodyPr>
+          <a:lstStyle/>
+          <a:p>
+            <a:pPr marL="12700">
+              <a:lnSpc>
+                <a:spcPct val="100000"/>
+              </a:lnSpc>
+              <a:spcBef>
+                <a:spcPts val="100"/>
+              </a:spcBef>
+            </a:pPr>
+            <a:r>
+              <a:rPr sz="2000" spc="225" dirty="0">
+                <a:solidFill>
+                  <a:srgbClr val="B14F31"/>
+                </a:solidFill>
+                <a:latin typeface="Calibri"/>
+                <a:cs typeface="Calibri"/>
+              </a:rPr>
+              <a:t>t</a:t>
+            </a:r>
+            <a:endParaRPr sz="2000" dirty="0">
+              <a:latin typeface="Calibri"/>
+              <a:cs typeface="Calibri"/>
+            </a:endParaRPr>
+          </a:p>
+        </p:txBody>
+      </p:sp>
       <p:pic>
         <p:nvPicPr>
-          <p:cNvPr id="13" name="object 6"/>
-          <p:cNvPicPr/>
+          <p:cNvPr id="7" name="Picture 6">
+            <a:extLst>
+              <a:ext uri="{FF2B5EF4-FFF2-40B4-BE49-F238E27FC236}">
+                <a16:creationId xmlns:a16="http://schemas.microsoft.com/office/drawing/2014/main" id="{3E2D2C38-6F69-9F28-17F4-3FB2D20C877C}"/>
+              </a:ext>
+            </a:extLst>
+          </p:cNvPr>
+          <p:cNvPicPr>
+            <a:picLocks noChangeAspect="1"/>
+          </p:cNvPicPr>
           <p:nvPr/>
         </p:nvPicPr>
         <p:blipFill>
-          <a:blip r:embed="rId2" cstate="print"/>
+          <a:blip r:embed="rId2"/>
           <a:stretch>
             <a:fillRect/>
           </a:stretch>
         </p:blipFill>
         <p:spPr>
           <a:xfrm>
-            <a:off x="125186" y="190500"/>
-            <a:ext cx="6885214" cy="9982009"/>
+            <a:off x="0" y="0"/>
+            <a:ext cx="18440400" cy="10286999"/>
           </a:xfrm>
           <a:prstGeom prst="rect">
             <a:avLst/>
@@ -2419,10 +3682,65 @@
   <p:cSld>
     <p:spTree>
       <p:nvGrpSpPr>
+        <p:cNvPr id="1" name=""/>
+        <p:cNvGrpSpPr/>
+        <p:nvPr/>
+      </p:nvGrpSpPr>
+      <p:grpSpPr>
+        <a:xfrm>
+          <a:off x="0" y="0"/>
+          <a:ext cx="0" cy="0"/>
+          <a:chOff x="0" y="0"/>
+          <a:chExt cx="0" cy="0"/>
+        </a:xfrm>
+      </p:grpSpPr>
+      <p:pic>
+        <p:nvPicPr>
+          <p:cNvPr id="8" name="Picture 7">
+            <a:extLst>
+              <a:ext uri="{FF2B5EF4-FFF2-40B4-BE49-F238E27FC236}">
+                <a16:creationId xmlns:a16="http://schemas.microsoft.com/office/drawing/2014/main" id="{A4CE53E5-8A48-C7A4-A8B1-1C231FA94F7A}"/>
+              </a:ext>
+            </a:extLst>
+          </p:cNvPr>
+          <p:cNvPicPr>
+            <a:picLocks noChangeAspect="1"/>
+          </p:cNvPicPr>
+          <p:nvPr/>
+        </p:nvPicPr>
+        <p:blipFill>
+          <a:blip r:embed="rId2"/>
+          <a:stretch>
+            <a:fillRect/>
+          </a:stretch>
+        </p:blipFill>
+        <p:spPr>
+          <a:xfrm>
+            <a:off x="-76200" y="0"/>
+            <a:ext cx="18364199" cy="10706100"/>
+          </a:xfrm>
+          <a:prstGeom prst="rect">
+            <a:avLst/>
+          </a:prstGeom>
+        </p:spPr>
+      </p:pic>
+    </p:spTree>
+  </p:cSld>
+  <p:clrMapOvr>
+    <a:masterClrMapping/>
+  </p:clrMapOvr>
+</p:sld>
+</file>
+
+<file path=ppt/slides/slide13.xml><?xml version="1.0" encoding="utf-8"?>
+<p:sld xmlns:a="http://schemas.openxmlformats.org/drawingml/2006/main" xmlns:r="http://schemas.openxmlformats.org/officeDocument/2006/relationships" xmlns:p="http://schemas.openxmlformats.org/presentationml/2006/main" showMasterSp="0">
+  <p:cSld>
+    <p:spTree>
+      <p:nvGrpSpPr>
         <p:cNvPr id="1" name="">
           <a:extLst>
             <a:ext uri="{FF2B5EF4-FFF2-40B4-BE49-F238E27FC236}">
-              <a16:creationId xmlns:a16="http://schemas.microsoft.com/office/drawing/2014/main" id="{5B1D1841-EF30-3F4A-F6DF-BB6820079048}"/>
+              <a16:creationId xmlns:a16="http://schemas.microsoft.com/office/drawing/2014/main" id="{0AE486A5-A6ED-F754-DC11-CCE7A7851104}"/>
             </a:ext>
           </a:extLst>
         </p:cNvPr>
@@ -2439,232 +3757,38 @@
       </p:grpSpPr>
       <p:pic>
         <p:nvPicPr>
-          <p:cNvPr id="2" name="object 2">
+          <p:cNvPr id="9" name="Picture 8">
             <a:extLst>
               <a:ext uri="{FF2B5EF4-FFF2-40B4-BE49-F238E27FC236}">
-                <a16:creationId xmlns:a16="http://schemas.microsoft.com/office/drawing/2014/main" id="{E3E3F09D-204C-0DEF-40B2-D2F93AE2520F}"/>
+                <a16:creationId xmlns:a16="http://schemas.microsoft.com/office/drawing/2014/main" id="{99BCD947-931F-B515-C0D5-12357ECE23D6}"/>
               </a:ext>
             </a:extLst>
           </p:cNvPr>
-          <p:cNvPicPr/>
+          <p:cNvPicPr>
+            <a:picLocks noChangeAspect="1"/>
+          </p:cNvPicPr>
           <p:nvPr/>
         </p:nvPicPr>
         <p:blipFill>
-          <a:blip r:embed="rId2" cstate="print"/>
+          <a:blip r:embed="rId2"/>
           <a:stretch>
             <a:fillRect/>
           </a:stretch>
         </p:blipFill>
         <p:spPr>
           <a:xfrm>
-            <a:off x="10887" y="114300"/>
-            <a:ext cx="6618514" cy="10058400"/>
+            <a:off x="0" y="0"/>
+            <a:ext cx="18135600" cy="10401300"/>
           </a:xfrm>
           <a:prstGeom prst="rect">
             <a:avLst/>
           </a:prstGeom>
         </p:spPr>
       </p:pic>
-      <p:sp>
-        <p:nvSpPr>
-          <p:cNvPr id="12" name="object 12">
-            <a:extLst>
-              <a:ext uri="{FF2B5EF4-FFF2-40B4-BE49-F238E27FC236}">
-                <a16:creationId xmlns:a16="http://schemas.microsoft.com/office/drawing/2014/main" id="{3597B060-F740-E584-2F60-2F366C18ADB3}"/>
-              </a:ext>
-            </a:extLst>
-          </p:cNvPr>
-          <p:cNvSpPr txBox="1">
-            <a:spLocks noGrp="1"/>
-          </p:cNvSpPr>
-          <p:nvPr>
-            <p:ph type="ftr" sz="quarter" idx="5"/>
-          </p:nvPr>
-        </p:nvSpPr>
-        <p:spPr>
-          <a:xfrm>
-            <a:off x="14824933" y="8939538"/>
-            <a:ext cx="2447290" cy="312265"/>
-          </a:xfrm>
-          <a:prstGeom prst="rect">
-            <a:avLst/>
-          </a:prstGeom>
-        </p:spPr>
-        <p:txBody>
-          <a:bodyPr vert="horz" wrap="square" lIns="0" tIns="4445" rIns="0" bIns="0" rtlCol="0">
-            <a:spAutoFit/>
-          </a:bodyPr>
-          <a:lstStyle/>
-          <a:p>
-            <a:pPr marR="5080" algn="r">
-              <a:lnSpc>
-                <a:spcPts val="2385"/>
-              </a:lnSpc>
-            </a:pPr>
-            <a:endParaRPr lang="en-IN" b="1" spc="220" dirty="0"/>
-          </a:p>
-        </p:txBody>
-      </p:sp>
     </p:spTree>
     <p:extLst>
       <p:ext uri="{BB962C8B-B14F-4D97-AF65-F5344CB8AC3E}">
-        <p14:creationId xmlns:p14="http://schemas.microsoft.com/office/powerpoint/2010/main" val="2459653148"/>
-      </p:ext>
-    </p:extLst>
-  </p:cSld>
-  <p:clrMapOvr>
-    <a:masterClrMapping/>
-  </p:clrMapOvr>
-</p:sld>
-</file>
-
-<file path=ppt/slides/slide13.xml><?xml version="1.0" encoding="utf-8"?>
-<p:sld xmlns:a="http://schemas.openxmlformats.org/drawingml/2006/main" xmlns:r="http://schemas.openxmlformats.org/officeDocument/2006/relationships" xmlns:p="http://schemas.openxmlformats.org/presentationml/2006/main" showMasterSp="0">
-  <p:cSld>
-    <p:spTree>
-      <p:nvGrpSpPr>
-        <p:cNvPr id="1" name="">
-          <a:extLst>
-            <a:ext uri="{FF2B5EF4-FFF2-40B4-BE49-F238E27FC236}">
-              <a16:creationId xmlns:a16="http://schemas.microsoft.com/office/drawing/2014/main" id="{83A9C2BF-C849-418F-7872-45C3E020718C}"/>
-            </a:ext>
-          </a:extLst>
-        </p:cNvPr>
-        <p:cNvGrpSpPr/>
-        <p:nvPr/>
-      </p:nvGrpSpPr>
-      <p:grpSpPr>
-        <a:xfrm>
-          <a:off x="0" y="0"/>
-          <a:ext cx="0" cy="0"/>
-          <a:chOff x="0" y="0"/>
-          <a:chExt cx="0" cy="0"/>
-        </a:xfrm>
-      </p:grpSpPr>
-      <p:pic>
-        <p:nvPicPr>
-          <p:cNvPr id="2" name="object 2">
-            <a:extLst>
-              <a:ext uri="{FF2B5EF4-FFF2-40B4-BE49-F238E27FC236}">
-                <a16:creationId xmlns:a16="http://schemas.microsoft.com/office/drawing/2014/main" id="{0F2D7E82-B946-8162-1D15-424357F64A8F}"/>
-              </a:ext>
-            </a:extLst>
-          </p:cNvPr>
-          <p:cNvPicPr/>
-          <p:nvPr/>
-        </p:nvPicPr>
-        <p:blipFill>
-          <a:blip r:embed="rId2" cstate="print"/>
-          <a:stretch>
-            <a:fillRect/>
-          </a:stretch>
-        </p:blipFill>
-        <p:spPr>
-          <a:xfrm>
-            <a:off x="1" y="0"/>
-            <a:ext cx="6555590" cy="9639300"/>
-          </a:xfrm>
-          <a:prstGeom prst="rect">
-            <a:avLst/>
-          </a:prstGeom>
-        </p:spPr>
-      </p:pic>
-      <p:sp>
-        <p:nvSpPr>
-          <p:cNvPr id="12" name="object 12">
-            <a:extLst>
-              <a:ext uri="{FF2B5EF4-FFF2-40B4-BE49-F238E27FC236}">
-                <a16:creationId xmlns:a16="http://schemas.microsoft.com/office/drawing/2014/main" id="{74C2CFD6-F632-230B-F84C-6089AD1C410E}"/>
-              </a:ext>
-            </a:extLst>
-          </p:cNvPr>
-          <p:cNvSpPr txBox="1">
-            <a:spLocks noGrp="1"/>
-          </p:cNvSpPr>
-          <p:nvPr>
-            <p:ph type="ftr" sz="quarter" idx="5"/>
-          </p:nvPr>
-        </p:nvSpPr>
-        <p:spPr>
-          <a:xfrm>
-            <a:off x="14824932" y="8939538"/>
-            <a:ext cx="3463067" cy="330090"/>
-          </a:xfrm>
-          <a:prstGeom prst="rect">
-            <a:avLst/>
-          </a:prstGeom>
-        </p:spPr>
-        <p:txBody>
-          <a:bodyPr vert="horz" wrap="square" lIns="0" tIns="4445" rIns="0" bIns="0" rtlCol="0">
-            <a:spAutoFit/>
-          </a:bodyPr>
-          <a:lstStyle/>
-          <a:p>
-            <a:pPr marR="5080" algn="r">
-              <a:lnSpc>
-                <a:spcPts val="2385"/>
-              </a:lnSpc>
-            </a:pPr>
-            <a:endParaRPr lang="en-IN" sz="2800" b="1" spc="220" dirty="0"/>
-          </a:p>
-        </p:txBody>
-      </p:sp>
-      <p:sp>
-        <p:nvSpPr>
-          <p:cNvPr id="8" name="object 8">
-            <a:extLst>
-              <a:ext uri="{FF2B5EF4-FFF2-40B4-BE49-F238E27FC236}">
-                <a16:creationId xmlns:a16="http://schemas.microsoft.com/office/drawing/2014/main" id="{4E7066E5-07FD-DF8E-62D0-9437EB383331}"/>
-              </a:ext>
-            </a:extLst>
-          </p:cNvPr>
-          <p:cNvSpPr txBox="1"/>
-          <p:nvPr/>
-        </p:nvSpPr>
-        <p:spPr>
-          <a:xfrm>
-            <a:off x="11732411" y="701812"/>
-            <a:ext cx="812800" cy="330200"/>
-          </a:xfrm>
-          <a:prstGeom prst="rect">
-            <a:avLst/>
-          </a:prstGeom>
-        </p:spPr>
-        <p:txBody>
-          <a:bodyPr vert="horz" wrap="square" lIns="0" tIns="12700" rIns="0" bIns="0" rtlCol="0">
-            <a:spAutoFit/>
-          </a:bodyPr>
-          <a:lstStyle/>
-          <a:p>
-            <a:pPr marL="12700">
-              <a:lnSpc>
-                <a:spcPct val="100000"/>
-              </a:lnSpc>
-              <a:spcBef>
-                <a:spcPts val="100"/>
-              </a:spcBef>
-            </a:pPr>
-            <a:r>
-              <a:rPr sz="2000" spc="225" dirty="0">
-                <a:solidFill>
-                  <a:srgbClr val="B14F31"/>
-                </a:solidFill>
-                <a:latin typeface="Calibri"/>
-                <a:cs typeface="Calibri"/>
-              </a:rPr>
-              <a:t>t</a:t>
-            </a:r>
-            <a:endParaRPr sz="2000" dirty="0">
-              <a:latin typeface="Calibri"/>
-              <a:cs typeface="Calibri"/>
-            </a:endParaRPr>
-          </a:p>
-        </p:txBody>
-      </p:sp>
-    </p:spTree>
-    <p:extLst>
-      <p:ext uri="{BB962C8B-B14F-4D97-AF65-F5344CB8AC3E}">
-        <p14:creationId xmlns:p14="http://schemas.microsoft.com/office/powerpoint/2010/main" val="2027480853"/>
+        <p14:creationId xmlns:p14="http://schemas.microsoft.com/office/powerpoint/2010/main" val="1946337155"/>
       </p:ext>
     </p:extLst>
   </p:cSld>
@@ -2691,28 +3815,1193 @@
           <a:chExt cx="0" cy="0"/>
         </a:xfrm>
       </p:grpSpPr>
-      <p:pic>
-        <p:nvPicPr>
-          <p:cNvPr id="4" name="object 4"/>
-          <p:cNvPicPr/>
+      <p:sp>
+        <p:nvSpPr>
+          <p:cNvPr id="3" name="TextBox 2">
+            <a:extLst>
+              <a:ext uri="{FF2B5EF4-FFF2-40B4-BE49-F238E27FC236}">
+                <a16:creationId xmlns:a16="http://schemas.microsoft.com/office/drawing/2014/main" id="{37D30D46-EFFE-234F-C942-58476A7F4944}"/>
+              </a:ext>
+            </a:extLst>
+          </p:cNvPr>
+          <p:cNvSpPr txBox="1"/>
           <p:nvPr/>
-        </p:nvPicPr>
-        <p:blipFill>
-          <a:blip r:embed="rId2" cstate="print"/>
-          <a:stretch>
-            <a:fillRect/>
-          </a:stretch>
-        </p:blipFill>
+        </p:nvSpPr>
         <p:spPr>
           <a:xfrm>
-            <a:off x="32657" y="190500"/>
-            <a:ext cx="5529943" cy="10096500"/>
+            <a:off x="250371" y="85555"/>
+            <a:ext cx="17809029" cy="584775"/>
           </a:xfrm>
           <a:prstGeom prst="rect">
             <a:avLst/>
           </a:prstGeom>
         </p:spPr>
-      </p:pic>
+        <p:style>
+          <a:lnRef idx="2">
+            <a:schemeClr val="accent2"/>
+          </a:lnRef>
+          <a:fillRef idx="1">
+            <a:schemeClr val="lt1"/>
+          </a:fillRef>
+          <a:effectRef idx="0">
+            <a:schemeClr val="accent2"/>
+          </a:effectRef>
+          <a:fontRef idx="minor">
+            <a:schemeClr val="dk1"/>
+          </a:fontRef>
+        </p:style>
+        <p:txBody>
+          <a:bodyPr wrap="square" rtlCol="0">
+            <a:spAutoFit/>
+          </a:bodyPr>
+          <a:lstStyle/>
+          <a:p>
+            <a:r>
+              <a:rPr lang="en-IN" sz="3200" b="1" spc="-10" dirty="0">
+                <a:solidFill>
+                  <a:srgbClr val="FF0000"/>
+                </a:solidFill>
+              </a:rPr>
+              <a:t>                                        Applications</a:t>
+            </a:r>
+            <a:r>
+              <a:rPr lang="en-IN" sz="3200" b="1" dirty="0">
+                <a:solidFill>
+                  <a:srgbClr val="FF0000"/>
+                </a:solidFill>
+              </a:rPr>
+              <a:t>	</a:t>
+            </a:r>
+            <a:r>
+              <a:rPr lang="en-IN" sz="3200" b="1" spc="-50" dirty="0">
+                <a:solidFill>
+                  <a:srgbClr val="FF0000"/>
+                </a:solidFill>
+              </a:rPr>
+              <a:t>&amp;       </a:t>
+            </a:r>
+            <a:r>
+              <a:rPr lang="en-IN" sz="3200" b="1" spc="-10" dirty="0">
+                <a:solidFill>
+                  <a:srgbClr val="FF0000"/>
+                </a:solidFill>
+              </a:rPr>
+              <a:t>Recommendations :</a:t>
+            </a:r>
+            <a:endParaRPr lang="en-IN" sz="3200" b="1" dirty="0">
+              <a:solidFill>
+                <a:srgbClr val="FF0000"/>
+              </a:solidFill>
+            </a:endParaRPr>
+          </a:p>
+        </p:txBody>
+      </p:sp>
+      <p:sp>
+        <p:nvSpPr>
+          <p:cNvPr id="4" name="TextBox 3">
+            <a:extLst>
+              <a:ext uri="{FF2B5EF4-FFF2-40B4-BE49-F238E27FC236}">
+                <a16:creationId xmlns:a16="http://schemas.microsoft.com/office/drawing/2014/main" id="{5F16ACF5-219E-71D3-1ACB-A54D441507AE}"/>
+              </a:ext>
+            </a:extLst>
+          </p:cNvPr>
+          <p:cNvSpPr txBox="1"/>
+          <p:nvPr/>
+        </p:nvSpPr>
+        <p:spPr>
+          <a:xfrm>
+            <a:off x="228600" y="775275"/>
+            <a:ext cx="17830800" cy="9133782"/>
+          </a:xfrm>
+          <a:prstGeom prst="rect">
+            <a:avLst/>
+          </a:prstGeom>
+        </p:spPr>
+        <p:style>
+          <a:lnRef idx="2">
+            <a:schemeClr val="accent2"/>
+          </a:lnRef>
+          <a:fillRef idx="1">
+            <a:schemeClr val="lt1"/>
+          </a:fillRef>
+          <a:effectRef idx="0">
+            <a:schemeClr val="accent2"/>
+          </a:effectRef>
+          <a:fontRef idx="minor">
+            <a:schemeClr val="dk1"/>
+          </a:fontRef>
+        </p:style>
+        <p:txBody>
+          <a:bodyPr wrap="square" rtlCol="0">
+            <a:spAutoFit/>
+          </a:bodyPr>
+          <a:lstStyle/>
+          <a:p>
+            <a:pPr marL="469900" indent="-457200">
+              <a:lnSpc>
+                <a:spcPct val="100000"/>
+              </a:lnSpc>
+              <a:spcBef>
+                <a:spcPts val="1630"/>
+              </a:spcBef>
+              <a:buFont typeface="Wingdings" panose="05000000000000000000" pitchFamily="2" charset="2"/>
+              <a:buChar char="q"/>
+            </a:pPr>
+            <a:r>
+              <a:rPr lang="en-US" sz="2800" b="1" spc="-10" dirty="0">
+                <a:solidFill>
+                  <a:srgbClr val="FF0000"/>
+                </a:solidFill>
+              </a:rPr>
+              <a:t>Applications :</a:t>
+            </a:r>
+          </a:p>
+          <a:p>
+            <a:pPr marL="12700">
+              <a:lnSpc>
+                <a:spcPct val="100000"/>
+              </a:lnSpc>
+              <a:spcBef>
+                <a:spcPts val="1630"/>
+              </a:spcBef>
+            </a:pPr>
+            <a:endParaRPr lang="en-US" sz="2800" b="1" spc="-10" dirty="0">
+              <a:solidFill>
+                <a:srgbClr val="FF0000"/>
+              </a:solidFill>
+            </a:endParaRPr>
+          </a:p>
+          <a:p>
+            <a:pPr marL="1073785" marR="2207895" indent="-457200">
+              <a:lnSpc>
+                <a:spcPct val="150000"/>
+              </a:lnSpc>
+              <a:spcBef>
+                <a:spcPts val="160"/>
+              </a:spcBef>
+              <a:buFont typeface="Wingdings" panose="05000000000000000000" pitchFamily="2" charset="2"/>
+              <a:buChar char="Ø"/>
+            </a:pPr>
+            <a:r>
+              <a:rPr lang="en-US" sz="2800" dirty="0"/>
+              <a:t>Used</a:t>
+            </a:r>
+            <a:r>
+              <a:rPr lang="en-US" sz="2800" spc="-50" dirty="0"/>
+              <a:t> </a:t>
+            </a:r>
+            <a:r>
+              <a:rPr lang="en-US" sz="2800" dirty="0"/>
+              <a:t>by</a:t>
+            </a:r>
+            <a:r>
+              <a:rPr lang="en-US" sz="2800" spc="-50" dirty="0"/>
+              <a:t> </a:t>
+            </a:r>
+            <a:r>
+              <a:rPr lang="en-US" sz="2800" dirty="0"/>
+              <a:t>Marketing</a:t>
+            </a:r>
+            <a:r>
+              <a:rPr lang="en-US" sz="2800" spc="-50" dirty="0"/>
+              <a:t> </a:t>
+            </a:r>
+            <a:r>
+              <a:rPr lang="en-US" sz="2800" dirty="0"/>
+              <a:t>Teams</a:t>
+            </a:r>
+            <a:r>
+              <a:rPr lang="en-US" sz="2800" spc="-50" dirty="0"/>
+              <a:t> </a:t>
+            </a:r>
+            <a:r>
+              <a:rPr lang="en-US" sz="2800" dirty="0"/>
+              <a:t>to</a:t>
+            </a:r>
+            <a:r>
+              <a:rPr lang="en-US" sz="2800" spc="-50" dirty="0"/>
+              <a:t> </a:t>
+            </a:r>
+            <a:r>
+              <a:rPr lang="en-US" sz="2800" dirty="0"/>
+              <a:t>identify</a:t>
+            </a:r>
+            <a:r>
+              <a:rPr lang="en-US" sz="2800" spc="-45" dirty="0"/>
+              <a:t> </a:t>
+            </a:r>
+            <a:r>
+              <a:rPr lang="en-US" sz="2800" dirty="0"/>
+              <a:t>and</a:t>
+            </a:r>
+            <a:r>
+              <a:rPr lang="en-US" sz="2800" spc="-50" dirty="0"/>
+              <a:t> </a:t>
+            </a:r>
+            <a:r>
+              <a:rPr lang="en-US" sz="2800" dirty="0"/>
+              <a:t>target</a:t>
+            </a:r>
+            <a:r>
+              <a:rPr lang="en-US" sz="2800" spc="-50" dirty="0"/>
+              <a:t> </a:t>
+            </a:r>
+            <a:r>
+              <a:rPr lang="en-US" sz="2800" spc="-20" dirty="0"/>
+              <a:t>high-</a:t>
+            </a:r>
+            <a:r>
+              <a:rPr lang="en-US" sz="2800" dirty="0"/>
+              <a:t>risk</a:t>
+            </a:r>
+            <a:r>
+              <a:rPr lang="en-US" sz="2800" spc="-50" dirty="0"/>
+              <a:t> </a:t>
+            </a:r>
+            <a:r>
+              <a:rPr lang="en-US" sz="2800" dirty="0"/>
+              <a:t>customers</a:t>
+            </a:r>
+            <a:r>
+              <a:rPr lang="en-US" sz="2800" spc="-50" dirty="0"/>
+              <a:t> </a:t>
+            </a:r>
+            <a:r>
+              <a:rPr lang="en-US" sz="2800" dirty="0"/>
+              <a:t>with</a:t>
+            </a:r>
+            <a:r>
+              <a:rPr lang="en-US" sz="2800" spc="-50" dirty="0"/>
+              <a:t> </a:t>
+            </a:r>
+            <a:r>
+              <a:rPr lang="en-US" sz="2800" dirty="0"/>
+              <a:t>retention</a:t>
+            </a:r>
+            <a:r>
+              <a:rPr lang="en-US" sz="2800" spc="-45" dirty="0"/>
+              <a:t> </a:t>
+            </a:r>
+            <a:r>
+              <a:rPr lang="en-US" sz="2800" spc="-10" dirty="0"/>
+              <a:t>offers.</a:t>
+            </a:r>
+          </a:p>
+          <a:p>
+            <a:pPr marL="1073785" marR="2207895" indent="-457200">
+              <a:lnSpc>
+                <a:spcPct val="150000"/>
+              </a:lnSpc>
+              <a:spcBef>
+                <a:spcPts val="160"/>
+              </a:spcBef>
+              <a:buFont typeface="Wingdings" panose="05000000000000000000" pitchFamily="2" charset="2"/>
+              <a:buChar char="Ø"/>
+            </a:pPr>
+            <a:r>
+              <a:rPr lang="en-US" sz="2800" spc="-10" dirty="0"/>
+              <a:t> </a:t>
+            </a:r>
+            <a:r>
+              <a:rPr lang="en-US" sz="2800" dirty="0"/>
+              <a:t>Helps</a:t>
+            </a:r>
+            <a:r>
+              <a:rPr lang="en-US" sz="2800" spc="-70" dirty="0"/>
+              <a:t> </a:t>
+            </a:r>
+            <a:r>
+              <a:rPr lang="en-US" sz="2800" dirty="0"/>
+              <a:t>Customer</a:t>
+            </a:r>
+            <a:r>
+              <a:rPr lang="en-US" sz="2800" spc="-65" dirty="0"/>
+              <a:t> </a:t>
+            </a:r>
+            <a:r>
+              <a:rPr lang="en-US" sz="2800" dirty="0"/>
+              <a:t>Support</a:t>
+            </a:r>
+            <a:r>
+              <a:rPr lang="en-US" sz="2800" spc="-70" dirty="0"/>
+              <a:t> </a:t>
+            </a:r>
+            <a:r>
+              <a:rPr lang="en-US" sz="2800" dirty="0"/>
+              <a:t>prioritize</a:t>
+            </a:r>
+            <a:r>
+              <a:rPr lang="en-US" sz="2800" spc="-65" dirty="0"/>
+              <a:t> </a:t>
+            </a:r>
+            <a:r>
+              <a:rPr lang="en-US" sz="2800" dirty="0"/>
+              <a:t>service</a:t>
+            </a:r>
+            <a:r>
+              <a:rPr lang="en-US" sz="2800" spc="-70" dirty="0"/>
+              <a:t> </a:t>
+            </a:r>
+            <a:r>
+              <a:rPr lang="en-US" sz="2800" dirty="0"/>
+              <a:t>improvement</a:t>
+            </a:r>
+            <a:r>
+              <a:rPr lang="en-US" sz="2800" spc="-65" dirty="0"/>
+              <a:t> </a:t>
+            </a:r>
+            <a:r>
+              <a:rPr lang="en-US" sz="2800" dirty="0"/>
+              <a:t>for</a:t>
+            </a:r>
+            <a:r>
+              <a:rPr lang="en-US" sz="2800" spc="-70" dirty="0"/>
+              <a:t> </a:t>
+            </a:r>
+            <a:r>
+              <a:rPr lang="en-US" sz="2800" dirty="0"/>
+              <a:t>segments</a:t>
+            </a:r>
+            <a:r>
+              <a:rPr lang="en-US" sz="2800" spc="-65" dirty="0"/>
+              <a:t> </a:t>
+            </a:r>
+            <a:r>
+              <a:rPr lang="en-US" sz="2800" dirty="0"/>
+              <a:t>with</a:t>
+            </a:r>
+            <a:r>
+              <a:rPr lang="en-US" sz="2800" spc="-70" dirty="0"/>
+              <a:t> </a:t>
+            </a:r>
+            <a:r>
+              <a:rPr lang="en-US" sz="2800" dirty="0"/>
+              <a:t>high</a:t>
+            </a:r>
+            <a:r>
+              <a:rPr lang="en-US" sz="2800" spc="-65" dirty="0"/>
+              <a:t> </a:t>
+            </a:r>
+            <a:r>
+              <a:rPr lang="en-US" sz="2800" spc="-10" dirty="0"/>
+              <a:t>churn.</a:t>
+            </a:r>
+          </a:p>
+          <a:p>
+            <a:pPr marL="1073785" marR="2473325" indent="-457200">
+              <a:lnSpc>
+                <a:spcPct val="150000"/>
+              </a:lnSpc>
+              <a:buFont typeface="Wingdings" panose="05000000000000000000" pitchFamily="2" charset="2"/>
+              <a:buChar char="Ø"/>
+            </a:pPr>
+            <a:r>
+              <a:rPr lang="en-US" sz="2800" dirty="0"/>
+              <a:t>Enables</a:t>
+            </a:r>
+            <a:r>
+              <a:rPr lang="en-US" sz="2800" spc="-55" dirty="0"/>
+              <a:t> </a:t>
+            </a:r>
+            <a:r>
+              <a:rPr lang="en-US" sz="2800" dirty="0"/>
+              <a:t>Management</a:t>
+            </a:r>
+            <a:r>
+              <a:rPr lang="en-US" sz="2800" spc="-55" dirty="0"/>
+              <a:t> </a:t>
+            </a:r>
+            <a:r>
+              <a:rPr lang="en-US" sz="2800" dirty="0"/>
+              <a:t>to</a:t>
+            </a:r>
+            <a:r>
+              <a:rPr lang="en-US" sz="2800" spc="-50" dirty="0"/>
+              <a:t> </a:t>
+            </a:r>
+            <a:r>
+              <a:rPr lang="en-US" sz="2800" dirty="0"/>
+              <a:t>track</a:t>
+            </a:r>
+            <a:r>
+              <a:rPr lang="en-US" sz="2800" spc="-55" dirty="0"/>
+              <a:t> </a:t>
+            </a:r>
+            <a:r>
+              <a:rPr lang="en-US" sz="2800" dirty="0"/>
+              <a:t>key</a:t>
+            </a:r>
+            <a:r>
+              <a:rPr lang="en-US" sz="2800" spc="-55" dirty="0"/>
+              <a:t> </a:t>
+            </a:r>
+            <a:r>
+              <a:rPr lang="en-US" sz="2800" dirty="0"/>
+              <a:t>churn</a:t>
+            </a:r>
+            <a:r>
+              <a:rPr lang="en-US" sz="2800" spc="-50" dirty="0"/>
+              <a:t> </a:t>
+            </a:r>
+            <a:r>
+              <a:rPr lang="en-US" sz="2800" dirty="0"/>
+              <a:t>KPIs</a:t>
+            </a:r>
+            <a:r>
+              <a:rPr lang="en-US" sz="2800" spc="-55" dirty="0"/>
+              <a:t> </a:t>
+            </a:r>
+            <a:r>
+              <a:rPr lang="en-US" sz="2800" dirty="0"/>
+              <a:t>and</a:t>
+            </a:r>
+            <a:r>
+              <a:rPr lang="en-US" sz="2800" spc="-50" dirty="0"/>
+              <a:t> </a:t>
+            </a:r>
+            <a:r>
+              <a:rPr lang="en-US" sz="2800" dirty="0"/>
+              <a:t>make</a:t>
+            </a:r>
+            <a:r>
+              <a:rPr lang="en-US" sz="2800" spc="-55" dirty="0"/>
+              <a:t> </a:t>
+            </a:r>
+            <a:r>
+              <a:rPr lang="en-US" sz="2800" spc="-10" dirty="0"/>
+              <a:t>data-</a:t>
+            </a:r>
+            <a:r>
+              <a:rPr lang="en-US" sz="2800" dirty="0"/>
+              <a:t>driven</a:t>
+            </a:r>
+            <a:r>
+              <a:rPr lang="en-US" sz="2800" spc="-55" dirty="0"/>
+              <a:t> </a:t>
+            </a:r>
+            <a:r>
+              <a:rPr lang="en-US" sz="2800" dirty="0"/>
+              <a:t>strategic</a:t>
+            </a:r>
+            <a:r>
+              <a:rPr lang="en-US" sz="2800" spc="-50" dirty="0"/>
+              <a:t> </a:t>
+            </a:r>
+            <a:r>
+              <a:rPr lang="en-US" sz="2800" spc="-10" dirty="0"/>
+              <a:t>decisions.</a:t>
+            </a:r>
+          </a:p>
+          <a:p>
+            <a:pPr marL="1073785" marR="2473325" indent="-457200">
+              <a:lnSpc>
+                <a:spcPct val="150000"/>
+              </a:lnSpc>
+              <a:buFont typeface="Wingdings" panose="05000000000000000000" pitchFamily="2" charset="2"/>
+              <a:buChar char="Ø"/>
+            </a:pPr>
+            <a:r>
+              <a:rPr lang="en-US" sz="2800" spc="-10" dirty="0"/>
+              <a:t> </a:t>
+            </a:r>
+            <a:r>
+              <a:rPr lang="en-US" sz="2800" dirty="0"/>
+              <a:t>Supports</a:t>
+            </a:r>
+            <a:r>
+              <a:rPr lang="en-US" sz="2800" spc="-70" dirty="0"/>
+              <a:t> </a:t>
+            </a:r>
+            <a:r>
+              <a:rPr lang="en-US" sz="2800" dirty="0"/>
+              <a:t>Product</a:t>
+            </a:r>
+            <a:r>
+              <a:rPr lang="en-US" sz="2800" spc="-65" dirty="0"/>
+              <a:t> </a:t>
+            </a:r>
+            <a:r>
+              <a:rPr lang="en-US" sz="2800" dirty="0"/>
+              <a:t>Teams</a:t>
+            </a:r>
+            <a:r>
+              <a:rPr lang="en-US" sz="2800" spc="-65" dirty="0"/>
+              <a:t> </a:t>
+            </a:r>
+            <a:r>
+              <a:rPr lang="en-US" sz="2800" dirty="0"/>
+              <a:t>in</a:t>
+            </a:r>
+            <a:r>
+              <a:rPr lang="en-US" sz="2800" spc="-65" dirty="0"/>
+              <a:t> </a:t>
+            </a:r>
+            <a:r>
+              <a:rPr lang="en-US" sz="2800" dirty="0"/>
+              <a:t>optimizing</a:t>
+            </a:r>
+            <a:r>
+              <a:rPr lang="en-US" sz="2800" spc="-65" dirty="0"/>
+              <a:t> </a:t>
+            </a:r>
+            <a:r>
+              <a:rPr lang="en-US" sz="2800" dirty="0"/>
+              <a:t>service</a:t>
+            </a:r>
+            <a:r>
+              <a:rPr lang="en-US" sz="2800" spc="-65" dirty="0"/>
+              <a:t> </a:t>
+            </a:r>
+            <a:r>
+              <a:rPr lang="en-US" sz="2800" dirty="0"/>
+              <a:t>bundles</a:t>
+            </a:r>
+            <a:r>
+              <a:rPr lang="en-US" sz="2800" spc="-65" dirty="0"/>
+              <a:t> </a:t>
+            </a:r>
+            <a:r>
+              <a:rPr lang="en-US" sz="2800" dirty="0"/>
+              <a:t>and</a:t>
+            </a:r>
+            <a:r>
+              <a:rPr lang="en-US" sz="2800" spc="-65" dirty="0"/>
+              <a:t> </a:t>
+            </a:r>
+            <a:r>
+              <a:rPr lang="en-US" sz="2800" dirty="0"/>
+              <a:t>pricing</a:t>
+            </a:r>
+            <a:r>
+              <a:rPr lang="en-US" sz="2800" spc="-65" dirty="0"/>
+              <a:t> </a:t>
+            </a:r>
+            <a:r>
+              <a:rPr lang="en-US" sz="2800" spc="-10" dirty="0"/>
+              <a:t>models.</a:t>
+            </a:r>
+            <a:endParaRPr lang="en-US" sz="2800" dirty="0"/>
+          </a:p>
+          <a:p>
+            <a:pPr>
+              <a:lnSpc>
+                <a:spcPct val="150000"/>
+              </a:lnSpc>
+              <a:spcBef>
+                <a:spcPts val="250"/>
+              </a:spcBef>
+            </a:pPr>
+            <a:endParaRPr lang="en-US" sz="2800" dirty="0"/>
+          </a:p>
+          <a:p>
+            <a:pPr marL="469900" indent="-457200">
+              <a:lnSpc>
+                <a:spcPct val="100000"/>
+              </a:lnSpc>
+              <a:buFont typeface="Wingdings" panose="05000000000000000000" pitchFamily="2" charset="2"/>
+              <a:buChar char="q"/>
+            </a:pPr>
+            <a:r>
+              <a:rPr lang="en-US" sz="2800" spc="-10" dirty="0"/>
+              <a:t>   </a:t>
+            </a:r>
+            <a:r>
+              <a:rPr lang="en-US" sz="2800" b="1" spc="-10" dirty="0">
+                <a:solidFill>
+                  <a:srgbClr val="FF0000"/>
+                </a:solidFill>
+              </a:rPr>
+              <a:t>Recommendations :</a:t>
+            </a:r>
+          </a:p>
+          <a:p>
+            <a:pPr marL="469900" indent="-457200">
+              <a:lnSpc>
+                <a:spcPct val="100000"/>
+              </a:lnSpc>
+              <a:buFont typeface="Wingdings" panose="05000000000000000000" pitchFamily="2" charset="2"/>
+              <a:buChar char="q"/>
+            </a:pPr>
+            <a:endParaRPr lang="en-US" sz="2800" b="1" spc="-10" dirty="0">
+              <a:solidFill>
+                <a:srgbClr val="FF0000"/>
+              </a:solidFill>
+            </a:endParaRPr>
+          </a:p>
+          <a:p>
+            <a:pPr marL="1073785" marR="1486535" indent="-457200">
+              <a:lnSpc>
+                <a:spcPct val="150000"/>
+              </a:lnSpc>
+              <a:spcBef>
+                <a:spcPts val="160"/>
+              </a:spcBef>
+              <a:buFont typeface="Wingdings" panose="05000000000000000000" pitchFamily="2" charset="2"/>
+              <a:buChar char="Ø"/>
+            </a:pPr>
+            <a:r>
+              <a:rPr lang="en-US" sz="2800" dirty="0"/>
+              <a:t>Encourage</a:t>
+            </a:r>
+            <a:r>
+              <a:rPr lang="en-US" sz="2800" spc="-50" dirty="0"/>
+              <a:t> </a:t>
+            </a:r>
+            <a:r>
+              <a:rPr lang="en-US" sz="2800" spc="-10" dirty="0"/>
+              <a:t>long-</a:t>
+            </a:r>
+            <a:r>
+              <a:rPr lang="en-US" sz="2800" dirty="0"/>
+              <a:t>term</a:t>
+            </a:r>
+            <a:r>
+              <a:rPr lang="en-US" sz="2800" spc="-50" dirty="0"/>
+              <a:t> </a:t>
+            </a:r>
+            <a:r>
+              <a:rPr lang="en-US" sz="2800" dirty="0"/>
+              <a:t>contracts</a:t>
+            </a:r>
+            <a:r>
+              <a:rPr lang="en-US" sz="2800" spc="-50" dirty="0"/>
+              <a:t> </a:t>
+            </a:r>
+            <a:r>
+              <a:rPr lang="en-US" sz="2800" spc="-10" dirty="0"/>
+              <a:t>(1-</a:t>
+            </a:r>
+            <a:r>
+              <a:rPr lang="en-US" sz="2800" dirty="0"/>
+              <a:t>year</a:t>
+            </a:r>
+            <a:r>
+              <a:rPr lang="en-US" sz="2800" spc="-45" dirty="0"/>
+              <a:t> </a:t>
+            </a:r>
+            <a:r>
+              <a:rPr lang="en-US" sz="2800" dirty="0"/>
+              <a:t>or</a:t>
+            </a:r>
+            <a:r>
+              <a:rPr lang="en-US" sz="2800" spc="-50" dirty="0"/>
+              <a:t> </a:t>
+            </a:r>
+            <a:r>
+              <a:rPr lang="en-US" sz="2800" spc="-10" dirty="0"/>
+              <a:t>2-</a:t>
+            </a:r>
+            <a:r>
+              <a:rPr lang="en-US" sz="2800" dirty="0"/>
+              <a:t>year</a:t>
+            </a:r>
+            <a:r>
+              <a:rPr lang="en-US" sz="2800" spc="-50" dirty="0"/>
+              <a:t> </a:t>
+            </a:r>
+            <a:r>
+              <a:rPr lang="en-US" sz="2800" dirty="0"/>
+              <a:t>plans)</a:t>
+            </a:r>
+            <a:r>
+              <a:rPr lang="en-US" sz="2800" spc="-50" dirty="0"/>
+              <a:t> </a:t>
+            </a:r>
+            <a:r>
+              <a:rPr lang="en-US" sz="2800" dirty="0"/>
+              <a:t>through</a:t>
+            </a:r>
+            <a:r>
+              <a:rPr lang="en-US" sz="2800" spc="-45" dirty="0"/>
+              <a:t> </a:t>
+            </a:r>
+            <a:r>
+              <a:rPr lang="en-US" sz="2800" dirty="0"/>
+              <a:t>discounts</a:t>
+            </a:r>
+            <a:r>
+              <a:rPr lang="en-US" sz="2800" spc="-50" dirty="0"/>
+              <a:t> </a:t>
+            </a:r>
+            <a:r>
+              <a:rPr lang="en-US" sz="2800" dirty="0"/>
+              <a:t>and</a:t>
+            </a:r>
+            <a:r>
+              <a:rPr lang="en-US" sz="2800" spc="-50" dirty="0"/>
+              <a:t> </a:t>
+            </a:r>
+            <a:r>
+              <a:rPr lang="en-US" sz="2800" dirty="0"/>
+              <a:t>loyalty</a:t>
+            </a:r>
+            <a:r>
+              <a:rPr lang="en-US" sz="2800" spc="-50" dirty="0"/>
+              <a:t> </a:t>
+            </a:r>
+            <a:r>
+              <a:rPr lang="en-US" sz="2800" spc="-10" dirty="0"/>
+              <a:t>rewards.</a:t>
+            </a:r>
+          </a:p>
+          <a:p>
+            <a:pPr marL="1073785" marR="1486535" indent="-457200">
+              <a:lnSpc>
+                <a:spcPct val="150000"/>
+              </a:lnSpc>
+              <a:spcBef>
+                <a:spcPts val="160"/>
+              </a:spcBef>
+              <a:buFont typeface="Wingdings" panose="05000000000000000000" pitchFamily="2" charset="2"/>
+              <a:buChar char="Ø"/>
+            </a:pPr>
+            <a:r>
+              <a:rPr lang="en-US" sz="2800" dirty="0"/>
+              <a:t>Promote</a:t>
+            </a:r>
+            <a:r>
+              <a:rPr lang="en-US" sz="2800" spc="-60" dirty="0"/>
+              <a:t> </a:t>
+            </a:r>
+            <a:r>
+              <a:rPr lang="en-US" sz="2800" dirty="0"/>
+              <a:t>bundled</a:t>
+            </a:r>
+            <a:r>
+              <a:rPr lang="en-US" sz="2800" spc="-60" dirty="0"/>
+              <a:t> </a:t>
+            </a:r>
+            <a:r>
+              <a:rPr lang="en-US" sz="2800" dirty="0"/>
+              <a:t>service</a:t>
+            </a:r>
+            <a:r>
+              <a:rPr lang="en-US" sz="2800" spc="-60" dirty="0"/>
+              <a:t> </a:t>
+            </a:r>
+            <a:r>
+              <a:rPr lang="en-US" sz="2800" dirty="0"/>
+              <a:t>packages</a:t>
+            </a:r>
+            <a:r>
+              <a:rPr lang="en-US" sz="2800" spc="-55" dirty="0"/>
+              <a:t> </a:t>
+            </a:r>
+            <a:r>
+              <a:rPr lang="en-US" sz="2800" dirty="0"/>
+              <a:t>(e.g.,</a:t>
+            </a:r>
+            <a:r>
+              <a:rPr lang="en-US" sz="2800" spc="-60" dirty="0"/>
+              <a:t> </a:t>
+            </a:r>
+            <a:r>
+              <a:rPr lang="en-US" sz="2800" dirty="0"/>
+              <a:t>Internet</a:t>
+            </a:r>
+            <a:r>
+              <a:rPr lang="en-US" sz="2800" spc="-60" dirty="0"/>
+              <a:t> </a:t>
+            </a:r>
+            <a:r>
+              <a:rPr lang="en-US" sz="2800" dirty="0"/>
+              <a:t>+</a:t>
+            </a:r>
+            <a:r>
+              <a:rPr lang="en-US" sz="2800" spc="-55" dirty="0"/>
+              <a:t> </a:t>
+            </a:r>
+            <a:r>
+              <a:rPr lang="en-US" sz="2800" dirty="0"/>
+              <a:t>Streaming</a:t>
+            </a:r>
+            <a:r>
+              <a:rPr lang="en-US" sz="2800" spc="-60" dirty="0"/>
+              <a:t> </a:t>
+            </a:r>
+            <a:r>
+              <a:rPr lang="en-US" sz="2800" dirty="0"/>
+              <a:t>+</a:t>
+            </a:r>
+            <a:r>
+              <a:rPr lang="en-US" sz="2800" spc="-60" dirty="0"/>
+              <a:t> </a:t>
+            </a:r>
+            <a:r>
+              <a:rPr lang="en-US" sz="2800" dirty="0"/>
+              <a:t>Security)</a:t>
+            </a:r>
+            <a:r>
+              <a:rPr lang="en-US" sz="2800" spc="-55" dirty="0"/>
+              <a:t> </a:t>
+            </a:r>
+            <a:r>
+              <a:rPr lang="en-US" sz="2800" dirty="0"/>
+              <a:t>to</a:t>
+            </a:r>
+            <a:r>
+              <a:rPr lang="en-US" sz="2800" spc="-60" dirty="0"/>
+              <a:t> </a:t>
+            </a:r>
+            <a:r>
+              <a:rPr lang="en-US" sz="2800" dirty="0"/>
+              <a:t>reduce</a:t>
+            </a:r>
+            <a:r>
+              <a:rPr lang="en-US" sz="2800" spc="-60" dirty="0"/>
+              <a:t> </a:t>
+            </a:r>
+            <a:r>
+              <a:rPr lang="en-US" sz="2800" spc="-10" dirty="0"/>
+              <a:t>churn.</a:t>
+            </a:r>
+            <a:endParaRPr lang="en-US" sz="2800" dirty="0"/>
+          </a:p>
+          <a:p>
+            <a:pPr marL="1073785" marR="5080" indent="-457200">
+              <a:lnSpc>
+                <a:spcPct val="150000"/>
+              </a:lnSpc>
+              <a:buFont typeface="Wingdings" panose="05000000000000000000" pitchFamily="2" charset="2"/>
+              <a:buChar char="Ø"/>
+            </a:pPr>
+            <a:r>
+              <a:rPr lang="en-US" sz="2800" dirty="0"/>
+              <a:t>Improve</a:t>
+            </a:r>
+            <a:r>
+              <a:rPr lang="en-US" sz="2800" spc="-55" dirty="0"/>
+              <a:t> </a:t>
+            </a:r>
+            <a:r>
+              <a:rPr lang="en-US" sz="2800" dirty="0"/>
+              <a:t>customer</a:t>
+            </a:r>
+            <a:r>
+              <a:rPr lang="en-US" sz="2800" spc="-50" dirty="0"/>
+              <a:t> </a:t>
+            </a:r>
+            <a:r>
+              <a:rPr lang="en-US" sz="2800" dirty="0"/>
+              <a:t>retention</a:t>
+            </a:r>
+            <a:r>
+              <a:rPr lang="en-US" sz="2800" spc="-55" dirty="0"/>
+              <a:t> </a:t>
+            </a:r>
+            <a:r>
+              <a:rPr lang="en-US" sz="2800" dirty="0"/>
+              <a:t>by</a:t>
+            </a:r>
+            <a:r>
+              <a:rPr lang="en-US" sz="2800" spc="-50" dirty="0"/>
+              <a:t> </a:t>
+            </a:r>
+            <a:r>
+              <a:rPr lang="en-US" sz="2800" dirty="0"/>
+              <a:t>offering</a:t>
+            </a:r>
+            <a:r>
+              <a:rPr lang="en-US" sz="2800" spc="-55" dirty="0"/>
+              <a:t> </a:t>
+            </a:r>
+            <a:r>
+              <a:rPr lang="en-US" sz="2800" dirty="0"/>
+              <a:t>personalized</a:t>
+            </a:r>
+            <a:r>
+              <a:rPr lang="en-US" sz="2800" spc="-50" dirty="0"/>
+              <a:t> </a:t>
+            </a:r>
+            <a:r>
+              <a:rPr lang="en-US" sz="2800" dirty="0"/>
+              <a:t>plans</a:t>
+            </a:r>
+            <a:r>
+              <a:rPr lang="en-US" sz="2800" spc="-55" dirty="0"/>
+              <a:t> </a:t>
+            </a:r>
+            <a:r>
+              <a:rPr lang="en-US" sz="2800" dirty="0"/>
+              <a:t>for</a:t>
+            </a:r>
+            <a:r>
+              <a:rPr lang="en-US" sz="2800" spc="-50" dirty="0"/>
+              <a:t> </a:t>
+            </a:r>
+            <a:r>
+              <a:rPr lang="en-US" sz="2800" dirty="0"/>
+              <a:t>senior</a:t>
+            </a:r>
+            <a:r>
+              <a:rPr lang="en-US" sz="2800" spc="-55" dirty="0"/>
+              <a:t> </a:t>
+            </a:r>
+            <a:r>
+              <a:rPr lang="en-US" sz="2800" dirty="0"/>
+              <a:t>citizens</a:t>
+            </a:r>
+            <a:r>
+              <a:rPr lang="en-US" sz="2800" spc="-50" dirty="0"/>
+              <a:t> </a:t>
+            </a:r>
+            <a:r>
+              <a:rPr lang="en-US" sz="2800" dirty="0"/>
+              <a:t>and</a:t>
+            </a:r>
+            <a:r>
+              <a:rPr lang="en-US" sz="2800" spc="-55" dirty="0"/>
+              <a:t> </a:t>
+            </a:r>
+            <a:r>
+              <a:rPr lang="en-US" sz="2800" spc="-20" dirty="0"/>
+              <a:t>high-</a:t>
+            </a:r>
+            <a:r>
+              <a:rPr lang="en-US" sz="2800" dirty="0"/>
+              <a:t>charge</a:t>
+            </a:r>
+            <a:r>
+              <a:rPr lang="en-US" sz="2800" spc="-50" dirty="0"/>
+              <a:t> </a:t>
+            </a:r>
+            <a:r>
+              <a:rPr lang="en-US" sz="2800" spc="-10" dirty="0"/>
+              <a:t>users.</a:t>
+            </a:r>
+          </a:p>
+          <a:p>
+            <a:pPr marL="1073785" marR="5080" indent="-457200">
+              <a:lnSpc>
+                <a:spcPct val="150000"/>
+              </a:lnSpc>
+              <a:buFont typeface="Wingdings" panose="05000000000000000000" pitchFamily="2" charset="2"/>
+              <a:buChar char="Ø"/>
+            </a:pPr>
+            <a:r>
+              <a:rPr lang="en-US" sz="2800" spc="-10" dirty="0"/>
+              <a:t> </a:t>
+            </a:r>
+            <a:r>
+              <a:rPr lang="en-US" sz="2800" dirty="0"/>
+              <a:t>Educate</a:t>
+            </a:r>
+            <a:r>
+              <a:rPr lang="en-US" sz="2800" spc="-60" dirty="0"/>
+              <a:t> </a:t>
+            </a:r>
+            <a:r>
+              <a:rPr lang="en-US" sz="2800" dirty="0"/>
+              <a:t>customers</a:t>
+            </a:r>
+            <a:r>
+              <a:rPr lang="en-US" sz="2800" spc="-55" dirty="0"/>
+              <a:t> </a:t>
+            </a:r>
+            <a:r>
+              <a:rPr lang="en-US" sz="2800" dirty="0"/>
+              <a:t>about</a:t>
+            </a:r>
+            <a:r>
+              <a:rPr lang="en-US" sz="2800" spc="-55" dirty="0"/>
+              <a:t> </a:t>
+            </a:r>
+            <a:r>
+              <a:rPr lang="en-US" sz="2800" dirty="0"/>
+              <a:t>benefits</a:t>
+            </a:r>
+            <a:r>
+              <a:rPr lang="en-US" sz="2800" spc="-60" dirty="0"/>
+              <a:t> </a:t>
+            </a:r>
+            <a:r>
+              <a:rPr lang="en-US" sz="2800" dirty="0"/>
+              <a:t>of</a:t>
+            </a:r>
+            <a:r>
+              <a:rPr lang="en-US" sz="2800" spc="-55" dirty="0"/>
+              <a:t> </a:t>
+            </a:r>
+            <a:r>
+              <a:rPr lang="en-US" sz="2800" dirty="0"/>
+              <a:t>online</a:t>
+            </a:r>
+            <a:r>
+              <a:rPr lang="en-US" sz="2800" spc="-55" dirty="0"/>
+              <a:t> </a:t>
+            </a:r>
+            <a:r>
+              <a:rPr lang="en-US" sz="2800" dirty="0"/>
+              <a:t>backup</a:t>
+            </a:r>
+            <a:r>
+              <a:rPr lang="en-US" sz="2800" spc="-60" dirty="0"/>
+              <a:t> </a:t>
+            </a:r>
+            <a:r>
+              <a:rPr lang="en-US" sz="2800" dirty="0"/>
+              <a:t>and</a:t>
+            </a:r>
+            <a:r>
+              <a:rPr lang="en-US" sz="2800" spc="-55" dirty="0"/>
+              <a:t> </a:t>
+            </a:r>
+            <a:r>
+              <a:rPr lang="en-US" sz="2800" dirty="0"/>
+              <a:t>device</a:t>
+            </a:r>
+            <a:r>
+              <a:rPr lang="en-US" sz="2800" spc="-55" dirty="0"/>
+              <a:t> </a:t>
+            </a:r>
+            <a:r>
+              <a:rPr lang="en-US" sz="2800" dirty="0"/>
+              <a:t>protection</a:t>
+            </a:r>
+            <a:r>
+              <a:rPr lang="en-US" sz="2800" spc="-55" dirty="0"/>
+              <a:t> </a:t>
+            </a:r>
+            <a:r>
+              <a:rPr lang="en-US" sz="2800" dirty="0"/>
+              <a:t>services,</a:t>
+            </a:r>
+            <a:r>
+              <a:rPr lang="en-US" sz="2800" spc="-60" dirty="0"/>
+              <a:t> </a:t>
+            </a:r>
+            <a:r>
+              <a:rPr lang="en-US" sz="2800" dirty="0"/>
+              <a:t>as</a:t>
+            </a:r>
+            <a:r>
+              <a:rPr lang="en-US" sz="2800" spc="-55" dirty="0"/>
+              <a:t> </a:t>
+            </a:r>
+            <a:r>
+              <a:rPr lang="en-US" sz="2800" dirty="0"/>
+              <a:t>these</a:t>
+            </a:r>
+            <a:r>
+              <a:rPr lang="en-US" sz="2800" spc="-55" dirty="0"/>
+              <a:t> </a:t>
+            </a:r>
+            <a:r>
+              <a:rPr lang="en-US" sz="2800" dirty="0"/>
+              <a:t>reduce</a:t>
+            </a:r>
+          </a:p>
+          <a:p>
+            <a:pPr marL="1073785" marR="5080" indent="-457200">
+              <a:lnSpc>
+                <a:spcPct val="150000"/>
+              </a:lnSpc>
+              <a:buFont typeface="Wingdings" panose="05000000000000000000" pitchFamily="2" charset="2"/>
+              <a:buChar char="Ø"/>
+            </a:pPr>
+            <a:r>
+              <a:rPr lang="en-US" sz="2800" spc="-60" dirty="0"/>
+              <a:t> </a:t>
+            </a:r>
+            <a:r>
+              <a:rPr lang="en-US" sz="2800" spc="-10" dirty="0"/>
+              <a:t>churn. </a:t>
+            </a:r>
+            <a:r>
+              <a:rPr lang="en-US" sz="2800" dirty="0"/>
+              <a:t>Monitor</a:t>
+            </a:r>
+            <a:r>
+              <a:rPr lang="en-US" sz="2800" spc="-55" dirty="0"/>
+              <a:t> </a:t>
+            </a:r>
+            <a:r>
+              <a:rPr lang="en-US" sz="2800" dirty="0"/>
+              <a:t>monthly</a:t>
+            </a:r>
+            <a:r>
+              <a:rPr lang="en-US" sz="2800" spc="-50" dirty="0"/>
+              <a:t> </a:t>
+            </a:r>
+            <a:r>
+              <a:rPr lang="en-US" sz="2800" dirty="0"/>
+              <a:t>charges</a:t>
+            </a:r>
+            <a:r>
+              <a:rPr lang="en-US" sz="2800" spc="-50" dirty="0"/>
+              <a:t> </a:t>
+            </a:r>
+            <a:r>
+              <a:rPr lang="en-US" sz="2800" dirty="0"/>
+              <a:t>and</a:t>
+            </a:r>
+            <a:r>
+              <a:rPr lang="en-US" sz="2800" spc="-50" dirty="0"/>
+              <a:t> </a:t>
+            </a:r>
+            <a:r>
+              <a:rPr lang="en-US" sz="2800" dirty="0"/>
+              <a:t>payment</a:t>
+            </a:r>
+            <a:r>
+              <a:rPr lang="en-US" sz="2800" spc="-55" dirty="0"/>
+              <a:t> </a:t>
+            </a:r>
+            <a:r>
+              <a:rPr lang="en-US" sz="2800" dirty="0"/>
+              <a:t>issues</a:t>
+            </a:r>
+            <a:r>
+              <a:rPr lang="en-US" sz="2800" spc="-50" dirty="0"/>
+              <a:t> </a:t>
+            </a:r>
+            <a:r>
+              <a:rPr lang="en-US" sz="2800" dirty="0"/>
+              <a:t>closely</a:t>
+            </a:r>
+            <a:r>
+              <a:rPr lang="en-US" sz="2800" spc="-50" dirty="0"/>
+              <a:t> </a:t>
+            </a:r>
+            <a:r>
+              <a:rPr lang="en-US" sz="2800" dirty="0"/>
+              <a:t>for</a:t>
+            </a:r>
+            <a:r>
+              <a:rPr lang="en-US" sz="2800" spc="-50" dirty="0"/>
+              <a:t> </a:t>
+            </a:r>
+            <a:r>
+              <a:rPr lang="en-US" sz="2800" dirty="0"/>
+              <a:t>early</a:t>
+            </a:r>
+            <a:r>
+              <a:rPr lang="en-US" sz="2800" spc="-55" dirty="0"/>
+              <a:t> </a:t>
+            </a:r>
+            <a:r>
+              <a:rPr lang="en-US" sz="2800" dirty="0"/>
+              <a:t>churn</a:t>
+            </a:r>
+            <a:r>
+              <a:rPr lang="en-US" sz="2800" spc="-50" dirty="0"/>
+              <a:t> </a:t>
+            </a:r>
+            <a:r>
+              <a:rPr lang="en-US" sz="2800" spc="-10" dirty="0"/>
+              <a:t>indicators.</a:t>
+            </a:r>
+          </a:p>
+          <a:p>
+            <a:pPr marL="616585" marR="5080">
+              <a:lnSpc>
+                <a:spcPct val="131700"/>
+              </a:lnSpc>
+            </a:pPr>
+            <a:endParaRPr lang="en-US" sz="2800" dirty="0"/>
+          </a:p>
+        </p:txBody>
+      </p:sp>
     </p:spTree>
   </p:cSld>
   <p:clrMapOvr>
@@ -2743,7 +5032,7 @@
           <p:cNvPr id="3" name="TextBox 2">
             <a:extLst>
               <a:ext uri="{FF2B5EF4-FFF2-40B4-BE49-F238E27FC236}">
-                <a16:creationId xmlns:a16="http://schemas.microsoft.com/office/drawing/2014/main" id="{37D30D46-EFFE-234F-C942-58476A7F4944}"/>
+                <a16:creationId xmlns:a16="http://schemas.microsoft.com/office/drawing/2014/main" id="{5F5D3CDB-AAD9-EE48-B145-CC90456D86B4}"/>
               </a:ext>
             </a:extLst>
           </p:cNvPr>
@@ -2752,8 +5041,8 @@
         </p:nvSpPr>
         <p:spPr>
           <a:xfrm>
-            <a:off x="228600" y="190500"/>
-            <a:ext cx="16459200" cy="584775"/>
+            <a:off x="0" y="5443"/>
+            <a:ext cx="18288000" cy="707886"/>
           </a:xfrm>
           <a:prstGeom prst="rect">
             <a:avLst/>
@@ -2780,38 +5069,14 @@
           <a:lstStyle/>
           <a:p>
             <a:r>
-              <a:rPr lang="en-IN" sz="3200" b="1" spc="-10" dirty="0">
+              <a:rPr lang="en-IN" sz="4000" b="1" spc="-10" dirty="0">
                 <a:solidFill>
                   <a:srgbClr val="FF0000"/>
                 </a:solidFill>
               </a:rPr>
-              <a:t>                                        Applications</a:t>
-            </a:r>
-            <a:r>
-              <a:rPr lang="en-IN" sz="3200" b="1" dirty="0">
-                <a:solidFill>
-                  <a:srgbClr val="FF0000"/>
-                </a:solidFill>
-              </a:rPr>
-              <a:t>	</a:t>
-            </a:r>
-            <a:r>
-              <a:rPr lang="en-IN" sz="3200" b="1" spc="-50" dirty="0">
-                <a:solidFill>
-                  <a:srgbClr val="FF0000"/>
-                </a:solidFill>
-              </a:rPr>
-              <a:t>&amp;       </a:t>
-            </a:r>
-            <a:r>
-              <a:rPr lang="en-IN" sz="3200" b="1" spc="-10" dirty="0">
-                <a:solidFill>
-                  <a:srgbClr val="FF0000"/>
-                </a:solidFill>
-              </a:rPr>
-              <a:t>Recommendations :</a:t>
-            </a:r>
-            <a:endParaRPr lang="en-IN" sz="3200" b="1" dirty="0">
+              <a:t>                             CONCLUSION  :</a:t>
+            </a:r>
+            <a:endParaRPr lang="en-IN" sz="4000" b="1" dirty="0">
               <a:solidFill>
                 <a:srgbClr val="FF0000"/>
               </a:solidFill>
@@ -2824,7 +5089,7 @@
           <p:cNvPr id="4" name="TextBox 3">
             <a:extLst>
               <a:ext uri="{FF2B5EF4-FFF2-40B4-BE49-F238E27FC236}">
-                <a16:creationId xmlns:a16="http://schemas.microsoft.com/office/drawing/2014/main" id="{5F16ACF5-219E-71D3-1ACB-A54D441507AE}"/>
+                <a16:creationId xmlns:a16="http://schemas.microsoft.com/office/drawing/2014/main" id="{BE7A2992-1092-E83C-5B62-F6C02E05C2C0}"/>
               </a:ext>
             </a:extLst>
           </p:cNvPr>
@@ -2833,1126 +5098,8 @@
         </p:nvSpPr>
         <p:spPr>
           <a:xfrm>
-            <a:off x="457200" y="1181100"/>
-            <a:ext cx="17602200" cy="9133782"/>
-          </a:xfrm>
-          <a:prstGeom prst="rect">
-            <a:avLst/>
-          </a:prstGeom>
-          <a:noFill/>
-        </p:spPr>
-        <p:txBody>
-          <a:bodyPr wrap="square" rtlCol="0">
-            <a:spAutoFit/>
-          </a:bodyPr>
-          <a:lstStyle/>
-          <a:p>
-            <a:pPr marL="469900" indent="-457200">
-              <a:lnSpc>
-                <a:spcPct val="100000"/>
-              </a:lnSpc>
-              <a:spcBef>
-                <a:spcPts val="1630"/>
-              </a:spcBef>
-              <a:buFont typeface="Wingdings" panose="05000000000000000000" pitchFamily="2" charset="2"/>
-              <a:buChar char="q"/>
-            </a:pPr>
-            <a:r>
-              <a:rPr lang="en-US" sz="2800" b="1" spc="-10" dirty="0">
-                <a:solidFill>
-                  <a:srgbClr val="FF0000"/>
-                </a:solidFill>
-              </a:rPr>
-              <a:t>Applications :</a:t>
-            </a:r>
-          </a:p>
-          <a:p>
-            <a:pPr marL="12700">
-              <a:lnSpc>
-                <a:spcPct val="100000"/>
-              </a:lnSpc>
-              <a:spcBef>
-                <a:spcPts val="1630"/>
-              </a:spcBef>
-            </a:pPr>
-            <a:endParaRPr lang="en-US" sz="2800" b="1" spc="-10" dirty="0">
-              <a:solidFill>
-                <a:srgbClr val="FF0000"/>
-              </a:solidFill>
-            </a:endParaRPr>
-          </a:p>
-          <a:p>
-            <a:pPr marL="1073785" marR="2207895" indent="-457200">
-              <a:lnSpc>
-                <a:spcPct val="150000"/>
-              </a:lnSpc>
-              <a:spcBef>
-                <a:spcPts val="160"/>
-              </a:spcBef>
-              <a:buFont typeface="Wingdings" panose="05000000000000000000" pitchFamily="2" charset="2"/>
-              <a:buChar char="Ø"/>
-            </a:pPr>
-            <a:r>
-              <a:rPr lang="en-US" sz="2800" dirty="0"/>
-              <a:t>Used</a:t>
-            </a:r>
-            <a:r>
-              <a:rPr lang="en-US" sz="2800" spc="-50" dirty="0"/>
-              <a:t> </a:t>
-            </a:r>
-            <a:r>
-              <a:rPr lang="en-US" sz="2800" dirty="0"/>
-              <a:t>by</a:t>
-            </a:r>
-            <a:r>
-              <a:rPr lang="en-US" sz="2800" spc="-50" dirty="0"/>
-              <a:t> </a:t>
-            </a:r>
-            <a:r>
-              <a:rPr lang="en-US" sz="2800" dirty="0"/>
-              <a:t>Marketing</a:t>
-            </a:r>
-            <a:r>
-              <a:rPr lang="en-US" sz="2800" spc="-50" dirty="0"/>
-              <a:t> </a:t>
-            </a:r>
-            <a:r>
-              <a:rPr lang="en-US" sz="2800" dirty="0"/>
-              <a:t>Teams</a:t>
-            </a:r>
-            <a:r>
-              <a:rPr lang="en-US" sz="2800" spc="-50" dirty="0"/>
-              <a:t> </a:t>
-            </a:r>
-            <a:r>
-              <a:rPr lang="en-US" sz="2800" dirty="0"/>
-              <a:t>to</a:t>
-            </a:r>
-            <a:r>
-              <a:rPr lang="en-US" sz="2800" spc="-50" dirty="0"/>
-              <a:t> </a:t>
-            </a:r>
-            <a:r>
-              <a:rPr lang="en-US" sz="2800" dirty="0"/>
-              <a:t>identify</a:t>
-            </a:r>
-            <a:r>
-              <a:rPr lang="en-US" sz="2800" spc="-45" dirty="0"/>
-              <a:t> </a:t>
-            </a:r>
-            <a:r>
-              <a:rPr lang="en-US" sz="2800" dirty="0"/>
-              <a:t>and</a:t>
-            </a:r>
-            <a:r>
-              <a:rPr lang="en-US" sz="2800" spc="-50" dirty="0"/>
-              <a:t> </a:t>
-            </a:r>
-            <a:r>
-              <a:rPr lang="en-US" sz="2800" dirty="0"/>
-              <a:t>target</a:t>
-            </a:r>
-            <a:r>
-              <a:rPr lang="en-US" sz="2800" spc="-50" dirty="0"/>
-              <a:t> </a:t>
-            </a:r>
-            <a:r>
-              <a:rPr lang="en-US" sz="2800" spc="-20" dirty="0"/>
-              <a:t>high-</a:t>
-            </a:r>
-            <a:r>
-              <a:rPr lang="en-US" sz="2800" dirty="0"/>
-              <a:t>risk</a:t>
-            </a:r>
-            <a:r>
-              <a:rPr lang="en-US" sz="2800" spc="-50" dirty="0"/>
-              <a:t> </a:t>
-            </a:r>
-            <a:r>
-              <a:rPr lang="en-US" sz="2800" dirty="0"/>
-              <a:t>customers</a:t>
-            </a:r>
-            <a:r>
-              <a:rPr lang="en-US" sz="2800" spc="-50" dirty="0"/>
-              <a:t> </a:t>
-            </a:r>
-            <a:r>
-              <a:rPr lang="en-US" sz="2800" dirty="0"/>
-              <a:t>with</a:t>
-            </a:r>
-            <a:r>
-              <a:rPr lang="en-US" sz="2800" spc="-50" dirty="0"/>
-              <a:t> </a:t>
-            </a:r>
-            <a:r>
-              <a:rPr lang="en-US" sz="2800" dirty="0"/>
-              <a:t>retention</a:t>
-            </a:r>
-            <a:r>
-              <a:rPr lang="en-US" sz="2800" spc="-45" dirty="0"/>
-              <a:t> </a:t>
-            </a:r>
-            <a:r>
-              <a:rPr lang="en-US" sz="2800" spc="-10" dirty="0"/>
-              <a:t>offers.</a:t>
-            </a:r>
-          </a:p>
-          <a:p>
-            <a:pPr marL="1073785" marR="2207895" indent="-457200">
-              <a:lnSpc>
-                <a:spcPct val="150000"/>
-              </a:lnSpc>
-              <a:spcBef>
-                <a:spcPts val="160"/>
-              </a:spcBef>
-              <a:buFont typeface="Wingdings" panose="05000000000000000000" pitchFamily="2" charset="2"/>
-              <a:buChar char="Ø"/>
-            </a:pPr>
-            <a:r>
-              <a:rPr lang="en-US" sz="2800" spc="-10" dirty="0"/>
-              <a:t> </a:t>
-            </a:r>
-            <a:r>
-              <a:rPr lang="en-US" sz="2800" dirty="0"/>
-              <a:t>Helps</a:t>
-            </a:r>
-            <a:r>
-              <a:rPr lang="en-US" sz="2800" spc="-70" dirty="0"/>
-              <a:t> </a:t>
-            </a:r>
-            <a:r>
-              <a:rPr lang="en-US" sz="2800" dirty="0"/>
-              <a:t>Customer</a:t>
-            </a:r>
-            <a:r>
-              <a:rPr lang="en-US" sz="2800" spc="-65" dirty="0"/>
-              <a:t> </a:t>
-            </a:r>
-            <a:r>
-              <a:rPr lang="en-US" sz="2800" dirty="0"/>
-              <a:t>Support</a:t>
-            </a:r>
-            <a:r>
-              <a:rPr lang="en-US" sz="2800" spc="-70" dirty="0"/>
-              <a:t> </a:t>
-            </a:r>
-            <a:r>
-              <a:rPr lang="en-US" sz="2800" dirty="0"/>
-              <a:t>prioritize</a:t>
-            </a:r>
-            <a:r>
-              <a:rPr lang="en-US" sz="2800" spc="-65" dirty="0"/>
-              <a:t> </a:t>
-            </a:r>
-            <a:r>
-              <a:rPr lang="en-US" sz="2800" dirty="0"/>
-              <a:t>service</a:t>
-            </a:r>
-            <a:r>
-              <a:rPr lang="en-US" sz="2800" spc="-70" dirty="0"/>
-              <a:t> </a:t>
-            </a:r>
-            <a:r>
-              <a:rPr lang="en-US" sz="2800" dirty="0"/>
-              <a:t>improvement</a:t>
-            </a:r>
-            <a:r>
-              <a:rPr lang="en-US" sz="2800" spc="-65" dirty="0"/>
-              <a:t> </a:t>
-            </a:r>
-            <a:r>
-              <a:rPr lang="en-US" sz="2800" dirty="0"/>
-              <a:t>for</a:t>
-            </a:r>
-            <a:r>
-              <a:rPr lang="en-US" sz="2800" spc="-70" dirty="0"/>
-              <a:t> </a:t>
-            </a:r>
-            <a:r>
-              <a:rPr lang="en-US" sz="2800" dirty="0"/>
-              <a:t>segments</a:t>
-            </a:r>
-            <a:r>
-              <a:rPr lang="en-US" sz="2800" spc="-65" dirty="0"/>
-              <a:t> </a:t>
-            </a:r>
-            <a:r>
-              <a:rPr lang="en-US" sz="2800" dirty="0"/>
-              <a:t>with</a:t>
-            </a:r>
-            <a:r>
-              <a:rPr lang="en-US" sz="2800" spc="-70" dirty="0"/>
-              <a:t> </a:t>
-            </a:r>
-            <a:r>
-              <a:rPr lang="en-US" sz="2800" dirty="0"/>
-              <a:t>high</a:t>
-            </a:r>
-            <a:r>
-              <a:rPr lang="en-US" sz="2800" spc="-65" dirty="0"/>
-              <a:t> </a:t>
-            </a:r>
-            <a:r>
-              <a:rPr lang="en-US" sz="2800" spc="-10" dirty="0"/>
-              <a:t>churn.</a:t>
-            </a:r>
-          </a:p>
-          <a:p>
-            <a:pPr marL="1073785" marR="2473325" indent="-457200">
-              <a:lnSpc>
-                <a:spcPct val="150000"/>
-              </a:lnSpc>
-              <a:buFont typeface="Wingdings" panose="05000000000000000000" pitchFamily="2" charset="2"/>
-              <a:buChar char="Ø"/>
-            </a:pPr>
-            <a:r>
-              <a:rPr lang="en-US" sz="2800" dirty="0"/>
-              <a:t>Enables</a:t>
-            </a:r>
-            <a:r>
-              <a:rPr lang="en-US" sz="2800" spc="-55" dirty="0"/>
-              <a:t> </a:t>
-            </a:r>
-            <a:r>
-              <a:rPr lang="en-US" sz="2800" dirty="0"/>
-              <a:t>Management</a:t>
-            </a:r>
-            <a:r>
-              <a:rPr lang="en-US" sz="2800" spc="-55" dirty="0"/>
-              <a:t> </a:t>
-            </a:r>
-            <a:r>
-              <a:rPr lang="en-US" sz="2800" dirty="0"/>
-              <a:t>to</a:t>
-            </a:r>
-            <a:r>
-              <a:rPr lang="en-US" sz="2800" spc="-50" dirty="0"/>
-              <a:t> </a:t>
-            </a:r>
-            <a:r>
-              <a:rPr lang="en-US" sz="2800" dirty="0"/>
-              <a:t>track</a:t>
-            </a:r>
-            <a:r>
-              <a:rPr lang="en-US" sz="2800" spc="-55" dirty="0"/>
-              <a:t> </a:t>
-            </a:r>
-            <a:r>
-              <a:rPr lang="en-US" sz="2800" dirty="0"/>
-              <a:t>key</a:t>
-            </a:r>
-            <a:r>
-              <a:rPr lang="en-US" sz="2800" spc="-55" dirty="0"/>
-              <a:t> </a:t>
-            </a:r>
-            <a:r>
-              <a:rPr lang="en-US" sz="2800" dirty="0"/>
-              <a:t>churn</a:t>
-            </a:r>
-            <a:r>
-              <a:rPr lang="en-US" sz="2800" spc="-50" dirty="0"/>
-              <a:t> </a:t>
-            </a:r>
-            <a:r>
-              <a:rPr lang="en-US" sz="2800" dirty="0"/>
-              <a:t>KPIs</a:t>
-            </a:r>
-            <a:r>
-              <a:rPr lang="en-US" sz="2800" spc="-55" dirty="0"/>
-              <a:t> </a:t>
-            </a:r>
-            <a:r>
-              <a:rPr lang="en-US" sz="2800" dirty="0"/>
-              <a:t>and</a:t>
-            </a:r>
-            <a:r>
-              <a:rPr lang="en-US" sz="2800" spc="-50" dirty="0"/>
-              <a:t> </a:t>
-            </a:r>
-            <a:r>
-              <a:rPr lang="en-US" sz="2800" dirty="0"/>
-              <a:t>make</a:t>
-            </a:r>
-            <a:r>
-              <a:rPr lang="en-US" sz="2800" spc="-55" dirty="0"/>
-              <a:t> </a:t>
-            </a:r>
-            <a:r>
-              <a:rPr lang="en-US" sz="2800" spc="-10" dirty="0"/>
-              <a:t>data-</a:t>
-            </a:r>
-            <a:r>
-              <a:rPr lang="en-US" sz="2800" dirty="0"/>
-              <a:t>driven</a:t>
-            </a:r>
-            <a:r>
-              <a:rPr lang="en-US" sz="2800" spc="-55" dirty="0"/>
-              <a:t> </a:t>
-            </a:r>
-            <a:r>
-              <a:rPr lang="en-US" sz="2800" dirty="0"/>
-              <a:t>strategic</a:t>
-            </a:r>
-            <a:r>
-              <a:rPr lang="en-US" sz="2800" spc="-50" dirty="0"/>
-              <a:t> </a:t>
-            </a:r>
-            <a:r>
-              <a:rPr lang="en-US" sz="2800" spc="-10" dirty="0"/>
-              <a:t>decisions.</a:t>
-            </a:r>
-          </a:p>
-          <a:p>
-            <a:pPr marL="1073785" marR="2473325" indent="-457200">
-              <a:lnSpc>
-                <a:spcPct val="150000"/>
-              </a:lnSpc>
-              <a:buFont typeface="Wingdings" panose="05000000000000000000" pitchFamily="2" charset="2"/>
-              <a:buChar char="Ø"/>
-            </a:pPr>
-            <a:r>
-              <a:rPr lang="en-US" sz="2800" spc="-10" dirty="0"/>
-              <a:t> </a:t>
-            </a:r>
-            <a:r>
-              <a:rPr lang="en-US" sz="2800" dirty="0"/>
-              <a:t>Supports</a:t>
-            </a:r>
-            <a:r>
-              <a:rPr lang="en-US" sz="2800" spc="-70" dirty="0"/>
-              <a:t> </a:t>
-            </a:r>
-            <a:r>
-              <a:rPr lang="en-US" sz="2800" dirty="0"/>
-              <a:t>Product</a:t>
-            </a:r>
-            <a:r>
-              <a:rPr lang="en-US" sz="2800" spc="-65" dirty="0"/>
-              <a:t> </a:t>
-            </a:r>
-            <a:r>
-              <a:rPr lang="en-US" sz="2800" dirty="0"/>
-              <a:t>Teams</a:t>
-            </a:r>
-            <a:r>
-              <a:rPr lang="en-US" sz="2800" spc="-65" dirty="0"/>
-              <a:t> </a:t>
-            </a:r>
-            <a:r>
-              <a:rPr lang="en-US" sz="2800" dirty="0"/>
-              <a:t>in</a:t>
-            </a:r>
-            <a:r>
-              <a:rPr lang="en-US" sz="2800" spc="-65" dirty="0"/>
-              <a:t> </a:t>
-            </a:r>
-            <a:r>
-              <a:rPr lang="en-US" sz="2800" dirty="0"/>
-              <a:t>optimizing</a:t>
-            </a:r>
-            <a:r>
-              <a:rPr lang="en-US" sz="2800" spc="-65" dirty="0"/>
-              <a:t> </a:t>
-            </a:r>
-            <a:r>
-              <a:rPr lang="en-US" sz="2800" dirty="0"/>
-              <a:t>service</a:t>
-            </a:r>
-            <a:r>
-              <a:rPr lang="en-US" sz="2800" spc="-65" dirty="0"/>
-              <a:t> </a:t>
-            </a:r>
-            <a:r>
-              <a:rPr lang="en-US" sz="2800" dirty="0"/>
-              <a:t>bundles</a:t>
-            </a:r>
-            <a:r>
-              <a:rPr lang="en-US" sz="2800" spc="-65" dirty="0"/>
-              <a:t> </a:t>
-            </a:r>
-            <a:r>
-              <a:rPr lang="en-US" sz="2800" dirty="0"/>
-              <a:t>and</a:t>
-            </a:r>
-            <a:r>
-              <a:rPr lang="en-US" sz="2800" spc="-65" dirty="0"/>
-              <a:t> </a:t>
-            </a:r>
-            <a:r>
-              <a:rPr lang="en-US" sz="2800" dirty="0"/>
-              <a:t>pricing</a:t>
-            </a:r>
-            <a:r>
-              <a:rPr lang="en-US" sz="2800" spc="-65" dirty="0"/>
-              <a:t> </a:t>
-            </a:r>
-            <a:r>
-              <a:rPr lang="en-US" sz="2800" spc="-10" dirty="0"/>
-              <a:t>models.</a:t>
-            </a:r>
-            <a:endParaRPr lang="en-US" sz="2800" dirty="0"/>
-          </a:p>
-          <a:p>
-            <a:pPr>
-              <a:lnSpc>
-                <a:spcPct val="150000"/>
-              </a:lnSpc>
-              <a:spcBef>
-                <a:spcPts val="250"/>
-              </a:spcBef>
-            </a:pPr>
-            <a:endParaRPr lang="en-US" sz="2800" dirty="0"/>
-          </a:p>
-          <a:p>
-            <a:pPr marL="469900" indent="-457200">
-              <a:lnSpc>
-                <a:spcPct val="100000"/>
-              </a:lnSpc>
-              <a:buFont typeface="Wingdings" panose="05000000000000000000" pitchFamily="2" charset="2"/>
-              <a:buChar char="q"/>
-            </a:pPr>
-            <a:r>
-              <a:rPr lang="en-US" sz="2800" spc="-10" dirty="0"/>
-              <a:t>   </a:t>
-            </a:r>
-            <a:r>
-              <a:rPr lang="en-US" sz="2800" b="1" spc="-10" dirty="0">
-                <a:solidFill>
-                  <a:srgbClr val="FF0000"/>
-                </a:solidFill>
-              </a:rPr>
-              <a:t>Recommendations :</a:t>
-            </a:r>
-          </a:p>
-          <a:p>
-            <a:pPr marL="469900" indent="-457200">
-              <a:lnSpc>
-                <a:spcPct val="100000"/>
-              </a:lnSpc>
-              <a:buFont typeface="Wingdings" panose="05000000000000000000" pitchFamily="2" charset="2"/>
-              <a:buChar char="q"/>
-            </a:pPr>
-            <a:endParaRPr lang="en-US" sz="2800" b="1" spc="-10" dirty="0">
-              <a:solidFill>
-                <a:srgbClr val="FF0000"/>
-              </a:solidFill>
-            </a:endParaRPr>
-          </a:p>
-          <a:p>
-            <a:pPr marL="1073785" marR="1486535" indent="-457200">
-              <a:lnSpc>
-                <a:spcPct val="150000"/>
-              </a:lnSpc>
-              <a:spcBef>
-                <a:spcPts val="160"/>
-              </a:spcBef>
-              <a:buFont typeface="Wingdings" panose="05000000000000000000" pitchFamily="2" charset="2"/>
-              <a:buChar char="Ø"/>
-            </a:pPr>
-            <a:r>
-              <a:rPr lang="en-US" sz="2800" dirty="0"/>
-              <a:t>Encourage</a:t>
-            </a:r>
-            <a:r>
-              <a:rPr lang="en-US" sz="2800" spc="-50" dirty="0"/>
-              <a:t> </a:t>
-            </a:r>
-            <a:r>
-              <a:rPr lang="en-US" sz="2800" spc="-10" dirty="0"/>
-              <a:t>long-</a:t>
-            </a:r>
-            <a:r>
-              <a:rPr lang="en-US" sz="2800" dirty="0"/>
-              <a:t>term</a:t>
-            </a:r>
-            <a:r>
-              <a:rPr lang="en-US" sz="2800" spc="-50" dirty="0"/>
-              <a:t> </a:t>
-            </a:r>
-            <a:r>
-              <a:rPr lang="en-US" sz="2800" dirty="0"/>
-              <a:t>contracts</a:t>
-            </a:r>
-            <a:r>
-              <a:rPr lang="en-US" sz="2800" spc="-50" dirty="0"/>
-              <a:t> </a:t>
-            </a:r>
-            <a:r>
-              <a:rPr lang="en-US" sz="2800" spc="-10" dirty="0"/>
-              <a:t>(1-</a:t>
-            </a:r>
-            <a:r>
-              <a:rPr lang="en-US" sz="2800" dirty="0"/>
-              <a:t>year</a:t>
-            </a:r>
-            <a:r>
-              <a:rPr lang="en-US" sz="2800" spc="-45" dirty="0"/>
-              <a:t> </a:t>
-            </a:r>
-            <a:r>
-              <a:rPr lang="en-US" sz="2800" dirty="0"/>
-              <a:t>or</a:t>
-            </a:r>
-            <a:r>
-              <a:rPr lang="en-US" sz="2800" spc="-50" dirty="0"/>
-              <a:t> </a:t>
-            </a:r>
-            <a:r>
-              <a:rPr lang="en-US" sz="2800" spc="-10" dirty="0"/>
-              <a:t>2-</a:t>
-            </a:r>
-            <a:r>
-              <a:rPr lang="en-US" sz="2800" dirty="0"/>
-              <a:t>year</a:t>
-            </a:r>
-            <a:r>
-              <a:rPr lang="en-US" sz="2800" spc="-50" dirty="0"/>
-              <a:t> </a:t>
-            </a:r>
-            <a:r>
-              <a:rPr lang="en-US" sz="2800" dirty="0"/>
-              <a:t>plans)</a:t>
-            </a:r>
-            <a:r>
-              <a:rPr lang="en-US" sz="2800" spc="-50" dirty="0"/>
-              <a:t> </a:t>
-            </a:r>
-            <a:r>
-              <a:rPr lang="en-US" sz="2800" dirty="0"/>
-              <a:t>through</a:t>
-            </a:r>
-            <a:r>
-              <a:rPr lang="en-US" sz="2800" spc="-45" dirty="0"/>
-              <a:t> </a:t>
-            </a:r>
-            <a:r>
-              <a:rPr lang="en-US" sz="2800" dirty="0"/>
-              <a:t>discounts</a:t>
-            </a:r>
-            <a:r>
-              <a:rPr lang="en-US" sz="2800" spc="-50" dirty="0"/>
-              <a:t> </a:t>
-            </a:r>
-            <a:r>
-              <a:rPr lang="en-US" sz="2800" dirty="0"/>
-              <a:t>and</a:t>
-            </a:r>
-            <a:r>
-              <a:rPr lang="en-US" sz="2800" spc="-50" dirty="0"/>
-              <a:t> </a:t>
-            </a:r>
-            <a:r>
-              <a:rPr lang="en-US" sz="2800" dirty="0"/>
-              <a:t>loyalty</a:t>
-            </a:r>
-            <a:r>
-              <a:rPr lang="en-US" sz="2800" spc="-50" dirty="0"/>
-              <a:t> </a:t>
-            </a:r>
-            <a:r>
-              <a:rPr lang="en-US" sz="2800" spc="-10" dirty="0"/>
-              <a:t>rewards.</a:t>
-            </a:r>
-          </a:p>
-          <a:p>
-            <a:pPr marL="1073785" marR="1486535" indent="-457200">
-              <a:lnSpc>
-                <a:spcPct val="150000"/>
-              </a:lnSpc>
-              <a:spcBef>
-                <a:spcPts val="160"/>
-              </a:spcBef>
-              <a:buFont typeface="Wingdings" panose="05000000000000000000" pitchFamily="2" charset="2"/>
-              <a:buChar char="Ø"/>
-            </a:pPr>
-            <a:r>
-              <a:rPr lang="en-US" sz="2800" dirty="0"/>
-              <a:t>Promote</a:t>
-            </a:r>
-            <a:r>
-              <a:rPr lang="en-US" sz="2800" spc="-60" dirty="0"/>
-              <a:t> </a:t>
-            </a:r>
-            <a:r>
-              <a:rPr lang="en-US" sz="2800" dirty="0"/>
-              <a:t>bundled</a:t>
-            </a:r>
-            <a:r>
-              <a:rPr lang="en-US" sz="2800" spc="-60" dirty="0"/>
-              <a:t> </a:t>
-            </a:r>
-            <a:r>
-              <a:rPr lang="en-US" sz="2800" dirty="0"/>
-              <a:t>service</a:t>
-            </a:r>
-            <a:r>
-              <a:rPr lang="en-US" sz="2800" spc="-60" dirty="0"/>
-              <a:t> </a:t>
-            </a:r>
-            <a:r>
-              <a:rPr lang="en-US" sz="2800" dirty="0"/>
-              <a:t>packages</a:t>
-            </a:r>
-            <a:r>
-              <a:rPr lang="en-US" sz="2800" spc="-55" dirty="0"/>
-              <a:t> </a:t>
-            </a:r>
-            <a:r>
-              <a:rPr lang="en-US" sz="2800" dirty="0"/>
-              <a:t>(e.g.,</a:t>
-            </a:r>
-            <a:r>
-              <a:rPr lang="en-US" sz="2800" spc="-60" dirty="0"/>
-              <a:t> </a:t>
-            </a:r>
-            <a:r>
-              <a:rPr lang="en-US" sz="2800" dirty="0"/>
-              <a:t>Internet</a:t>
-            </a:r>
-            <a:r>
-              <a:rPr lang="en-US" sz="2800" spc="-60" dirty="0"/>
-              <a:t> </a:t>
-            </a:r>
-            <a:r>
-              <a:rPr lang="en-US" sz="2800" dirty="0"/>
-              <a:t>+</a:t>
-            </a:r>
-            <a:r>
-              <a:rPr lang="en-US" sz="2800" spc="-55" dirty="0"/>
-              <a:t> </a:t>
-            </a:r>
-            <a:r>
-              <a:rPr lang="en-US" sz="2800" dirty="0"/>
-              <a:t>Streaming</a:t>
-            </a:r>
-            <a:r>
-              <a:rPr lang="en-US" sz="2800" spc="-60" dirty="0"/>
-              <a:t> </a:t>
-            </a:r>
-            <a:r>
-              <a:rPr lang="en-US" sz="2800" dirty="0"/>
-              <a:t>+</a:t>
-            </a:r>
-            <a:r>
-              <a:rPr lang="en-US" sz="2800" spc="-60" dirty="0"/>
-              <a:t> </a:t>
-            </a:r>
-            <a:r>
-              <a:rPr lang="en-US" sz="2800" dirty="0"/>
-              <a:t>Security)</a:t>
-            </a:r>
-            <a:r>
-              <a:rPr lang="en-US" sz="2800" spc="-55" dirty="0"/>
-              <a:t> </a:t>
-            </a:r>
-            <a:r>
-              <a:rPr lang="en-US" sz="2800" dirty="0"/>
-              <a:t>to</a:t>
-            </a:r>
-            <a:r>
-              <a:rPr lang="en-US" sz="2800" spc="-60" dirty="0"/>
-              <a:t> </a:t>
-            </a:r>
-            <a:r>
-              <a:rPr lang="en-US" sz="2800" dirty="0"/>
-              <a:t>reduce</a:t>
-            </a:r>
-            <a:r>
-              <a:rPr lang="en-US" sz="2800" spc="-60" dirty="0"/>
-              <a:t> </a:t>
-            </a:r>
-            <a:r>
-              <a:rPr lang="en-US" sz="2800" spc="-10" dirty="0"/>
-              <a:t>churn.</a:t>
-            </a:r>
-            <a:endParaRPr lang="en-US" sz="2800" dirty="0"/>
-          </a:p>
-          <a:p>
-            <a:pPr marL="1073785" marR="5080" indent="-457200">
-              <a:lnSpc>
-                <a:spcPct val="150000"/>
-              </a:lnSpc>
-              <a:buFont typeface="Wingdings" panose="05000000000000000000" pitchFamily="2" charset="2"/>
-              <a:buChar char="Ø"/>
-            </a:pPr>
-            <a:r>
-              <a:rPr lang="en-US" sz="2800" dirty="0"/>
-              <a:t>Improve</a:t>
-            </a:r>
-            <a:r>
-              <a:rPr lang="en-US" sz="2800" spc="-55" dirty="0"/>
-              <a:t> </a:t>
-            </a:r>
-            <a:r>
-              <a:rPr lang="en-US" sz="2800" dirty="0"/>
-              <a:t>customer</a:t>
-            </a:r>
-            <a:r>
-              <a:rPr lang="en-US" sz="2800" spc="-50" dirty="0"/>
-              <a:t> </a:t>
-            </a:r>
-            <a:r>
-              <a:rPr lang="en-US" sz="2800" dirty="0"/>
-              <a:t>retention</a:t>
-            </a:r>
-            <a:r>
-              <a:rPr lang="en-US" sz="2800" spc="-55" dirty="0"/>
-              <a:t> </a:t>
-            </a:r>
-            <a:r>
-              <a:rPr lang="en-US" sz="2800" dirty="0"/>
-              <a:t>by</a:t>
-            </a:r>
-            <a:r>
-              <a:rPr lang="en-US" sz="2800" spc="-50" dirty="0"/>
-              <a:t> </a:t>
-            </a:r>
-            <a:r>
-              <a:rPr lang="en-US" sz="2800" dirty="0"/>
-              <a:t>offering</a:t>
-            </a:r>
-            <a:r>
-              <a:rPr lang="en-US" sz="2800" spc="-55" dirty="0"/>
-              <a:t> </a:t>
-            </a:r>
-            <a:r>
-              <a:rPr lang="en-US" sz="2800" dirty="0"/>
-              <a:t>personalized</a:t>
-            </a:r>
-            <a:r>
-              <a:rPr lang="en-US" sz="2800" spc="-50" dirty="0"/>
-              <a:t> </a:t>
-            </a:r>
-            <a:r>
-              <a:rPr lang="en-US" sz="2800" dirty="0"/>
-              <a:t>plans</a:t>
-            </a:r>
-            <a:r>
-              <a:rPr lang="en-US" sz="2800" spc="-55" dirty="0"/>
-              <a:t> </a:t>
-            </a:r>
-            <a:r>
-              <a:rPr lang="en-US" sz="2800" dirty="0"/>
-              <a:t>for</a:t>
-            </a:r>
-            <a:r>
-              <a:rPr lang="en-US" sz="2800" spc="-50" dirty="0"/>
-              <a:t> </a:t>
-            </a:r>
-            <a:r>
-              <a:rPr lang="en-US" sz="2800" dirty="0"/>
-              <a:t>senior</a:t>
-            </a:r>
-            <a:r>
-              <a:rPr lang="en-US" sz="2800" spc="-55" dirty="0"/>
-              <a:t> </a:t>
-            </a:r>
-            <a:r>
-              <a:rPr lang="en-US" sz="2800" dirty="0"/>
-              <a:t>citizens</a:t>
-            </a:r>
-            <a:r>
-              <a:rPr lang="en-US" sz="2800" spc="-50" dirty="0"/>
-              <a:t> </a:t>
-            </a:r>
-            <a:r>
-              <a:rPr lang="en-US" sz="2800" dirty="0"/>
-              <a:t>and</a:t>
-            </a:r>
-            <a:r>
-              <a:rPr lang="en-US" sz="2800" spc="-55" dirty="0"/>
-              <a:t> </a:t>
-            </a:r>
-            <a:r>
-              <a:rPr lang="en-US" sz="2800" spc="-20" dirty="0"/>
-              <a:t>high-</a:t>
-            </a:r>
-            <a:r>
-              <a:rPr lang="en-US" sz="2800" dirty="0"/>
-              <a:t>charge</a:t>
-            </a:r>
-            <a:r>
-              <a:rPr lang="en-US" sz="2800" spc="-50" dirty="0"/>
-              <a:t> </a:t>
-            </a:r>
-            <a:r>
-              <a:rPr lang="en-US" sz="2800" spc="-10" dirty="0"/>
-              <a:t>users.</a:t>
-            </a:r>
-          </a:p>
-          <a:p>
-            <a:pPr marL="1073785" marR="5080" indent="-457200">
-              <a:lnSpc>
-                <a:spcPct val="150000"/>
-              </a:lnSpc>
-              <a:buFont typeface="Wingdings" panose="05000000000000000000" pitchFamily="2" charset="2"/>
-              <a:buChar char="Ø"/>
-            </a:pPr>
-            <a:r>
-              <a:rPr lang="en-US" sz="2800" spc="-10" dirty="0"/>
-              <a:t> </a:t>
-            </a:r>
-            <a:r>
-              <a:rPr lang="en-US" sz="2800" dirty="0"/>
-              <a:t>Educate</a:t>
-            </a:r>
-            <a:r>
-              <a:rPr lang="en-US" sz="2800" spc="-60" dirty="0"/>
-              <a:t> </a:t>
-            </a:r>
-            <a:r>
-              <a:rPr lang="en-US" sz="2800" dirty="0"/>
-              <a:t>customers</a:t>
-            </a:r>
-            <a:r>
-              <a:rPr lang="en-US" sz="2800" spc="-55" dirty="0"/>
-              <a:t> </a:t>
-            </a:r>
-            <a:r>
-              <a:rPr lang="en-US" sz="2800" dirty="0"/>
-              <a:t>about</a:t>
-            </a:r>
-            <a:r>
-              <a:rPr lang="en-US" sz="2800" spc="-55" dirty="0"/>
-              <a:t> </a:t>
-            </a:r>
-            <a:r>
-              <a:rPr lang="en-US" sz="2800" dirty="0"/>
-              <a:t>benefits</a:t>
-            </a:r>
-            <a:r>
-              <a:rPr lang="en-US" sz="2800" spc="-60" dirty="0"/>
-              <a:t> </a:t>
-            </a:r>
-            <a:r>
-              <a:rPr lang="en-US" sz="2800" dirty="0"/>
-              <a:t>of</a:t>
-            </a:r>
-            <a:r>
-              <a:rPr lang="en-US" sz="2800" spc="-55" dirty="0"/>
-              <a:t> </a:t>
-            </a:r>
-            <a:r>
-              <a:rPr lang="en-US" sz="2800" dirty="0"/>
-              <a:t>online</a:t>
-            </a:r>
-            <a:r>
-              <a:rPr lang="en-US" sz="2800" spc="-55" dirty="0"/>
-              <a:t> </a:t>
-            </a:r>
-            <a:r>
-              <a:rPr lang="en-US" sz="2800" dirty="0"/>
-              <a:t>backup</a:t>
-            </a:r>
-            <a:r>
-              <a:rPr lang="en-US" sz="2800" spc="-60" dirty="0"/>
-              <a:t> </a:t>
-            </a:r>
-            <a:r>
-              <a:rPr lang="en-US" sz="2800" dirty="0"/>
-              <a:t>and</a:t>
-            </a:r>
-            <a:r>
-              <a:rPr lang="en-US" sz="2800" spc="-55" dirty="0"/>
-              <a:t> </a:t>
-            </a:r>
-            <a:r>
-              <a:rPr lang="en-US" sz="2800" dirty="0"/>
-              <a:t>device</a:t>
-            </a:r>
-            <a:r>
-              <a:rPr lang="en-US" sz="2800" spc="-55" dirty="0"/>
-              <a:t> </a:t>
-            </a:r>
-            <a:r>
-              <a:rPr lang="en-US" sz="2800" dirty="0"/>
-              <a:t>protection</a:t>
-            </a:r>
-            <a:r>
-              <a:rPr lang="en-US" sz="2800" spc="-55" dirty="0"/>
-              <a:t> </a:t>
-            </a:r>
-            <a:r>
-              <a:rPr lang="en-US" sz="2800" dirty="0"/>
-              <a:t>services,</a:t>
-            </a:r>
-            <a:r>
-              <a:rPr lang="en-US" sz="2800" spc="-60" dirty="0"/>
-              <a:t> </a:t>
-            </a:r>
-            <a:r>
-              <a:rPr lang="en-US" sz="2800" dirty="0"/>
-              <a:t>as</a:t>
-            </a:r>
-            <a:r>
-              <a:rPr lang="en-US" sz="2800" spc="-55" dirty="0"/>
-              <a:t> </a:t>
-            </a:r>
-            <a:r>
-              <a:rPr lang="en-US" sz="2800" dirty="0"/>
-              <a:t>these</a:t>
-            </a:r>
-            <a:r>
-              <a:rPr lang="en-US" sz="2800" spc="-55" dirty="0"/>
-              <a:t> </a:t>
-            </a:r>
-            <a:r>
-              <a:rPr lang="en-US" sz="2800" dirty="0"/>
-              <a:t>reduce</a:t>
-            </a:r>
-          </a:p>
-          <a:p>
-            <a:pPr marL="1073785" marR="5080" indent="-457200">
-              <a:lnSpc>
-                <a:spcPct val="150000"/>
-              </a:lnSpc>
-              <a:buFont typeface="Wingdings" panose="05000000000000000000" pitchFamily="2" charset="2"/>
-              <a:buChar char="Ø"/>
-            </a:pPr>
-            <a:r>
-              <a:rPr lang="en-US" sz="2800" spc="-60" dirty="0"/>
-              <a:t> </a:t>
-            </a:r>
-            <a:r>
-              <a:rPr lang="en-US" sz="2800" spc="-10" dirty="0"/>
-              <a:t>churn. </a:t>
-            </a:r>
-            <a:r>
-              <a:rPr lang="en-US" sz="2800" dirty="0"/>
-              <a:t>Monitor</a:t>
-            </a:r>
-            <a:r>
-              <a:rPr lang="en-US" sz="2800" spc="-55" dirty="0"/>
-              <a:t> </a:t>
-            </a:r>
-            <a:r>
-              <a:rPr lang="en-US" sz="2800" dirty="0"/>
-              <a:t>monthly</a:t>
-            </a:r>
-            <a:r>
-              <a:rPr lang="en-US" sz="2800" spc="-50" dirty="0"/>
-              <a:t> </a:t>
-            </a:r>
-            <a:r>
-              <a:rPr lang="en-US" sz="2800" dirty="0"/>
-              <a:t>charges</a:t>
-            </a:r>
-            <a:r>
-              <a:rPr lang="en-US" sz="2800" spc="-50" dirty="0"/>
-              <a:t> </a:t>
-            </a:r>
-            <a:r>
-              <a:rPr lang="en-US" sz="2800" dirty="0"/>
-              <a:t>and</a:t>
-            </a:r>
-            <a:r>
-              <a:rPr lang="en-US" sz="2800" spc="-50" dirty="0"/>
-              <a:t> </a:t>
-            </a:r>
-            <a:r>
-              <a:rPr lang="en-US" sz="2800" dirty="0"/>
-              <a:t>payment</a:t>
-            </a:r>
-            <a:r>
-              <a:rPr lang="en-US" sz="2800" spc="-55" dirty="0"/>
-              <a:t> </a:t>
-            </a:r>
-            <a:r>
-              <a:rPr lang="en-US" sz="2800" dirty="0"/>
-              <a:t>issues</a:t>
-            </a:r>
-            <a:r>
-              <a:rPr lang="en-US" sz="2800" spc="-50" dirty="0"/>
-              <a:t> </a:t>
-            </a:r>
-            <a:r>
-              <a:rPr lang="en-US" sz="2800" dirty="0"/>
-              <a:t>closely</a:t>
-            </a:r>
-            <a:r>
-              <a:rPr lang="en-US" sz="2800" spc="-50" dirty="0"/>
-              <a:t> </a:t>
-            </a:r>
-            <a:r>
-              <a:rPr lang="en-US" sz="2800" dirty="0"/>
-              <a:t>for</a:t>
-            </a:r>
-            <a:r>
-              <a:rPr lang="en-US" sz="2800" spc="-50" dirty="0"/>
-              <a:t> </a:t>
-            </a:r>
-            <a:r>
-              <a:rPr lang="en-US" sz="2800" dirty="0"/>
-              <a:t>early</a:t>
-            </a:r>
-            <a:r>
-              <a:rPr lang="en-US" sz="2800" spc="-55" dirty="0"/>
-              <a:t> </a:t>
-            </a:r>
-            <a:r>
-              <a:rPr lang="en-US" sz="2800" dirty="0"/>
-              <a:t>churn</a:t>
-            </a:r>
-            <a:r>
-              <a:rPr lang="en-US" sz="2800" spc="-50" dirty="0"/>
-              <a:t> </a:t>
-            </a:r>
-            <a:r>
-              <a:rPr lang="en-US" sz="2800" spc="-10" dirty="0"/>
-              <a:t>indicators.</a:t>
-            </a:r>
-          </a:p>
-          <a:p>
-            <a:pPr marL="616585" marR="5080">
-              <a:lnSpc>
-                <a:spcPct val="131700"/>
-              </a:lnSpc>
-            </a:pPr>
-            <a:endParaRPr lang="en-US" sz="2800" dirty="0"/>
-          </a:p>
-        </p:txBody>
-      </p:sp>
-    </p:spTree>
-  </p:cSld>
-  <p:clrMapOvr>
-    <a:masterClrMapping/>
-  </p:clrMapOvr>
-</p:sld>
-</file>
-
-<file path=ppt/slides/slide16.xml><?xml version="1.0" encoding="utf-8"?>
-<p:sld xmlns:a="http://schemas.openxmlformats.org/drawingml/2006/main" xmlns:r="http://schemas.openxmlformats.org/officeDocument/2006/relationships" xmlns:p="http://schemas.openxmlformats.org/presentationml/2006/main" showMasterSp="0">
-  <p:cSld>
-    <p:spTree>
-      <p:nvGrpSpPr>
-        <p:cNvPr id="1" name=""/>
-        <p:cNvGrpSpPr/>
-        <p:nvPr/>
-      </p:nvGrpSpPr>
-      <p:grpSpPr>
-        <a:xfrm>
-          <a:off x="0" y="0"/>
-          <a:ext cx="0" cy="0"/>
-          <a:chOff x="0" y="0"/>
-          <a:chExt cx="0" cy="0"/>
-        </a:xfrm>
-      </p:grpSpPr>
-      <p:sp>
-        <p:nvSpPr>
-          <p:cNvPr id="3" name="TextBox 2">
-            <a:extLst>
-              <a:ext uri="{FF2B5EF4-FFF2-40B4-BE49-F238E27FC236}">
-                <a16:creationId xmlns:a16="http://schemas.microsoft.com/office/drawing/2014/main" id="{5F5D3CDB-AAD9-EE48-B145-CC90456D86B4}"/>
-              </a:ext>
-            </a:extLst>
-          </p:cNvPr>
-          <p:cNvSpPr txBox="1"/>
-          <p:nvPr/>
-        </p:nvSpPr>
-        <p:spPr>
-          <a:xfrm>
-            <a:off x="914400" y="364357"/>
-            <a:ext cx="15011400" cy="707886"/>
+            <a:off x="0" y="724215"/>
+            <a:ext cx="18288000" cy="9619300"/>
           </a:xfrm>
           <a:prstGeom prst="rect">
             <a:avLst/>
@@ -3978,50 +5125,6 @@
           </a:bodyPr>
           <a:lstStyle/>
           <a:p>
-            <a:r>
-              <a:rPr lang="en-IN" sz="4000" b="1" spc="-10" dirty="0">
-                <a:solidFill>
-                  <a:srgbClr val="FF0000"/>
-                </a:solidFill>
-              </a:rPr>
-              <a:t>                             CONCLUSION  :</a:t>
-            </a:r>
-            <a:endParaRPr lang="en-IN" sz="4000" b="1" dirty="0">
-              <a:solidFill>
-                <a:srgbClr val="FF0000"/>
-              </a:solidFill>
-            </a:endParaRPr>
-          </a:p>
-        </p:txBody>
-      </p:sp>
-      <p:sp>
-        <p:nvSpPr>
-          <p:cNvPr id="4" name="TextBox 3">
-            <a:extLst>
-              <a:ext uri="{FF2B5EF4-FFF2-40B4-BE49-F238E27FC236}">
-                <a16:creationId xmlns:a16="http://schemas.microsoft.com/office/drawing/2014/main" id="{BE7A2992-1092-E83C-5B62-F6C02E05C2C0}"/>
-              </a:ext>
-            </a:extLst>
-          </p:cNvPr>
-          <p:cNvSpPr txBox="1"/>
-          <p:nvPr/>
-        </p:nvSpPr>
-        <p:spPr>
-          <a:xfrm>
-            <a:off x="0" y="1555210"/>
-            <a:ext cx="19050000" cy="8141972"/>
-          </a:xfrm>
-          <a:prstGeom prst="rect">
-            <a:avLst/>
-          </a:prstGeom>
-          <a:noFill/>
-        </p:spPr>
-        <p:txBody>
-          <a:bodyPr wrap="square" rtlCol="0">
-            <a:spAutoFit/>
-          </a:bodyPr>
-          <a:lstStyle/>
-          <a:p>
             <a:pPr marL="469900" marR="864235" indent="-457200">
               <a:lnSpc>
                 <a:spcPct val="150000"/>
@@ -4825,12 +5928,19 @@
               </a:rPr>
               <a:t>influence</a:t>
             </a:r>
+          </a:p>
+          <a:p>
+            <a:pPr marL="12700" marR="389890" algn="just">
+              <a:lnSpc>
+                <a:spcPct val="150000"/>
+              </a:lnSpc>
+            </a:pPr>
             <a:r>
               <a:rPr lang="en-US" sz="3200" b="1" spc="-55" dirty="0">
                 <a:latin typeface="Times New Roman"/>
                 <a:cs typeface="Times New Roman"/>
               </a:rPr>
-              <a:t> </a:t>
+              <a:t> 	</a:t>
             </a:r>
             <a:r>
               <a:rPr lang="en-US" sz="3200" b="1" spc="-20" dirty="0">
@@ -5447,6 +6557,20 @@
                 <a:cs typeface="Times New Roman"/>
               </a:rPr>
               <a:t> </a:t>
+            </a:r>
+          </a:p>
+          <a:p>
+            <a:pPr marL="12700" marR="5080">
+              <a:lnSpc>
+                <a:spcPct val="150000"/>
+              </a:lnSpc>
+            </a:pPr>
+            <a:r>
+              <a:rPr lang="en-US" sz="3200" b="1" spc="-55" dirty="0">
+                <a:latin typeface="Times New Roman"/>
+                <a:cs typeface="Times New Roman"/>
+              </a:rPr>
+              <a:t>	</a:t>
             </a:r>
             <a:r>
               <a:rPr lang="en-US" sz="3200" b="1" dirty="0">
@@ -5505,7 +6629,7 @@
 </p:sld>
 </file>
 
-<file path=ppt/slides/slide17.xml><?xml version="1.0" encoding="utf-8"?>
+<file path=ppt/slides/slide16.xml><?xml version="1.0" encoding="utf-8"?>
 <p:sld xmlns:a="http://schemas.openxmlformats.org/drawingml/2006/main" xmlns:r="http://schemas.openxmlformats.org/officeDocument/2006/relationships" xmlns:p="http://schemas.openxmlformats.org/presentationml/2006/main">
   <p:cSld>
     <p:spTree>
@@ -5590,15 +6714,15 @@
       </p:grpSpPr>
       <p:pic>
         <p:nvPicPr>
-          <p:cNvPr id="16" name="Picture 15">
+          <p:cNvPr id="4098" name="Picture 2" descr="GitHub - Harshwardhanpjadhav/Customer-Churn: Telecom Customer Churn  Prediction This repository contains a machine learning project focused on  predicting customer churn in the telecommunications industry. By leveraging  a dataset of customer demographics ...">
             <a:extLst>
               <a:ext uri="{FF2B5EF4-FFF2-40B4-BE49-F238E27FC236}">
-                <a16:creationId xmlns:a16="http://schemas.microsoft.com/office/drawing/2014/main" id="{D70E725F-75F2-3CA2-B888-765DA6AAD2FD}"/>
+                <a16:creationId xmlns:a16="http://schemas.microsoft.com/office/drawing/2014/main" id="{8049A74B-0FA3-D7FC-4EB7-8F7FD8A9EAF5}"/>
               </a:ext>
             </a:extLst>
           </p:cNvPr>
           <p:cNvPicPr>
-            <a:picLocks noChangeAspect="1"/>
+            <a:picLocks noChangeAspect="1" noChangeArrowheads="1"/>
           </p:cNvPicPr>
           <p:nvPr/>
         </p:nvPicPr>
@@ -5610,18 +6734,29 @@
               </a:ext>
             </a:extLst>
           </a:blip>
+          <a:srcRect/>
           <a:stretch>
             <a:fillRect/>
           </a:stretch>
         </p:blipFill>
-        <p:spPr>
+        <p:spPr bwMode="auto">
           <a:xfrm>
             <a:off x="0" y="0"/>
-            <a:ext cx="18288000" cy="10287000"/>
+            <a:ext cx="18288000" cy="10401300"/>
           </a:xfrm>
           <a:prstGeom prst="rect">
             <a:avLst/>
           </a:prstGeom>
+          <a:noFill/>
+          <a:extLst>
+            <a:ext uri="{909E8E84-426E-40DD-AFC4-6F175D3DCCD1}">
+              <a14:hiddenFill xmlns:a14="http://schemas.microsoft.com/office/drawing/2010/main">
+                <a:solidFill>
+                  <a:srgbClr val="FFFFFF"/>
+                </a:solidFill>
+              </a14:hiddenFill>
+            </a:ext>
+          </a:extLst>
         </p:spPr>
       </p:pic>
     </p:spTree>
@@ -5668,7 +6803,7 @@
         </p:nvSpPr>
         <p:spPr>
           <a:xfrm>
-            <a:off x="1447800" y="-21771"/>
+            <a:off x="609600" y="111353"/>
             <a:ext cx="10439400" cy="646331"/>
           </a:xfrm>
           <a:prstGeom prst="rect">
@@ -5711,7 +6846,7 @@
                 <a:latin typeface="Calibri"/>
                 <a:cs typeface="Calibri"/>
               </a:rPr>
-              <a:t>                   INTRODUCTION :</a:t>
+              <a:t>          CUSTOMER CHURN ANALYSIS :</a:t>
             </a:r>
           </a:p>
         </p:txBody>
@@ -5731,7 +6866,7 @@
         <p:spPr>
           <a:xfrm>
             <a:off x="228600" y="880190"/>
-            <a:ext cx="17906999" cy="3539430"/>
+            <a:ext cx="17906999" cy="3890489"/>
           </a:xfrm>
           <a:prstGeom prst="rect">
             <a:avLst/>
@@ -5749,83 +6884,66 @@
           <a:lstStyle/>
           <a:p>
             <a:pPr marL="457200" indent="-457200">
+              <a:lnSpc>
+                <a:spcPct val="150000"/>
+              </a:lnSpc>
               <a:buFont typeface="Wingdings" panose="05000000000000000000" pitchFamily="2" charset="2"/>
               <a:buChar char="q"/>
             </a:pPr>
             <a:r>
-              <a:rPr lang="en-US" sz="3200" b="1" dirty="0"/>
-              <a:t> Telecom Customer Churn Analysis</a:t>
-            </a:r>
-            <a:r>
-              <a:rPr lang="en-US" sz="3200" dirty="0"/>
-              <a:t> is the process of finding out   </a:t>
-            </a:r>
-            <a:r>
-              <a:rPr lang="en-US" sz="3200" b="1" dirty="0"/>
-              <a:t>why customers are leaving a telecom company</a:t>
-            </a:r>
-            <a:r>
-              <a:rPr lang="en-US" sz="3200" dirty="0"/>
-              <a:t> (disconnecting services) and </a:t>
-            </a:r>
-            <a:r>
-              <a:rPr lang="en-US" sz="3200" b="1" dirty="0"/>
-              <a:t>which customers are likely to leave in the future</a:t>
-            </a:r>
-            <a:r>
-              <a:rPr lang="en-US" sz="3200" dirty="0"/>
-              <a:t>.</a:t>
-            </a:r>
-          </a:p>
-          <a:p>
-            <a:endParaRPr lang="en-US" sz="3200" dirty="0"/>
+              <a:rPr lang="en-US" sz="2800" b="1" dirty="0"/>
+              <a:t> Telecom Customer Churn Analysis is the process of finding out   why customers are leaving a telecom company (disconnecting services) and which customers are likely to leave in the future.</a:t>
+            </a:r>
+          </a:p>
+          <a:p>
+            <a:pPr>
+              <a:lnSpc>
+                <a:spcPct val="150000"/>
+              </a:lnSpc>
+            </a:pPr>
+            <a:endParaRPr lang="en-US" sz="2800" b="1" dirty="0"/>
           </a:p>
           <a:p>
             <a:pPr marL="457200" indent="-457200">
+              <a:lnSpc>
+                <a:spcPct val="150000"/>
+              </a:lnSpc>
               <a:buFont typeface="Wingdings" panose="05000000000000000000" pitchFamily="2" charset="2"/>
               <a:buChar char="Ø"/>
             </a:pPr>
             <a:r>
-              <a:rPr lang="en-US" sz="3200" b="1" dirty="0"/>
-              <a:t>  Churn</a:t>
-            </a:r>
-            <a:r>
-              <a:rPr lang="en-US" sz="3200" dirty="0"/>
-              <a:t> means </a:t>
-            </a:r>
-            <a:r>
-              <a:rPr lang="en-US" sz="3200" b="1" dirty="0"/>
-              <a:t>customers stopping their service..</a:t>
+              <a:rPr lang="en-US" sz="2800" b="1" dirty="0"/>
+              <a:t> Churn  --- &gt; customers stopping their service..</a:t>
             </a:r>
           </a:p>
           <a:p>
             <a:pPr marL="457200" indent="-457200">
+              <a:lnSpc>
+                <a:spcPct val="150000"/>
+              </a:lnSpc>
               <a:buFont typeface="Wingdings" panose="05000000000000000000" pitchFamily="2" charset="2"/>
               <a:buChar char="Ø"/>
             </a:pPr>
             <a:r>
-              <a:rPr lang="en-US" sz="3200" b="1" dirty="0"/>
-              <a:t>  Churn analysis</a:t>
-            </a:r>
-            <a:r>
-              <a:rPr lang="en-US" sz="3200" dirty="0"/>
-              <a:t> means </a:t>
-            </a:r>
-            <a:r>
-              <a:rPr lang="en-US" sz="3200" b="1" dirty="0"/>
-              <a:t>studying customer </a:t>
-            </a:r>
-            <a:r>
-              <a:rPr lang="en-US" sz="3200" b="1" dirty="0" err="1"/>
+              <a:rPr lang="en-US" sz="2800" b="1" dirty="0"/>
+              <a:t>Churn analysis ----&gt;  studying customer </a:t>
+            </a:r>
+            <a:r>
+              <a:rPr lang="en-US" sz="2800" b="1" dirty="0" err="1"/>
               <a:t>behaviour</a:t>
             </a:r>
             <a:r>
-              <a:rPr lang="en-US" sz="3200" b="1" dirty="0"/>
-              <a:t> to    	understand and reduce churn</a:t>
-            </a:r>
-          </a:p>
-          <a:p>
-            <a:endParaRPr lang="en-US" sz="3200" dirty="0"/>
+              <a:rPr lang="en-US" sz="2800" b="1" dirty="0"/>
+              <a:t>  to understand and reduce churn</a:t>
+            </a:r>
+          </a:p>
+          <a:p>
+            <a:pPr>
+              <a:lnSpc>
+                <a:spcPct val="150000"/>
+              </a:lnSpc>
+            </a:pPr>
+            <a:endParaRPr lang="en-US" sz="2800" b="1" dirty="0"/>
           </a:p>
         </p:txBody>
       </p:sp>
@@ -5843,8 +6961,8 @@
         </p:nvSpPr>
         <p:spPr>
           <a:xfrm>
-            <a:off x="228600" y="4811600"/>
-            <a:ext cx="17650023" cy="4401205"/>
+            <a:off x="228600" y="5143500"/>
+            <a:ext cx="17650023" cy="4708981"/>
           </a:xfrm>
           <a:prstGeom prst="rect">
             <a:avLst/>
@@ -5893,6 +7011,9 @@
           </a:p>
           <a:p>
             <a:pPr marL="571500" indent="-571500">
+              <a:lnSpc>
+                <a:spcPct val="150000"/>
+              </a:lnSpc>
               <a:buFont typeface="Wingdings" panose="05000000000000000000" pitchFamily="2" charset="2"/>
               <a:buChar char="Ø"/>
             </a:pPr>
@@ -5929,55 +7050,6 @@
             <a:r>
               <a:rPr lang="en-US" sz="4000" dirty="0"/>
               <a:t>   Make better business decisions</a:t>
-            </a:r>
-          </a:p>
-        </p:txBody>
-      </p:sp>
-      <p:sp>
-        <p:nvSpPr>
-          <p:cNvPr id="18" name="TextBox 17">
-            <a:extLst>
-              <a:ext uri="{FF2B5EF4-FFF2-40B4-BE49-F238E27FC236}">
-                <a16:creationId xmlns:a16="http://schemas.microsoft.com/office/drawing/2014/main" id="{FD9AA041-1262-7EAA-F4DF-FAE25051B34F}"/>
-              </a:ext>
-            </a:extLst>
-          </p:cNvPr>
-          <p:cNvSpPr txBox="1"/>
-          <p:nvPr/>
-        </p:nvSpPr>
-        <p:spPr>
-          <a:xfrm>
-            <a:off x="5524333" y="9097266"/>
-            <a:ext cx="12472703" cy="954107"/>
-          </a:xfrm>
-          <a:prstGeom prst="rect">
-            <a:avLst/>
-          </a:prstGeom>
-          <a:noFill/>
-        </p:spPr>
-        <p:txBody>
-          <a:bodyPr wrap="square" rtlCol="0">
-            <a:spAutoFit/>
-          </a:bodyPr>
-          <a:lstStyle/>
-          <a:p>
-            <a:r>
-              <a:rPr lang="en-US" sz="2800" dirty="0"/>
-              <a:t>Imagine you are running a telecom company like Airtel or Jio.</a:t>
-            </a:r>
-          </a:p>
-          <a:p>
-            <a:r>
-              <a:rPr lang="en-US" sz="2800" dirty="0"/>
-              <a:t>Some customers suddenly stop using your service → </a:t>
-            </a:r>
-            <a:r>
-              <a:rPr lang="en-US" sz="2800" b="1" dirty="0"/>
-              <a:t>this is churn</a:t>
-            </a:r>
-            <a:r>
-              <a:rPr lang="en-US" sz="2800" dirty="0"/>
-              <a:t>.</a:t>
             </a:r>
           </a:p>
         </p:txBody>
@@ -6022,7 +7094,7 @@
         <p:spPr>
           <a:xfrm>
             <a:off x="0" y="0"/>
-            <a:ext cx="9372600" cy="10287000"/>
+            <a:ext cx="10287000" cy="10287000"/>
           </a:xfrm>
           <a:prstGeom prst="rect">
             <a:avLst/>
@@ -6043,7 +7115,7 @@
         </p:nvSpPr>
         <p:spPr>
           <a:xfrm>
-            <a:off x="10134600" y="1104900"/>
+            <a:off x="10836729" y="1866900"/>
             <a:ext cx="6553200" cy="769441"/>
           </a:xfrm>
           <a:prstGeom prst="rect">
@@ -6100,8 +7172,8 @@
         </p:nvSpPr>
         <p:spPr>
           <a:xfrm>
-            <a:off x="9906000" y="2324100"/>
-            <a:ext cx="8458200" cy="6014916"/>
+            <a:off x="9448800" y="2933700"/>
+            <a:ext cx="8458200" cy="6833089"/>
           </a:xfrm>
           <a:prstGeom prst="rect">
             <a:avLst/>
@@ -6129,14 +7201,7 @@
                 <a:latin typeface="Times New Roman"/>
                 <a:cs typeface="Times New Roman"/>
               </a:rPr>
-              <a:t>   Project</a:t>
-            </a:r>
-            <a:r>
-              <a:rPr lang="en-US" sz="3600" b="1" spc="-10" dirty="0">
-                <a:latin typeface="Times New Roman"/>
-                <a:cs typeface="Times New Roman"/>
-              </a:rPr>
-              <a:t> Overview </a:t>
+              <a:t>   Introduction </a:t>
             </a:r>
           </a:p>
           <a:p>
@@ -6155,21 +7220,14 @@
                 <a:latin typeface="Times New Roman"/>
                 <a:cs typeface="Times New Roman"/>
               </a:rPr>
-              <a:t>    Data </a:t>
+              <a:t>  Project</a:t>
             </a:r>
             <a:r>
               <a:rPr lang="en-US" sz="3600" b="1" spc="-10" dirty="0">
                 <a:latin typeface="Times New Roman"/>
                 <a:cs typeface="Times New Roman"/>
               </a:rPr>
-              <a:t>Source</a:t>
-            </a:r>
-            <a:r>
-              <a:rPr lang="en-US" sz="3600" b="1" spc="1025" dirty="0">
-                <a:latin typeface="Times New Roman"/>
-                <a:cs typeface="Times New Roman"/>
-              </a:rPr>
-              <a:t> </a:t>
+              <a:t> Overview </a:t>
             </a:r>
           </a:p>
           <a:p>
@@ -6188,6 +7246,39 @@
                 <a:latin typeface="Times New Roman"/>
                 <a:cs typeface="Times New Roman"/>
               </a:rPr>
+              <a:t>    Data </a:t>
+            </a:r>
+            <a:r>
+              <a:rPr lang="en-US" sz="3600" b="1" spc="-10" dirty="0">
+                <a:latin typeface="Times New Roman"/>
+                <a:cs typeface="Times New Roman"/>
+              </a:rPr>
+              <a:t>Source</a:t>
+            </a:r>
+            <a:r>
+              <a:rPr lang="en-US" sz="3600" b="1" spc="1025" dirty="0">
+                <a:latin typeface="Times New Roman"/>
+                <a:cs typeface="Times New Roman"/>
+              </a:rPr>
+              <a:t> </a:t>
+            </a:r>
+          </a:p>
+          <a:p>
+            <a:pPr marL="298450" marR="3735704" indent="-285750">
+              <a:lnSpc>
+                <a:spcPct val="150000"/>
+              </a:lnSpc>
+              <a:spcBef>
+                <a:spcPts val="95"/>
+              </a:spcBef>
+              <a:buFont typeface="Wingdings" panose="05000000000000000000" pitchFamily="2" charset="2"/>
+              <a:buChar char="Ø"/>
+            </a:pPr>
+            <a:r>
+              <a:rPr lang="en-US" sz="3600" b="1" dirty="0">
+                <a:latin typeface="Times New Roman"/>
+                <a:cs typeface="Times New Roman"/>
+              </a:rPr>
               <a:t>    Data</a:t>
             </a:r>
             <a:r>
@@ -6244,21 +7335,7 @@
                 <a:latin typeface="Times New Roman"/>
                 <a:cs typeface="Times New Roman"/>
               </a:rPr>
-              <a:t>     </a:t>
-            </a:r>
-            <a:r>
-              <a:rPr lang="en-US" sz="3600" b="1" dirty="0">
-                <a:latin typeface="Times New Roman"/>
-                <a:cs typeface="Times New Roman"/>
-              </a:rPr>
-              <a:t>Applications &amp; </a:t>
-            </a:r>
-            <a:r>
-              <a:rPr lang="en-US" sz="3600" b="1" spc="-10" dirty="0">
-                <a:latin typeface="Times New Roman"/>
-                <a:cs typeface="Times New Roman"/>
-              </a:rPr>
-              <a:t>Recommendations</a:t>
+              <a:t>    Problem Statement</a:t>
             </a:r>
           </a:p>
           <a:p>
@@ -6277,26 +7354,41 @@
                 <a:latin typeface="Times New Roman"/>
                 <a:cs typeface="Times New Roman"/>
               </a:rPr>
-              <a:t>     Conclusion</a:t>
-            </a:r>
-            <a:endParaRPr lang="en-US" sz="3600" dirty="0">
-              <a:latin typeface="Times New Roman"/>
-              <a:cs typeface="Times New Roman"/>
-            </a:endParaRPr>
-          </a:p>
-          <a:p>
-            <a:pPr marL="12700">
+              <a:t>     </a:t>
+            </a:r>
+            <a:r>
+              <a:rPr lang="en-US" sz="3600" b="1" dirty="0">
+                <a:latin typeface="Times New Roman"/>
+                <a:cs typeface="Times New Roman"/>
+              </a:rPr>
+              <a:t>Applications &amp; </a:t>
+            </a:r>
+            <a:r>
+              <a:rPr lang="en-US" sz="3600" b="1" spc="-10" dirty="0">
+                <a:latin typeface="Times New Roman"/>
+                <a:cs typeface="Times New Roman"/>
+              </a:rPr>
+              <a:t>Recommendations</a:t>
+            </a:r>
+          </a:p>
+          <a:p>
+            <a:pPr marL="298450" marR="5080" indent="-285750">
               <a:lnSpc>
                 <a:spcPct val="150000"/>
               </a:lnSpc>
               <a:spcBef>
-                <a:spcPts val="459"/>
+                <a:spcPts val="320"/>
               </a:spcBef>
+              <a:buFont typeface="Wingdings" panose="05000000000000000000" pitchFamily="2" charset="2"/>
+              <a:buChar char="Ø"/>
             </a:pPr>
-            <a:endParaRPr lang="en-US" sz="3600" dirty="0">
-              <a:latin typeface="Times New Roman"/>
-              <a:cs typeface="Times New Roman"/>
-            </a:endParaRPr>
+            <a:r>
+              <a:rPr lang="en-US" sz="3600" b="1" spc="-10" dirty="0">
+                <a:latin typeface="Times New Roman"/>
+                <a:cs typeface="Times New Roman"/>
+              </a:rPr>
+              <a:t>     Conclusion</a:t>
+            </a:r>
           </a:p>
         </p:txBody>
       </p:sp>
@@ -6313,7 +7405,13 @@
   <p:cSld>
     <p:spTree>
       <p:nvGrpSpPr>
-        <p:cNvPr id="1" name=""/>
+        <p:cNvPr id="1" name="">
+          <a:extLst>
+            <a:ext uri="{FF2B5EF4-FFF2-40B4-BE49-F238E27FC236}">
+              <a16:creationId xmlns:a16="http://schemas.microsoft.com/office/drawing/2014/main" id="{34B13913-B3D4-43EA-38B7-18312F2C7A56}"/>
+            </a:ext>
+          </a:extLst>
+        </p:cNvPr>
         <p:cNvGrpSpPr/>
         <p:nvPr/>
       </p:nvGrpSpPr>
@@ -6327,7 +7425,13 @@
       </p:grpSpPr>
       <p:pic>
         <p:nvPicPr>
-          <p:cNvPr id="2" name="object 2"/>
+          <p:cNvPr id="2" name="object 2">
+            <a:extLst>
+              <a:ext uri="{FF2B5EF4-FFF2-40B4-BE49-F238E27FC236}">
+                <a16:creationId xmlns:a16="http://schemas.microsoft.com/office/drawing/2014/main" id="{8FDB1D1F-2038-3E88-0722-7DE7EED88855}"/>
+              </a:ext>
+            </a:extLst>
+          </p:cNvPr>
           <p:cNvPicPr/>
           <p:nvPr/>
         </p:nvPicPr>
@@ -6340,7 +7444,7 @@
         <p:spPr>
           <a:xfrm>
             <a:off x="228601" y="95250"/>
-            <a:ext cx="7391399" cy="10096500"/>
+            <a:ext cx="7086599" cy="10096500"/>
           </a:xfrm>
           <a:prstGeom prst="rect">
             <a:avLst/>
@@ -6349,10 +7453,10 @@
       </p:pic>
       <p:sp>
         <p:nvSpPr>
-          <p:cNvPr id="14" name="TextBox 13">
+          <p:cNvPr id="15" name="TextBox 14">
             <a:extLst>
               <a:ext uri="{FF2B5EF4-FFF2-40B4-BE49-F238E27FC236}">
-                <a16:creationId xmlns:a16="http://schemas.microsoft.com/office/drawing/2014/main" id="{A2AC4E17-7930-5601-22B2-42C204892E7D}"/>
+                <a16:creationId xmlns:a16="http://schemas.microsoft.com/office/drawing/2014/main" id="{F0C80A5A-FC88-D919-25BC-6C16EE38DFE8}"/>
               </a:ext>
             </a:extLst>
           </p:cNvPr>
@@ -6361,8 +7465,8 @@
         </p:nvSpPr>
         <p:spPr>
           <a:xfrm>
-            <a:off x="8534400" y="114300"/>
-            <a:ext cx="8839200" cy="707886"/>
+            <a:off x="7543800" y="95250"/>
+            <a:ext cx="10477499" cy="10248960"/>
           </a:xfrm>
           <a:prstGeom prst="rect">
             <a:avLst/>
@@ -6389,1228 +7493,79 @@
           <a:lstStyle/>
           <a:p>
             <a:r>
-              <a:rPr lang="en-IN" sz="4000" b="1" spc="-10" dirty="0">
+              <a:rPr lang="en-US" sz="4400" b="1" u="sng" spc="300" dirty="0">
                 <a:solidFill>
                   <a:srgbClr val="FF0000"/>
                 </a:solidFill>
               </a:rPr>
-              <a:t>PROJECT  OVERVIEW :</a:t>
-            </a:r>
-            <a:endParaRPr lang="en-IN" sz="4000" b="1" dirty="0">
-              <a:solidFill>
-                <a:srgbClr val="FF0000"/>
-              </a:solidFill>
-            </a:endParaRPr>
-          </a:p>
-        </p:txBody>
-      </p:sp>
-      <p:sp>
-        <p:nvSpPr>
-          <p:cNvPr id="15" name="TextBox 14">
-            <a:extLst>
-              <a:ext uri="{FF2B5EF4-FFF2-40B4-BE49-F238E27FC236}">
-                <a16:creationId xmlns:a16="http://schemas.microsoft.com/office/drawing/2014/main" id="{94671C66-B7A8-861F-C81A-886FC1D78E44}"/>
-              </a:ext>
-            </a:extLst>
-          </p:cNvPr>
-          <p:cNvSpPr txBox="1"/>
-          <p:nvPr/>
-        </p:nvSpPr>
-        <p:spPr>
-          <a:xfrm>
-            <a:off x="8262257" y="822186"/>
-            <a:ext cx="10058400" cy="8530540"/>
-          </a:xfrm>
-          <a:prstGeom prst="rect">
-            <a:avLst/>
-          </a:prstGeom>
-          <a:noFill/>
-        </p:spPr>
-        <p:txBody>
-          <a:bodyPr wrap="square" rtlCol="0">
-            <a:spAutoFit/>
-          </a:bodyPr>
-          <a:lstStyle/>
-          <a:p>
-            <a:pPr marL="469900" marR="306070" indent="-457200">
-              <a:lnSpc>
-                <a:spcPct val="131500"/>
-              </a:lnSpc>
-              <a:spcBef>
-                <a:spcPts val="100"/>
-              </a:spcBef>
+              <a:t>OBJECTIVE</a:t>
+            </a:r>
+            <a:r>
+              <a:rPr lang="en-US" sz="4400" b="1" dirty="0"/>
+              <a:t> :</a:t>
+            </a:r>
+          </a:p>
+          <a:p>
+            <a:pPr marL="571500" indent="-571500">
               <a:buFont typeface="Wingdings" panose="05000000000000000000" pitchFamily="2" charset="2"/>
-              <a:buChar char="v"/>
+              <a:buChar char="Ø"/>
             </a:pPr>
             <a:r>
-              <a:rPr lang="en-US" sz="2800" b="1" dirty="0">
-                <a:latin typeface="Times New Roman"/>
-                <a:cs typeface="Times New Roman"/>
-              </a:rPr>
-              <a:t>To</a:t>
-            </a:r>
-            <a:r>
-              <a:rPr lang="en-US" sz="2800" b="1" spc="-95" dirty="0">
-                <a:latin typeface="Times New Roman"/>
-                <a:cs typeface="Times New Roman"/>
-              </a:rPr>
-              <a:t> </a:t>
-            </a:r>
-            <a:r>
-              <a:rPr lang="en-US" sz="2800" b="1" dirty="0">
-                <a:latin typeface="Times New Roman"/>
-                <a:cs typeface="Times New Roman"/>
-              </a:rPr>
-              <a:t>analyze</a:t>
-            </a:r>
-            <a:r>
-              <a:rPr lang="en-US" sz="2800" b="1" spc="-90" dirty="0">
-                <a:latin typeface="Times New Roman"/>
-                <a:cs typeface="Times New Roman"/>
-              </a:rPr>
-              <a:t> </a:t>
-            </a:r>
-            <a:r>
-              <a:rPr lang="en-US" sz="2800" b="1" dirty="0">
-                <a:latin typeface="Times New Roman"/>
-                <a:cs typeface="Times New Roman"/>
-              </a:rPr>
-              <a:t>customer</a:t>
-            </a:r>
-            <a:r>
-              <a:rPr lang="en-US" sz="2800" b="1" spc="-95" dirty="0">
-                <a:latin typeface="Times New Roman"/>
-                <a:cs typeface="Times New Roman"/>
-              </a:rPr>
-              <a:t> </a:t>
-            </a:r>
-            <a:r>
-              <a:rPr lang="en-US" sz="2800" b="1" dirty="0">
-                <a:latin typeface="Times New Roman"/>
-                <a:cs typeface="Times New Roman"/>
-              </a:rPr>
-              <a:t>churn</a:t>
-            </a:r>
-            <a:r>
-              <a:rPr lang="en-US" sz="2800" b="1" spc="-90" dirty="0">
-                <a:latin typeface="Times New Roman"/>
-                <a:cs typeface="Times New Roman"/>
-              </a:rPr>
-              <a:t> </a:t>
-            </a:r>
-            <a:r>
-              <a:rPr lang="en-US" sz="2800" b="1" dirty="0">
-                <a:latin typeface="Times New Roman"/>
-                <a:cs typeface="Times New Roman"/>
-              </a:rPr>
-              <a:t>patterns</a:t>
-            </a:r>
-            <a:r>
-              <a:rPr lang="en-US" sz="2800" b="1" spc="-95" dirty="0">
-                <a:latin typeface="Times New Roman"/>
-                <a:cs typeface="Times New Roman"/>
-              </a:rPr>
-              <a:t> </a:t>
-            </a:r>
-            <a:r>
-              <a:rPr lang="en-US" sz="2800" b="1" dirty="0">
-                <a:latin typeface="Times New Roman"/>
-                <a:cs typeface="Times New Roman"/>
-              </a:rPr>
-              <a:t>and</a:t>
-            </a:r>
-            <a:r>
-              <a:rPr lang="en-US" sz="2800" b="1" spc="-90" dirty="0">
-                <a:latin typeface="Times New Roman"/>
-                <a:cs typeface="Times New Roman"/>
-              </a:rPr>
-              <a:t> </a:t>
-            </a:r>
-            <a:r>
-              <a:rPr lang="en-US" sz="2800" b="1" dirty="0">
-                <a:latin typeface="Times New Roman"/>
-                <a:cs typeface="Times New Roman"/>
-              </a:rPr>
-              <a:t>identify</a:t>
-            </a:r>
-            <a:r>
-              <a:rPr lang="en-US" sz="2800" b="1" spc="-95" dirty="0">
-                <a:latin typeface="Times New Roman"/>
-                <a:cs typeface="Times New Roman"/>
-              </a:rPr>
-              <a:t> </a:t>
-            </a:r>
-            <a:r>
-              <a:rPr lang="en-US" sz="2800" b="1" dirty="0">
-                <a:latin typeface="Times New Roman"/>
-                <a:cs typeface="Times New Roman"/>
-              </a:rPr>
-              <a:t>the</a:t>
-            </a:r>
-            <a:r>
-              <a:rPr lang="en-US" sz="2800" b="1" spc="-90" dirty="0">
-                <a:latin typeface="Times New Roman"/>
-                <a:cs typeface="Times New Roman"/>
-              </a:rPr>
-              <a:t> </a:t>
-            </a:r>
-            <a:r>
-              <a:rPr lang="en-US" sz="2800" b="1" dirty="0">
-                <a:latin typeface="Times New Roman"/>
-                <a:cs typeface="Times New Roman"/>
-              </a:rPr>
-              <a:t>key</a:t>
-            </a:r>
-            <a:r>
-              <a:rPr lang="en-US" sz="2800" b="1" spc="-95" dirty="0">
-                <a:latin typeface="Times New Roman"/>
-                <a:cs typeface="Times New Roman"/>
-              </a:rPr>
-              <a:t> </a:t>
-            </a:r>
-            <a:r>
-              <a:rPr lang="en-US" sz="2800" b="1" dirty="0">
-                <a:latin typeface="Times New Roman"/>
-                <a:cs typeface="Times New Roman"/>
-              </a:rPr>
-              <a:t>factors</a:t>
-            </a:r>
-            <a:r>
-              <a:rPr lang="en-US" sz="2800" b="1" spc="-90" dirty="0">
-                <a:latin typeface="Times New Roman"/>
-                <a:cs typeface="Times New Roman"/>
-              </a:rPr>
-              <a:t> </a:t>
-            </a:r>
-            <a:r>
-              <a:rPr lang="en-US" sz="2800" b="1" dirty="0">
-                <a:latin typeface="Times New Roman"/>
-                <a:cs typeface="Times New Roman"/>
-              </a:rPr>
-              <a:t>influencing</a:t>
-            </a:r>
-            <a:r>
-              <a:rPr lang="en-US" sz="2800" b="1" spc="-95" dirty="0">
-                <a:latin typeface="Times New Roman"/>
-                <a:cs typeface="Times New Roman"/>
-              </a:rPr>
-              <a:t> </a:t>
-            </a:r>
-            <a:r>
-              <a:rPr lang="en-US" sz="2800" b="1" dirty="0">
-                <a:latin typeface="Times New Roman"/>
-                <a:cs typeface="Times New Roman"/>
-              </a:rPr>
-              <a:t>customer</a:t>
-            </a:r>
-            <a:r>
-              <a:rPr lang="en-US" sz="2800" b="1" spc="-90" dirty="0">
-                <a:latin typeface="Times New Roman"/>
-                <a:cs typeface="Times New Roman"/>
-              </a:rPr>
-              <a:t> </a:t>
-            </a:r>
-            <a:r>
-              <a:rPr lang="en-US" sz="2800" b="1" spc="-10" dirty="0">
-                <a:latin typeface="Times New Roman"/>
-                <a:cs typeface="Times New Roman"/>
-              </a:rPr>
-              <a:t>attrition. </a:t>
-            </a:r>
-            <a:endParaRPr lang="en-US" sz="2800" b="1" dirty="0">
-              <a:latin typeface="Times New Roman"/>
-              <a:cs typeface="Times New Roman"/>
-            </a:endParaRPr>
-          </a:p>
-          <a:p>
-            <a:pPr marL="469900" marR="306070" indent="-457200">
-              <a:lnSpc>
-                <a:spcPct val="131500"/>
-              </a:lnSpc>
-              <a:spcBef>
-                <a:spcPts val="100"/>
-              </a:spcBef>
+              <a:rPr lang="en-US" sz="4400" dirty="0"/>
+              <a:t>To find out why customers are leaving the company.</a:t>
+            </a:r>
+          </a:p>
+          <a:p>
+            <a:pPr marL="571500" indent="-571500">
               <a:buFont typeface="Wingdings" panose="05000000000000000000" pitchFamily="2" charset="2"/>
-              <a:buChar char="v"/>
+              <a:buChar char="Ø"/>
             </a:pPr>
             <a:r>
-              <a:rPr lang="en-US" sz="2800" b="1" spc="-90" dirty="0">
-                <a:latin typeface="Times New Roman"/>
-                <a:cs typeface="Times New Roman"/>
-              </a:rPr>
-              <a:t> </a:t>
-            </a:r>
-            <a:r>
-              <a:rPr lang="en-US" sz="2800" b="1" dirty="0">
-                <a:latin typeface="Times New Roman"/>
-                <a:cs typeface="Times New Roman"/>
-              </a:rPr>
-              <a:t>understand</a:t>
-            </a:r>
-            <a:r>
-              <a:rPr lang="en-US" sz="2800" b="1" spc="-85" dirty="0">
-                <a:latin typeface="Times New Roman"/>
-                <a:cs typeface="Times New Roman"/>
-              </a:rPr>
-              <a:t> </a:t>
-            </a:r>
-            <a:r>
-              <a:rPr lang="en-US" sz="2800" b="1" dirty="0">
-                <a:latin typeface="Times New Roman"/>
-                <a:cs typeface="Times New Roman"/>
-              </a:rPr>
-              <a:t>customer</a:t>
-            </a:r>
-            <a:r>
-              <a:rPr lang="en-US" sz="2800" b="1" spc="-90" dirty="0">
-                <a:latin typeface="Times New Roman"/>
-                <a:cs typeface="Times New Roman"/>
-              </a:rPr>
-              <a:t> </a:t>
-            </a:r>
-            <a:r>
-              <a:rPr lang="en-US" sz="2800" b="1" dirty="0">
-                <a:latin typeface="Times New Roman"/>
-                <a:cs typeface="Times New Roman"/>
-              </a:rPr>
-              <a:t>behavior</a:t>
-            </a:r>
-            <a:r>
-              <a:rPr lang="en-US" sz="2800" b="1" spc="-85" dirty="0">
-                <a:latin typeface="Times New Roman"/>
-                <a:cs typeface="Times New Roman"/>
-              </a:rPr>
-              <a:t> </a:t>
-            </a:r>
-            <a:r>
-              <a:rPr lang="en-US" sz="2800" b="1" dirty="0">
-                <a:latin typeface="Times New Roman"/>
-                <a:cs typeface="Times New Roman"/>
-              </a:rPr>
-              <a:t>based</a:t>
-            </a:r>
-            <a:r>
-              <a:rPr lang="en-US" sz="2800" b="1" spc="-85" dirty="0">
-                <a:latin typeface="Times New Roman"/>
-                <a:cs typeface="Times New Roman"/>
-              </a:rPr>
-              <a:t> </a:t>
-            </a:r>
-            <a:r>
-              <a:rPr lang="en-US" sz="2800" b="1" dirty="0">
-                <a:latin typeface="Times New Roman"/>
-                <a:cs typeface="Times New Roman"/>
-              </a:rPr>
-              <a:t>on</a:t>
-            </a:r>
-            <a:r>
-              <a:rPr lang="en-US" sz="2800" b="1" spc="-90" dirty="0">
-                <a:latin typeface="Times New Roman"/>
-                <a:cs typeface="Times New Roman"/>
-              </a:rPr>
-              <a:t> </a:t>
-            </a:r>
-            <a:r>
-              <a:rPr lang="en-US" sz="2800" b="1" spc="-10" dirty="0">
-                <a:latin typeface="Times New Roman"/>
-                <a:cs typeface="Times New Roman"/>
-              </a:rPr>
-              <a:t>demographics,</a:t>
-            </a:r>
-            <a:r>
-              <a:rPr lang="en-US" sz="2800" b="1" spc="-85" dirty="0">
-                <a:latin typeface="Times New Roman"/>
-                <a:cs typeface="Times New Roman"/>
-              </a:rPr>
-              <a:t> </a:t>
-            </a:r>
-            <a:r>
-              <a:rPr lang="en-US" sz="2800" b="1" dirty="0">
-                <a:latin typeface="Times New Roman"/>
-                <a:cs typeface="Times New Roman"/>
-              </a:rPr>
-              <a:t>service</a:t>
-            </a:r>
-            <a:r>
-              <a:rPr lang="en-US" sz="2800" b="1" spc="-85" dirty="0">
-                <a:latin typeface="Times New Roman"/>
-                <a:cs typeface="Times New Roman"/>
-              </a:rPr>
-              <a:t> </a:t>
-            </a:r>
-            <a:r>
-              <a:rPr lang="en-US" sz="2800" b="1" spc="-10" dirty="0">
-                <a:latin typeface="Times New Roman"/>
-                <a:cs typeface="Times New Roman"/>
-              </a:rPr>
-              <a:t>subscriptions,</a:t>
-            </a:r>
-            <a:r>
-              <a:rPr lang="en-US" sz="2800" b="1" spc="-90" dirty="0">
-                <a:latin typeface="Times New Roman"/>
-                <a:cs typeface="Times New Roman"/>
-              </a:rPr>
-              <a:t> </a:t>
-            </a:r>
-            <a:r>
-              <a:rPr lang="en-US" sz="2800" b="1" dirty="0">
-                <a:latin typeface="Times New Roman"/>
-                <a:cs typeface="Times New Roman"/>
-              </a:rPr>
-              <a:t>and</a:t>
-            </a:r>
-            <a:r>
-              <a:rPr lang="en-US" sz="2800" b="1" spc="-85" dirty="0">
-                <a:latin typeface="Times New Roman"/>
-                <a:cs typeface="Times New Roman"/>
-              </a:rPr>
-              <a:t> </a:t>
-            </a:r>
-            <a:r>
-              <a:rPr lang="en-US" sz="2800" b="1" spc="-10" dirty="0">
-                <a:latin typeface="Times New Roman"/>
-                <a:cs typeface="Times New Roman"/>
-              </a:rPr>
-              <a:t>billing information.</a:t>
-            </a:r>
-            <a:endParaRPr lang="en-US" sz="2800" dirty="0">
-              <a:latin typeface="Times New Roman"/>
-              <a:cs typeface="Times New Roman"/>
-            </a:endParaRPr>
-          </a:p>
-          <a:p>
-            <a:pPr marL="469900" marR="164465" indent="-457200">
-              <a:lnSpc>
-                <a:spcPts val="4580"/>
-              </a:lnSpc>
-              <a:spcBef>
-                <a:spcPts val="330"/>
-              </a:spcBef>
+              <a:rPr lang="en-US" sz="4400" dirty="0"/>
+              <a:t>To understand which customers are more likely to churn.</a:t>
+            </a:r>
+          </a:p>
+          <a:p>
+            <a:pPr marL="571500" indent="-571500">
               <a:buFont typeface="Wingdings" panose="05000000000000000000" pitchFamily="2" charset="2"/>
-              <a:buChar char="v"/>
+              <a:buChar char="Ø"/>
             </a:pPr>
             <a:r>
-              <a:rPr lang="en-US" sz="2800" b="1" dirty="0">
-                <a:latin typeface="Times New Roman"/>
-                <a:cs typeface="Times New Roman"/>
-              </a:rPr>
-              <a:t>To</a:t>
-            </a:r>
-            <a:r>
-              <a:rPr lang="en-US" sz="2800" b="1" spc="-85" dirty="0">
-                <a:latin typeface="Times New Roman"/>
-                <a:cs typeface="Times New Roman"/>
-              </a:rPr>
-              <a:t> </a:t>
-            </a:r>
-            <a:r>
-              <a:rPr lang="en-US" sz="2800" b="1" dirty="0">
-                <a:latin typeface="Times New Roman"/>
-                <a:cs typeface="Times New Roman"/>
-              </a:rPr>
-              <a:t>measure</a:t>
-            </a:r>
-            <a:r>
-              <a:rPr lang="en-US" sz="2800" b="1" spc="-90" dirty="0">
-                <a:latin typeface="Times New Roman"/>
-                <a:cs typeface="Times New Roman"/>
-              </a:rPr>
-              <a:t> </a:t>
-            </a:r>
-            <a:r>
-              <a:rPr lang="en-US" sz="2800" b="1" dirty="0">
-                <a:latin typeface="Times New Roman"/>
-                <a:cs typeface="Times New Roman"/>
-              </a:rPr>
-              <a:t>churn</a:t>
-            </a:r>
-            <a:r>
-              <a:rPr lang="en-US" sz="2800" b="1" spc="-85" dirty="0">
-                <a:latin typeface="Times New Roman"/>
-                <a:cs typeface="Times New Roman"/>
-              </a:rPr>
-              <a:t> </a:t>
-            </a:r>
-            <a:r>
-              <a:rPr lang="en-US" sz="2800" b="1" dirty="0">
-                <a:latin typeface="Times New Roman"/>
-                <a:cs typeface="Times New Roman"/>
-              </a:rPr>
-              <a:t>rate</a:t>
-            </a:r>
-            <a:r>
-              <a:rPr lang="en-US" sz="2800" b="1" spc="-85" dirty="0">
-                <a:latin typeface="Times New Roman"/>
-                <a:cs typeface="Times New Roman"/>
-              </a:rPr>
-              <a:t> </a:t>
-            </a:r>
-            <a:r>
-              <a:rPr lang="en-US" sz="2800" b="1" dirty="0">
-                <a:latin typeface="Times New Roman"/>
-                <a:cs typeface="Times New Roman"/>
-              </a:rPr>
-              <a:t>across</a:t>
-            </a:r>
-            <a:r>
-              <a:rPr lang="en-US" sz="2800" b="1" spc="-85" dirty="0">
-                <a:latin typeface="Times New Roman"/>
-                <a:cs typeface="Times New Roman"/>
-              </a:rPr>
-              <a:t> </a:t>
-            </a:r>
-            <a:r>
-              <a:rPr lang="en-US" sz="2800" b="1" dirty="0">
-                <a:latin typeface="Times New Roman"/>
-                <a:cs typeface="Times New Roman"/>
-              </a:rPr>
-              <a:t>various</a:t>
-            </a:r>
-            <a:r>
-              <a:rPr lang="en-US" sz="2800" b="1" spc="-85" dirty="0">
-                <a:latin typeface="Times New Roman"/>
-                <a:cs typeface="Times New Roman"/>
-              </a:rPr>
-              <a:t> </a:t>
-            </a:r>
-            <a:r>
-              <a:rPr lang="en-US" sz="2800" b="1" dirty="0">
-                <a:latin typeface="Times New Roman"/>
-                <a:cs typeface="Times New Roman"/>
-              </a:rPr>
-              <a:t>customer</a:t>
-            </a:r>
-            <a:r>
-              <a:rPr lang="en-US" sz="2800" b="1" spc="-85" dirty="0">
-                <a:latin typeface="Times New Roman"/>
-                <a:cs typeface="Times New Roman"/>
-              </a:rPr>
-              <a:t> </a:t>
-            </a:r>
-            <a:r>
-              <a:rPr lang="en-US" sz="2800" b="1" dirty="0">
-                <a:latin typeface="Times New Roman"/>
-                <a:cs typeface="Times New Roman"/>
-              </a:rPr>
-              <a:t>segments</a:t>
-            </a:r>
-            <a:r>
-              <a:rPr lang="en-US" sz="2800" b="1" spc="-85" dirty="0">
-                <a:latin typeface="Times New Roman"/>
-                <a:cs typeface="Times New Roman"/>
-              </a:rPr>
-              <a:t> </a:t>
-            </a:r>
-            <a:r>
-              <a:rPr lang="en-US" sz="2800" b="1" dirty="0">
-                <a:latin typeface="Times New Roman"/>
-                <a:cs typeface="Times New Roman"/>
-              </a:rPr>
-              <a:t>such</a:t>
-            </a:r>
-            <a:r>
-              <a:rPr lang="en-US" sz="2800" b="1" spc="-85" dirty="0">
-                <a:latin typeface="Times New Roman"/>
-                <a:cs typeface="Times New Roman"/>
-              </a:rPr>
-              <a:t> </a:t>
-            </a:r>
-            <a:r>
-              <a:rPr lang="en-US" sz="2800" b="1" dirty="0">
-                <a:latin typeface="Times New Roman"/>
-                <a:cs typeface="Times New Roman"/>
-              </a:rPr>
-              <a:t>as</a:t>
-            </a:r>
-            <a:r>
-              <a:rPr lang="en-US" sz="2800" b="1" spc="-85" dirty="0">
-                <a:latin typeface="Times New Roman"/>
-                <a:cs typeface="Times New Roman"/>
-              </a:rPr>
-              <a:t> </a:t>
-            </a:r>
-            <a:r>
-              <a:rPr lang="en-US" sz="2800" b="1" dirty="0">
-                <a:latin typeface="Times New Roman"/>
-                <a:cs typeface="Times New Roman"/>
-              </a:rPr>
-              <a:t>contract</a:t>
-            </a:r>
-            <a:r>
-              <a:rPr lang="en-US" sz="2800" b="1" spc="-85" dirty="0">
-                <a:latin typeface="Times New Roman"/>
-                <a:cs typeface="Times New Roman"/>
-              </a:rPr>
-              <a:t> </a:t>
-            </a:r>
-            <a:r>
-              <a:rPr lang="en-US" sz="2800" b="1" dirty="0">
-                <a:latin typeface="Times New Roman"/>
-                <a:cs typeface="Times New Roman"/>
-              </a:rPr>
-              <a:t>type,</a:t>
-            </a:r>
-            <a:r>
-              <a:rPr lang="en-US" sz="2800" b="1" spc="-85" dirty="0">
-                <a:latin typeface="Times New Roman"/>
-                <a:cs typeface="Times New Roman"/>
-              </a:rPr>
-              <a:t> </a:t>
-            </a:r>
-            <a:r>
-              <a:rPr lang="en-US" sz="2800" b="1" dirty="0">
-                <a:latin typeface="Times New Roman"/>
-                <a:cs typeface="Times New Roman"/>
-              </a:rPr>
-              <a:t>internet</a:t>
-            </a:r>
-            <a:r>
-              <a:rPr lang="en-US" sz="2800" b="1" spc="-85" dirty="0">
-                <a:latin typeface="Times New Roman"/>
-                <a:cs typeface="Times New Roman"/>
-              </a:rPr>
-              <a:t> </a:t>
-            </a:r>
-            <a:r>
-              <a:rPr lang="en-US" sz="2800" b="1" spc="-10" dirty="0">
-                <a:latin typeface="Times New Roman"/>
-                <a:cs typeface="Times New Roman"/>
-              </a:rPr>
-              <a:t>service, </a:t>
-            </a:r>
-            <a:r>
-              <a:rPr lang="en-US" sz="2800" b="1" dirty="0">
-                <a:latin typeface="Times New Roman"/>
-                <a:cs typeface="Times New Roman"/>
-              </a:rPr>
-              <a:t>and</a:t>
-            </a:r>
-            <a:r>
-              <a:rPr lang="en-US" sz="2800" b="1" spc="-90" dirty="0">
-                <a:latin typeface="Times New Roman"/>
-                <a:cs typeface="Times New Roman"/>
-              </a:rPr>
-              <a:t> </a:t>
-            </a:r>
-            <a:r>
-              <a:rPr lang="en-US" sz="2800" b="1" dirty="0">
-                <a:latin typeface="Times New Roman"/>
-                <a:cs typeface="Times New Roman"/>
-              </a:rPr>
-              <a:t>payment</a:t>
-            </a:r>
-            <a:r>
-              <a:rPr lang="en-US" sz="2800" b="1" spc="-85" dirty="0">
-                <a:latin typeface="Times New Roman"/>
-                <a:cs typeface="Times New Roman"/>
-              </a:rPr>
-              <a:t> </a:t>
-            </a:r>
-            <a:r>
-              <a:rPr lang="en-US" sz="2800" b="1" spc="-10" dirty="0">
-                <a:latin typeface="Times New Roman"/>
-                <a:cs typeface="Times New Roman"/>
-              </a:rPr>
-              <a:t>method.</a:t>
-            </a:r>
-            <a:endParaRPr lang="en-US" sz="2800" dirty="0">
-              <a:latin typeface="Times New Roman"/>
-              <a:cs typeface="Times New Roman"/>
-            </a:endParaRPr>
-          </a:p>
-          <a:p>
-            <a:pPr marL="469900" indent="-457200">
-              <a:lnSpc>
-                <a:spcPct val="100000"/>
-              </a:lnSpc>
-              <a:spcBef>
-                <a:spcPts val="755"/>
-              </a:spcBef>
+              <a:rPr lang="en-US" sz="4400" dirty="0"/>
+              <a:t>To help the business reduce customer churn using data insights.</a:t>
+            </a:r>
+          </a:p>
+          <a:p>
+            <a:endParaRPr lang="en-US" sz="4400" dirty="0"/>
+          </a:p>
+          <a:p>
+            <a:r>
+              <a:rPr lang="en-US" sz="4400" b="1" u="sng" spc="300" dirty="0">
+                <a:solidFill>
+                  <a:srgbClr val="FF0000"/>
+                </a:solidFill>
+              </a:rPr>
+              <a:t>PROBLEM STATEMENT :</a:t>
+            </a:r>
+          </a:p>
+          <a:p>
+            <a:pPr marL="571500" indent="-571500">
               <a:buFont typeface="Wingdings" panose="05000000000000000000" pitchFamily="2" charset="2"/>
-              <a:buChar char="v"/>
+              <a:buChar char="q"/>
             </a:pPr>
             <a:r>
-              <a:rPr lang="en-US" sz="2800" b="1" dirty="0">
-                <a:latin typeface="Times New Roman"/>
-                <a:cs typeface="Times New Roman"/>
-              </a:rPr>
-              <a:t>To</a:t>
-            </a:r>
-            <a:r>
-              <a:rPr lang="en-US" sz="2800" b="1" spc="-105" dirty="0">
-                <a:latin typeface="Times New Roman"/>
-                <a:cs typeface="Times New Roman"/>
-              </a:rPr>
-              <a:t> </a:t>
-            </a:r>
-            <a:r>
-              <a:rPr lang="en-US" sz="2800" b="1" dirty="0">
-                <a:latin typeface="Times New Roman"/>
-                <a:cs typeface="Times New Roman"/>
-              </a:rPr>
-              <a:t>visualize</a:t>
-            </a:r>
-            <a:r>
-              <a:rPr lang="en-US" sz="2800" b="1" spc="-105" dirty="0">
-                <a:latin typeface="Times New Roman"/>
-                <a:cs typeface="Times New Roman"/>
-              </a:rPr>
-              <a:t> </a:t>
-            </a:r>
-            <a:r>
-              <a:rPr lang="en-US" sz="2800" b="1" dirty="0">
-                <a:latin typeface="Times New Roman"/>
-                <a:cs typeface="Times New Roman"/>
-              </a:rPr>
-              <a:t>business</a:t>
-            </a:r>
-            <a:r>
-              <a:rPr lang="en-US" sz="2800" b="1" spc="-100" dirty="0">
-                <a:latin typeface="Times New Roman"/>
-                <a:cs typeface="Times New Roman"/>
-              </a:rPr>
-              <a:t> </a:t>
-            </a:r>
-            <a:r>
-              <a:rPr lang="en-US" sz="2800" b="1" dirty="0">
-                <a:latin typeface="Times New Roman"/>
-                <a:cs typeface="Times New Roman"/>
-              </a:rPr>
-              <a:t>performance</a:t>
-            </a:r>
-            <a:r>
-              <a:rPr lang="en-US" sz="2800" b="1" spc="-105" dirty="0">
-                <a:latin typeface="Times New Roman"/>
-                <a:cs typeface="Times New Roman"/>
-              </a:rPr>
-              <a:t> </a:t>
-            </a:r>
-            <a:r>
-              <a:rPr lang="en-US" sz="2800" b="1" dirty="0">
-                <a:latin typeface="Times New Roman"/>
-                <a:cs typeface="Times New Roman"/>
-              </a:rPr>
-              <a:t>using</a:t>
-            </a:r>
-            <a:r>
-              <a:rPr lang="en-US" sz="2800" b="1" spc="-105" dirty="0">
-                <a:latin typeface="Times New Roman"/>
-                <a:cs typeface="Times New Roman"/>
-              </a:rPr>
-              <a:t> </a:t>
-            </a:r>
-            <a:r>
-              <a:rPr lang="en-US" sz="2800" b="1" dirty="0">
-                <a:latin typeface="Times New Roman"/>
-                <a:cs typeface="Times New Roman"/>
-              </a:rPr>
-              <a:t>interactive</a:t>
-            </a:r>
-            <a:r>
-              <a:rPr lang="en-US" sz="2800" b="1" spc="-100" dirty="0">
-                <a:latin typeface="Times New Roman"/>
-                <a:cs typeface="Times New Roman"/>
-              </a:rPr>
-              <a:t> </a:t>
-            </a:r>
-            <a:r>
-              <a:rPr lang="en-US" sz="2800" b="1" dirty="0">
-                <a:latin typeface="Times New Roman"/>
-                <a:cs typeface="Times New Roman"/>
-              </a:rPr>
-              <a:t>Power</a:t>
-            </a:r>
-            <a:r>
-              <a:rPr lang="en-US" sz="2800" b="1" spc="-105" dirty="0">
-                <a:latin typeface="Times New Roman"/>
-                <a:cs typeface="Times New Roman"/>
-              </a:rPr>
-              <a:t> </a:t>
-            </a:r>
-            <a:r>
-              <a:rPr lang="en-US" sz="2800" b="1" dirty="0">
-                <a:latin typeface="Times New Roman"/>
-                <a:cs typeface="Times New Roman"/>
-              </a:rPr>
-              <a:t>BI</a:t>
-            </a:r>
-            <a:r>
-              <a:rPr lang="en-US" sz="2800" b="1" spc="-100" dirty="0">
-                <a:latin typeface="Times New Roman"/>
-                <a:cs typeface="Times New Roman"/>
-              </a:rPr>
-              <a:t> </a:t>
-            </a:r>
-            <a:r>
-              <a:rPr lang="en-US" sz="2800" b="1" dirty="0">
-                <a:latin typeface="Times New Roman"/>
-                <a:cs typeface="Times New Roman"/>
-              </a:rPr>
-              <a:t>dashboards</a:t>
-            </a:r>
-            <a:r>
-              <a:rPr lang="en-US" sz="2800" b="1" spc="-105" dirty="0">
-                <a:latin typeface="Times New Roman"/>
-                <a:cs typeface="Times New Roman"/>
-              </a:rPr>
-              <a:t> </a:t>
-            </a:r>
-            <a:r>
-              <a:rPr lang="en-US" sz="2800" b="1" dirty="0">
-                <a:latin typeface="Times New Roman"/>
-                <a:cs typeface="Times New Roman"/>
-              </a:rPr>
-              <a:t>and</a:t>
-            </a:r>
-            <a:r>
-              <a:rPr lang="en-US" sz="2800" b="1" spc="-105" dirty="0">
-                <a:latin typeface="Times New Roman"/>
-                <a:cs typeface="Times New Roman"/>
-              </a:rPr>
-              <a:t> </a:t>
-            </a:r>
-            <a:r>
-              <a:rPr lang="en-US" sz="2800" b="1" spc="-10" dirty="0">
-                <a:latin typeface="Times New Roman"/>
-                <a:cs typeface="Times New Roman"/>
-              </a:rPr>
-              <a:t>KPIs.</a:t>
-            </a:r>
-            <a:endParaRPr lang="en-US" sz="2800" dirty="0">
-              <a:latin typeface="Times New Roman"/>
-              <a:cs typeface="Times New Roman"/>
-            </a:endParaRPr>
-          </a:p>
-          <a:p>
-            <a:pPr marL="469900" marR="1613535" indent="-457200">
-              <a:lnSpc>
-                <a:spcPts val="4580"/>
-              </a:lnSpc>
-              <a:spcBef>
-                <a:spcPts val="330"/>
-              </a:spcBef>
-              <a:buFont typeface="Wingdings" panose="05000000000000000000" pitchFamily="2" charset="2"/>
-              <a:buChar char="v"/>
-            </a:pPr>
-            <a:r>
-              <a:rPr lang="en-US" sz="2800" b="1" dirty="0">
-                <a:latin typeface="Times New Roman"/>
-                <a:cs typeface="Times New Roman"/>
-              </a:rPr>
-              <a:t>To</a:t>
-            </a:r>
-            <a:r>
-              <a:rPr lang="en-US" sz="2800" b="1" spc="-80" dirty="0">
-                <a:latin typeface="Times New Roman"/>
-                <a:cs typeface="Times New Roman"/>
-              </a:rPr>
-              <a:t> </a:t>
-            </a:r>
-            <a:r>
-              <a:rPr lang="en-US" sz="2800" b="1" dirty="0">
-                <a:latin typeface="Times New Roman"/>
-                <a:cs typeface="Times New Roman"/>
-              </a:rPr>
-              <a:t>predict</a:t>
-            </a:r>
-            <a:r>
-              <a:rPr lang="en-US" sz="2800" b="1" spc="-80" dirty="0">
-                <a:latin typeface="Times New Roman"/>
-                <a:cs typeface="Times New Roman"/>
-              </a:rPr>
-              <a:t> </a:t>
-            </a:r>
-            <a:r>
-              <a:rPr lang="en-US" sz="2800" b="1" dirty="0">
-                <a:latin typeface="Times New Roman"/>
-                <a:cs typeface="Times New Roman"/>
-              </a:rPr>
-              <a:t>churn</a:t>
-            </a:r>
-            <a:r>
-              <a:rPr lang="en-US" sz="2800" b="1" spc="-80" dirty="0">
-                <a:latin typeface="Times New Roman"/>
-                <a:cs typeface="Times New Roman"/>
-              </a:rPr>
-              <a:t> </a:t>
-            </a:r>
-            <a:r>
-              <a:rPr lang="en-US" sz="2800" b="1" dirty="0">
-                <a:latin typeface="Times New Roman"/>
-                <a:cs typeface="Times New Roman"/>
-              </a:rPr>
-              <a:t>risk</a:t>
-            </a:r>
-            <a:r>
-              <a:rPr lang="en-US" sz="2800" b="1" spc="-80" dirty="0">
-                <a:latin typeface="Times New Roman"/>
-                <a:cs typeface="Times New Roman"/>
-              </a:rPr>
-              <a:t> </a:t>
-            </a:r>
-            <a:r>
-              <a:rPr lang="en-US" sz="2800" b="1" dirty="0">
-                <a:latin typeface="Times New Roman"/>
-                <a:cs typeface="Times New Roman"/>
-              </a:rPr>
-              <a:t>and</a:t>
-            </a:r>
-            <a:r>
-              <a:rPr lang="en-US" sz="2800" b="1" spc="-80" dirty="0">
-                <a:latin typeface="Times New Roman"/>
-                <a:cs typeface="Times New Roman"/>
-              </a:rPr>
-              <a:t> </a:t>
-            </a:r>
-            <a:r>
-              <a:rPr lang="en-US" sz="2800" b="1" dirty="0">
-                <a:latin typeface="Times New Roman"/>
-                <a:cs typeface="Times New Roman"/>
-              </a:rPr>
-              <a:t>highlight</a:t>
-            </a:r>
-            <a:r>
-              <a:rPr lang="en-US" sz="2800" b="1" spc="-80" dirty="0">
-                <a:latin typeface="Times New Roman"/>
-                <a:cs typeface="Times New Roman"/>
-              </a:rPr>
-              <a:t> </a:t>
-            </a:r>
-            <a:r>
-              <a:rPr lang="en-US" sz="2800" b="1" spc="-20" dirty="0">
-                <a:latin typeface="Times New Roman"/>
-                <a:cs typeface="Times New Roman"/>
-              </a:rPr>
-              <a:t>high-</a:t>
-            </a:r>
-            <a:r>
-              <a:rPr lang="en-US" sz="2800" b="1" dirty="0">
-                <a:latin typeface="Times New Roman"/>
-                <a:cs typeface="Times New Roman"/>
-              </a:rPr>
-              <a:t>risk</a:t>
-            </a:r>
-            <a:r>
-              <a:rPr lang="en-US" sz="2800" b="1" spc="-80" dirty="0">
-                <a:latin typeface="Times New Roman"/>
-                <a:cs typeface="Times New Roman"/>
-              </a:rPr>
-              <a:t> </a:t>
-            </a:r>
-            <a:r>
-              <a:rPr lang="en-US" sz="2800" b="1" dirty="0">
-                <a:latin typeface="Times New Roman"/>
-                <a:cs typeface="Times New Roman"/>
-              </a:rPr>
-              <a:t>customer</a:t>
-            </a:r>
-            <a:r>
-              <a:rPr lang="en-US" sz="2800" b="1" spc="-80" dirty="0">
-                <a:latin typeface="Times New Roman"/>
-                <a:cs typeface="Times New Roman"/>
-              </a:rPr>
-              <a:t> </a:t>
-            </a:r>
-            <a:r>
-              <a:rPr lang="en-US" sz="2800" b="1" dirty="0">
-                <a:latin typeface="Times New Roman"/>
-                <a:cs typeface="Times New Roman"/>
-              </a:rPr>
-              <a:t>segments</a:t>
-            </a:r>
-            <a:r>
-              <a:rPr lang="en-US" sz="2800" b="1" spc="-80" dirty="0">
-                <a:latin typeface="Times New Roman"/>
-                <a:cs typeface="Times New Roman"/>
-              </a:rPr>
-              <a:t> </a:t>
-            </a:r>
-            <a:r>
-              <a:rPr lang="en-US" sz="2800" b="1" dirty="0">
-                <a:latin typeface="Times New Roman"/>
-                <a:cs typeface="Times New Roman"/>
-              </a:rPr>
-              <a:t>for</a:t>
-            </a:r>
-            <a:r>
-              <a:rPr lang="en-US" sz="2800" b="1" spc="-75" dirty="0">
-                <a:latin typeface="Times New Roman"/>
-                <a:cs typeface="Times New Roman"/>
-              </a:rPr>
-              <a:t> </a:t>
-            </a:r>
-            <a:r>
-              <a:rPr lang="en-US" sz="2800" b="1" dirty="0">
-                <a:latin typeface="Times New Roman"/>
-                <a:cs typeface="Times New Roman"/>
-              </a:rPr>
-              <a:t>targeted</a:t>
-            </a:r>
-            <a:r>
-              <a:rPr lang="en-US" sz="2800" b="1" spc="-80" dirty="0">
-                <a:latin typeface="Times New Roman"/>
-                <a:cs typeface="Times New Roman"/>
-              </a:rPr>
-              <a:t> </a:t>
-            </a:r>
-            <a:r>
-              <a:rPr lang="en-US" sz="2800" b="1" spc="-10" dirty="0">
-                <a:latin typeface="Times New Roman"/>
-                <a:cs typeface="Times New Roman"/>
-              </a:rPr>
-              <a:t>retention strategies.</a:t>
-            </a:r>
-            <a:endParaRPr lang="en-US" sz="2800" dirty="0">
-              <a:latin typeface="Times New Roman"/>
-              <a:cs typeface="Times New Roman"/>
-            </a:endParaRPr>
-          </a:p>
-          <a:p>
-            <a:pPr marL="536575" indent="-457200">
-              <a:lnSpc>
-                <a:spcPct val="100000"/>
-              </a:lnSpc>
-              <a:spcBef>
-                <a:spcPts val="830"/>
-              </a:spcBef>
-              <a:buFont typeface="Wingdings" panose="05000000000000000000" pitchFamily="2" charset="2"/>
-              <a:buChar char="v"/>
-            </a:pPr>
-            <a:r>
-              <a:rPr lang="en-US" sz="2800" b="1" dirty="0">
-                <a:latin typeface="Times New Roman"/>
-                <a:cs typeface="Times New Roman"/>
-              </a:rPr>
-              <a:t>To</a:t>
-            </a:r>
-            <a:r>
-              <a:rPr lang="en-US" sz="2800" b="1" spc="-60" dirty="0">
-                <a:latin typeface="Times New Roman"/>
-                <a:cs typeface="Times New Roman"/>
-              </a:rPr>
-              <a:t> </a:t>
-            </a:r>
-            <a:r>
-              <a:rPr lang="en-US" sz="2800" b="1" dirty="0">
-                <a:latin typeface="Times New Roman"/>
-                <a:cs typeface="Times New Roman"/>
-              </a:rPr>
-              <a:t>support</a:t>
-            </a:r>
-            <a:r>
-              <a:rPr lang="en-US" sz="2800" b="1" spc="-55" dirty="0">
-                <a:latin typeface="Times New Roman"/>
-                <a:cs typeface="Times New Roman"/>
-              </a:rPr>
-              <a:t> </a:t>
-            </a:r>
-            <a:r>
-              <a:rPr lang="en-US" sz="2800" b="1" spc="-10" dirty="0">
-                <a:latin typeface="Times New Roman"/>
-                <a:cs typeface="Times New Roman"/>
-              </a:rPr>
-              <a:t>data-</a:t>
-            </a:r>
-            <a:r>
-              <a:rPr lang="en-US" sz="2800" b="1" dirty="0">
-                <a:latin typeface="Times New Roman"/>
-                <a:cs typeface="Times New Roman"/>
-              </a:rPr>
-              <a:t>driven</a:t>
-            </a:r>
-            <a:r>
-              <a:rPr lang="en-US" sz="2800" b="1" spc="-55" dirty="0">
-                <a:latin typeface="Times New Roman"/>
-                <a:cs typeface="Times New Roman"/>
-              </a:rPr>
-              <a:t> </a:t>
-            </a:r>
-            <a:r>
-              <a:rPr lang="en-US" sz="2800" b="1" dirty="0">
-                <a:latin typeface="Times New Roman"/>
-                <a:cs typeface="Times New Roman"/>
-              </a:rPr>
-              <a:t>decisions</a:t>
-            </a:r>
-            <a:r>
-              <a:rPr lang="en-US" sz="2800" b="1" spc="-55" dirty="0">
-                <a:latin typeface="Times New Roman"/>
-                <a:cs typeface="Times New Roman"/>
-              </a:rPr>
-              <a:t> </a:t>
-            </a:r>
-            <a:r>
-              <a:rPr lang="en-US" sz="2800" b="1" dirty="0">
-                <a:latin typeface="Times New Roman"/>
-                <a:cs typeface="Times New Roman"/>
-              </a:rPr>
-              <a:t>that</a:t>
-            </a:r>
-            <a:r>
-              <a:rPr lang="en-US" sz="2800" b="1" spc="-55" dirty="0">
-                <a:latin typeface="Times New Roman"/>
-                <a:cs typeface="Times New Roman"/>
-              </a:rPr>
-              <a:t> </a:t>
-            </a:r>
-            <a:r>
-              <a:rPr lang="en-US" sz="2800" b="1" dirty="0">
-                <a:latin typeface="Times New Roman"/>
-                <a:cs typeface="Times New Roman"/>
-              </a:rPr>
-              <a:t>can</a:t>
-            </a:r>
-            <a:r>
-              <a:rPr lang="en-US" sz="2800" b="1" spc="-55" dirty="0">
-                <a:latin typeface="Times New Roman"/>
-                <a:cs typeface="Times New Roman"/>
-              </a:rPr>
-              <a:t> </a:t>
-            </a:r>
-            <a:r>
-              <a:rPr lang="en-US" sz="2800" b="1" dirty="0">
-                <a:latin typeface="Times New Roman"/>
-                <a:cs typeface="Times New Roman"/>
-              </a:rPr>
-              <a:t>reduce</a:t>
-            </a:r>
-            <a:r>
-              <a:rPr lang="en-US" sz="2800" b="1" spc="-55" dirty="0">
-                <a:latin typeface="Times New Roman"/>
-                <a:cs typeface="Times New Roman"/>
-              </a:rPr>
-              <a:t> </a:t>
-            </a:r>
-            <a:r>
-              <a:rPr lang="en-US" sz="2800" b="1" dirty="0">
-                <a:latin typeface="Times New Roman"/>
-                <a:cs typeface="Times New Roman"/>
-              </a:rPr>
-              <a:t>churn,</a:t>
-            </a:r>
-            <a:r>
-              <a:rPr lang="en-US" sz="2800" b="1" spc="-55" dirty="0">
-                <a:latin typeface="Times New Roman"/>
-                <a:cs typeface="Times New Roman"/>
-              </a:rPr>
-              <a:t> </a:t>
-            </a:r>
-            <a:r>
-              <a:rPr lang="en-US" sz="2800" b="1" dirty="0">
-                <a:latin typeface="Times New Roman"/>
-                <a:cs typeface="Times New Roman"/>
-              </a:rPr>
-              <a:t>increase</a:t>
-            </a:r>
-            <a:r>
-              <a:rPr lang="en-US" sz="2800" b="1" spc="-55" dirty="0">
-                <a:latin typeface="Times New Roman"/>
-                <a:cs typeface="Times New Roman"/>
-              </a:rPr>
-              <a:t> </a:t>
-            </a:r>
-            <a:r>
-              <a:rPr lang="en-US" sz="2800" b="1" dirty="0">
-                <a:latin typeface="Times New Roman"/>
-                <a:cs typeface="Times New Roman"/>
-              </a:rPr>
-              <a:t>customer</a:t>
-            </a:r>
-            <a:r>
-              <a:rPr lang="en-US" sz="2800" b="1" spc="-55" dirty="0">
-                <a:latin typeface="Times New Roman"/>
-                <a:cs typeface="Times New Roman"/>
-              </a:rPr>
-              <a:t> </a:t>
-            </a:r>
-            <a:r>
-              <a:rPr lang="en-US" sz="2800" b="1" spc="-10" dirty="0">
-                <a:latin typeface="Times New Roman"/>
-                <a:cs typeface="Times New Roman"/>
-              </a:rPr>
-              <a:t>satisfaction,</a:t>
-            </a:r>
-            <a:endParaRPr lang="en-US" sz="2800" dirty="0">
-              <a:latin typeface="Times New Roman"/>
-              <a:cs typeface="Times New Roman"/>
-            </a:endParaRPr>
-          </a:p>
-          <a:p>
-            <a:pPr marL="79375">
-              <a:lnSpc>
-                <a:spcPct val="100000"/>
-              </a:lnSpc>
-              <a:spcBef>
-                <a:spcPts val="1260"/>
-              </a:spcBef>
-            </a:pPr>
-            <a:r>
-              <a:rPr lang="en-US" sz="2800" b="1" dirty="0">
-                <a:latin typeface="Times New Roman"/>
-                <a:cs typeface="Times New Roman"/>
-              </a:rPr>
-              <a:t>and</a:t>
-            </a:r>
-            <a:r>
-              <a:rPr lang="en-US" sz="2800" b="1" spc="-55" dirty="0">
-                <a:latin typeface="Times New Roman"/>
-                <a:cs typeface="Times New Roman"/>
-              </a:rPr>
-              <a:t> </a:t>
-            </a:r>
-            <a:r>
-              <a:rPr lang="en-US" sz="2800" b="1" dirty="0">
-                <a:latin typeface="Times New Roman"/>
-                <a:cs typeface="Times New Roman"/>
-              </a:rPr>
-              <a:t>improve</a:t>
-            </a:r>
-            <a:r>
-              <a:rPr lang="en-US" sz="2800" b="1" spc="-50" dirty="0">
-                <a:latin typeface="Times New Roman"/>
-                <a:cs typeface="Times New Roman"/>
-              </a:rPr>
-              <a:t> </a:t>
-            </a:r>
-            <a:r>
-              <a:rPr lang="en-US" sz="2800" b="1" dirty="0">
-                <a:latin typeface="Times New Roman"/>
-                <a:cs typeface="Times New Roman"/>
-              </a:rPr>
-              <a:t>revenue</a:t>
-            </a:r>
-            <a:r>
-              <a:rPr lang="en-US" sz="2800" b="1" spc="-55" dirty="0">
-                <a:latin typeface="Times New Roman"/>
-                <a:cs typeface="Times New Roman"/>
-              </a:rPr>
-              <a:t> </a:t>
-            </a:r>
-            <a:r>
-              <a:rPr lang="en-US" sz="2800" b="1" spc="-10" dirty="0">
-                <a:latin typeface="Times New Roman"/>
-                <a:cs typeface="Times New Roman"/>
-              </a:rPr>
-              <a:t>stability.</a:t>
-            </a:r>
-          </a:p>
-          <a:p>
-            <a:pPr marL="79375">
-              <a:lnSpc>
-                <a:spcPct val="100000"/>
-              </a:lnSpc>
-              <a:spcBef>
-                <a:spcPts val="1260"/>
-              </a:spcBef>
-            </a:pPr>
-            <a:endParaRPr lang="en-US" sz="2800" dirty="0">
-              <a:latin typeface="Times New Roman"/>
-              <a:cs typeface="Times New Roman"/>
-            </a:endParaRPr>
+              <a:rPr lang="en-US" sz="4400" dirty="0"/>
+              <a:t>"Many customers are leaving the telecom service. The company does not know the exact reasons for this churn. We need to analyze the data to identify the main factors that cause customers to leave and help the company retain them."</a:t>
+            </a:r>
           </a:p>
         </p:txBody>
       </p:sp>
     </p:spTree>
+    <p:extLst>
+      <p:ext uri="{BB962C8B-B14F-4D97-AF65-F5344CB8AC3E}">
+        <p14:creationId xmlns:p14="http://schemas.microsoft.com/office/powerpoint/2010/main" val="2490784011"/>
+      </p:ext>
+    </p:extLst>
   </p:cSld>
   <p:clrMapOvr>
     <a:masterClrMapping/>
@@ -7656,7 +7611,7 @@
         <p:spPr>
           <a:xfrm>
             <a:off x="-10886" y="266700"/>
-            <a:ext cx="7402286" cy="9906000"/>
+            <a:ext cx="6945086" cy="9906000"/>
           </a:xfrm>
           <a:prstGeom prst="rect">
             <a:avLst/>
@@ -7742,1639 +7697,121 @@
         </p:nvSpPr>
         <p:spPr>
           <a:xfrm>
-            <a:off x="8001000" y="1126506"/>
-            <a:ext cx="10058400" cy="9046194"/>
+            <a:off x="7696200" y="892943"/>
+            <a:ext cx="10287000" cy="9147441"/>
           </a:xfrm>
           <a:prstGeom prst="rect">
             <a:avLst/>
           </a:prstGeom>
-          <a:noFill/>
         </p:spPr>
+        <p:style>
+          <a:lnRef idx="2">
+            <a:schemeClr val="accent2"/>
+          </a:lnRef>
+          <a:fillRef idx="1">
+            <a:schemeClr val="lt1"/>
+          </a:fillRef>
+          <a:effectRef idx="0">
+            <a:schemeClr val="accent2"/>
+          </a:effectRef>
+          <a:fontRef idx="minor">
+            <a:schemeClr val="dk1"/>
+          </a:fontRef>
+        </p:style>
         <p:txBody>
           <a:bodyPr wrap="square" rtlCol="0">
             <a:spAutoFit/>
           </a:bodyPr>
           <a:lstStyle/>
           <a:p>
-            <a:pPr marL="12700">
+            <a:pPr marL="571500" indent="-571500">
               <a:lnSpc>
-                <a:spcPct val="100000"/>
+                <a:spcPct val="150000"/>
               </a:lnSpc>
-              <a:spcBef>
-                <a:spcPts val="1165"/>
-              </a:spcBef>
+              <a:buFont typeface="Wingdings" panose="05000000000000000000" pitchFamily="2" charset="2"/>
+              <a:buChar char="Ø"/>
             </a:pPr>
             <a:r>
-              <a:rPr lang="en-US" sz="2400" b="1" dirty="0">
-                <a:latin typeface="Times New Roman"/>
-                <a:cs typeface="Times New Roman"/>
-              </a:rPr>
-              <a:t>Imported</a:t>
-            </a:r>
-            <a:r>
-              <a:rPr lang="en-US" sz="2400" b="1" spc="-55" dirty="0">
-                <a:latin typeface="Times New Roman"/>
-                <a:cs typeface="Times New Roman"/>
-              </a:rPr>
-              <a:t> </a:t>
-            </a:r>
-            <a:r>
-              <a:rPr lang="en-US" sz="2400" b="1" dirty="0">
-                <a:latin typeface="Times New Roman"/>
-                <a:cs typeface="Times New Roman"/>
-              </a:rPr>
-              <a:t>dataset</a:t>
-            </a:r>
-            <a:r>
-              <a:rPr lang="en-US" sz="2400" b="1" spc="-55" dirty="0">
-                <a:latin typeface="Times New Roman"/>
-                <a:cs typeface="Times New Roman"/>
-              </a:rPr>
-              <a:t> </a:t>
-            </a:r>
-            <a:r>
-              <a:rPr lang="en-US" sz="2400" b="1" dirty="0">
-                <a:latin typeface="Times New Roman"/>
-                <a:cs typeface="Times New Roman"/>
-              </a:rPr>
-              <a:t>into</a:t>
-            </a:r>
-            <a:r>
-              <a:rPr lang="en-US" sz="2400" b="1" spc="-55" dirty="0">
-                <a:latin typeface="Times New Roman"/>
-                <a:cs typeface="Times New Roman"/>
-              </a:rPr>
-              <a:t> </a:t>
-            </a:r>
-            <a:r>
-              <a:rPr lang="en-US" sz="2400" b="1" dirty="0">
-                <a:latin typeface="Times New Roman"/>
-                <a:cs typeface="Times New Roman"/>
-              </a:rPr>
-              <a:t>Power</a:t>
-            </a:r>
-            <a:r>
-              <a:rPr lang="en-US" sz="2400" b="1" spc="-55" dirty="0">
-                <a:latin typeface="Times New Roman"/>
-                <a:cs typeface="Times New Roman"/>
-              </a:rPr>
-              <a:t> </a:t>
-            </a:r>
-            <a:r>
-              <a:rPr lang="en-US" sz="2400" b="1" dirty="0">
-                <a:latin typeface="Times New Roman"/>
-                <a:cs typeface="Times New Roman"/>
-              </a:rPr>
-              <a:t>BI</a:t>
-            </a:r>
-            <a:r>
-              <a:rPr lang="en-US" sz="2400" b="1" spc="-55" dirty="0">
-                <a:latin typeface="Times New Roman"/>
-                <a:cs typeface="Times New Roman"/>
-              </a:rPr>
-              <a:t> </a:t>
-            </a:r>
-            <a:r>
-              <a:rPr lang="en-US" sz="2400" b="1" dirty="0">
-                <a:latin typeface="Times New Roman"/>
-                <a:cs typeface="Times New Roman"/>
-              </a:rPr>
-              <a:t>Desktop</a:t>
-            </a:r>
-            <a:r>
-              <a:rPr lang="en-US" sz="2400" b="1" spc="-55" dirty="0">
-                <a:latin typeface="Times New Roman"/>
-                <a:cs typeface="Times New Roman"/>
-              </a:rPr>
-              <a:t> </a:t>
-            </a:r>
-            <a:r>
-              <a:rPr lang="en-US" sz="2400" b="1" dirty="0">
-                <a:latin typeface="Times New Roman"/>
-                <a:cs typeface="Times New Roman"/>
-              </a:rPr>
-              <a:t>from</a:t>
-            </a:r>
-            <a:r>
-              <a:rPr lang="en-US" sz="2400" b="1" spc="-55" dirty="0">
-                <a:latin typeface="Times New Roman"/>
-                <a:cs typeface="Times New Roman"/>
-              </a:rPr>
-              <a:t> </a:t>
-            </a:r>
-            <a:r>
-              <a:rPr lang="en-US" sz="2400" b="1" dirty="0">
-                <a:latin typeface="Times New Roman"/>
-                <a:cs typeface="Times New Roman"/>
-              </a:rPr>
-              <a:t>Excel</a:t>
-            </a:r>
-            <a:r>
-              <a:rPr lang="en-US" sz="2400" b="1" spc="-50" dirty="0">
-                <a:latin typeface="Times New Roman"/>
-                <a:cs typeface="Times New Roman"/>
-              </a:rPr>
-              <a:t> </a:t>
-            </a:r>
-            <a:r>
-              <a:rPr lang="en-US" sz="2400" b="1" spc="-10" dirty="0">
-                <a:latin typeface="Times New Roman"/>
-                <a:cs typeface="Times New Roman"/>
-              </a:rPr>
-              <a:t>file.</a:t>
-            </a:r>
-            <a:endParaRPr lang="en-US" sz="2400" dirty="0">
-              <a:latin typeface="Times New Roman"/>
-              <a:cs typeface="Times New Roman"/>
-            </a:endParaRPr>
-          </a:p>
-          <a:p>
-            <a:pPr marL="12700">
+              <a:rPr lang="en-US" sz="3600" dirty="0"/>
+              <a:t>Load the data from Data Set in CSV file.</a:t>
+            </a:r>
+          </a:p>
+          <a:p>
+            <a:pPr marL="571500" indent="-571500">
               <a:lnSpc>
-                <a:spcPct val="100000"/>
+                <a:spcPct val="150000"/>
               </a:lnSpc>
-              <a:spcBef>
-                <a:spcPts val="1065"/>
-              </a:spcBef>
+              <a:buFont typeface="Wingdings" panose="05000000000000000000" pitchFamily="2" charset="2"/>
+              <a:buChar char="Ø"/>
             </a:pPr>
             <a:r>
-              <a:rPr lang="en-US" sz="2400" b="1" dirty="0">
-                <a:latin typeface="Times New Roman"/>
-                <a:cs typeface="Times New Roman"/>
-              </a:rPr>
-              <a:t>Performed</a:t>
-            </a:r>
-            <a:r>
-              <a:rPr lang="en-US" sz="2400" b="1" spc="-55" dirty="0">
-                <a:latin typeface="Times New Roman"/>
-                <a:cs typeface="Times New Roman"/>
-              </a:rPr>
-              <a:t> </a:t>
-            </a:r>
-            <a:r>
-              <a:rPr lang="en-US" sz="2400" b="1" dirty="0">
-                <a:latin typeface="Times New Roman"/>
-                <a:cs typeface="Times New Roman"/>
-              </a:rPr>
-              <a:t>data</a:t>
-            </a:r>
-            <a:r>
-              <a:rPr lang="en-US" sz="2400" b="1" spc="-55" dirty="0">
-                <a:latin typeface="Times New Roman"/>
-                <a:cs typeface="Times New Roman"/>
-              </a:rPr>
-              <a:t> </a:t>
-            </a:r>
-            <a:r>
-              <a:rPr lang="en-US" sz="2400" b="1" dirty="0">
-                <a:latin typeface="Times New Roman"/>
-                <a:cs typeface="Times New Roman"/>
-              </a:rPr>
-              <a:t>cleaning</a:t>
-            </a:r>
-            <a:r>
-              <a:rPr lang="en-US" sz="2400" b="1" spc="-50" dirty="0">
-                <a:latin typeface="Times New Roman"/>
-                <a:cs typeface="Times New Roman"/>
-              </a:rPr>
-              <a:t> </a:t>
-            </a:r>
-            <a:r>
-              <a:rPr lang="en-US" sz="2400" b="1" dirty="0">
-                <a:latin typeface="Times New Roman"/>
-                <a:cs typeface="Times New Roman"/>
-              </a:rPr>
-              <a:t>using</a:t>
-            </a:r>
-            <a:r>
-              <a:rPr lang="en-US" sz="2400" b="1" spc="-55" dirty="0">
-                <a:latin typeface="Times New Roman"/>
-                <a:cs typeface="Times New Roman"/>
-              </a:rPr>
-              <a:t> </a:t>
-            </a:r>
-            <a:r>
-              <a:rPr lang="en-US" sz="2400" b="1" dirty="0">
-                <a:latin typeface="Times New Roman"/>
-                <a:cs typeface="Times New Roman"/>
-              </a:rPr>
-              <a:t>Power</a:t>
-            </a:r>
-            <a:r>
-              <a:rPr lang="en-US" sz="2400" b="1" spc="-55" dirty="0">
-                <a:latin typeface="Times New Roman"/>
-                <a:cs typeface="Times New Roman"/>
-              </a:rPr>
-              <a:t> </a:t>
-            </a:r>
-            <a:r>
-              <a:rPr lang="en-US" sz="2400" b="1" dirty="0">
-                <a:latin typeface="Times New Roman"/>
-                <a:cs typeface="Times New Roman"/>
-              </a:rPr>
-              <a:t>Query</a:t>
-            </a:r>
-            <a:r>
-              <a:rPr lang="en-US" sz="2400" b="1" spc="-50" dirty="0">
-                <a:latin typeface="Times New Roman"/>
-                <a:cs typeface="Times New Roman"/>
-              </a:rPr>
-              <a:t> </a:t>
-            </a:r>
-            <a:r>
-              <a:rPr lang="en-US" sz="2400" b="1" dirty="0">
-                <a:latin typeface="Times New Roman"/>
-                <a:cs typeface="Times New Roman"/>
-              </a:rPr>
-              <a:t>Editor</a:t>
-            </a:r>
-            <a:r>
-              <a:rPr lang="en-US" sz="2400" b="1" spc="-55" dirty="0">
-                <a:latin typeface="Times New Roman"/>
-                <a:cs typeface="Times New Roman"/>
-              </a:rPr>
-              <a:t> </a:t>
-            </a:r>
-            <a:r>
-              <a:rPr lang="en-US" sz="2400" b="1" dirty="0">
-                <a:latin typeface="Times New Roman"/>
-                <a:cs typeface="Times New Roman"/>
-              </a:rPr>
-              <a:t>to</a:t>
-            </a:r>
-            <a:r>
-              <a:rPr lang="en-US" sz="2400" b="1" spc="-50" dirty="0">
-                <a:latin typeface="Times New Roman"/>
-                <a:cs typeface="Times New Roman"/>
-              </a:rPr>
-              <a:t> </a:t>
-            </a:r>
-            <a:r>
-              <a:rPr lang="en-US" sz="2400" b="1" dirty="0">
-                <a:latin typeface="Times New Roman"/>
-                <a:cs typeface="Times New Roman"/>
-              </a:rPr>
-              <a:t>ensure</a:t>
-            </a:r>
-            <a:r>
-              <a:rPr lang="en-US" sz="2400" b="1" spc="-55" dirty="0">
-                <a:latin typeface="Times New Roman"/>
-                <a:cs typeface="Times New Roman"/>
-              </a:rPr>
-              <a:t> </a:t>
-            </a:r>
-            <a:r>
-              <a:rPr lang="en-US" sz="2400" b="1" dirty="0">
-                <a:latin typeface="Times New Roman"/>
-                <a:cs typeface="Times New Roman"/>
-              </a:rPr>
-              <a:t>accuracy</a:t>
-            </a:r>
-            <a:r>
-              <a:rPr lang="en-US" sz="2400" b="1" spc="-55" dirty="0">
-                <a:latin typeface="Times New Roman"/>
-                <a:cs typeface="Times New Roman"/>
-              </a:rPr>
-              <a:t> </a:t>
-            </a:r>
-            <a:r>
-              <a:rPr lang="en-US" sz="2400" b="1" dirty="0">
-                <a:latin typeface="Times New Roman"/>
-                <a:cs typeface="Times New Roman"/>
-              </a:rPr>
-              <a:t>and</a:t>
-            </a:r>
-            <a:r>
-              <a:rPr lang="en-US" sz="2400" b="1" spc="-50" dirty="0">
-                <a:latin typeface="Times New Roman"/>
-                <a:cs typeface="Times New Roman"/>
-              </a:rPr>
-              <a:t> </a:t>
-            </a:r>
-            <a:r>
-              <a:rPr lang="en-US" sz="2400" b="1" spc="-10" dirty="0">
-                <a:latin typeface="Times New Roman"/>
-                <a:cs typeface="Times New Roman"/>
-              </a:rPr>
-              <a:t>consistency.</a:t>
-            </a:r>
-            <a:endParaRPr lang="en-US" sz="2400" dirty="0">
-              <a:latin typeface="Times New Roman"/>
-              <a:cs typeface="Times New Roman"/>
-            </a:endParaRPr>
-          </a:p>
-          <a:p>
-            <a:pPr marL="12700" marR="5080">
+              <a:rPr lang="en-US" sz="3600" dirty="0"/>
+              <a:t>Open Transform Data and change all columns to the correct data type.</a:t>
+            </a:r>
+          </a:p>
+          <a:p>
+            <a:pPr marL="571500" indent="-571500">
               <a:lnSpc>
-                <a:spcPct val="131700"/>
+                <a:spcPct val="150000"/>
               </a:lnSpc>
+              <a:buFont typeface="Wingdings" panose="05000000000000000000" pitchFamily="2" charset="2"/>
+              <a:buChar char="Ø"/>
             </a:pPr>
             <a:r>
-              <a:rPr lang="en-US" sz="2400" b="1" dirty="0">
-                <a:latin typeface="Times New Roman"/>
-                <a:cs typeface="Times New Roman"/>
-              </a:rPr>
-              <a:t>Checked</a:t>
-            </a:r>
-            <a:r>
-              <a:rPr lang="en-US" sz="2400" b="1" spc="-60" dirty="0">
-                <a:latin typeface="Times New Roman"/>
-                <a:cs typeface="Times New Roman"/>
-              </a:rPr>
-              <a:t> </a:t>
-            </a:r>
-            <a:r>
-              <a:rPr lang="en-US" sz="2400" b="1" dirty="0">
-                <a:latin typeface="Times New Roman"/>
-                <a:cs typeface="Times New Roman"/>
-              </a:rPr>
-              <a:t>and</a:t>
-            </a:r>
-            <a:r>
-              <a:rPr lang="en-US" sz="2400" b="1" spc="-65" dirty="0">
-                <a:latin typeface="Times New Roman"/>
-                <a:cs typeface="Times New Roman"/>
-              </a:rPr>
-              <a:t> </a:t>
-            </a:r>
-            <a:r>
-              <a:rPr lang="en-US" sz="2400" b="1" dirty="0">
-                <a:latin typeface="Times New Roman"/>
-                <a:cs typeface="Times New Roman"/>
-              </a:rPr>
-              <a:t>removed</a:t>
-            </a:r>
-            <a:r>
-              <a:rPr lang="en-US" sz="2400" b="1" spc="-60" dirty="0">
-                <a:latin typeface="Times New Roman"/>
-                <a:cs typeface="Times New Roman"/>
-              </a:rPr>
-              <a:t> </a:t>
-            </a:r>
-            <a:r>
-              <a:rPr lang="en-US" sz="2400" b="1" dirty="0">
-                <a:latin typeface="Times New Roman"/>
-                <a:cs typeface="Times New Roman"/>
-              </a:rPr>
-              <a:t>null</a:t>
-            </a:r>
-            <a:r>
-              <a:rPr lang="en-US" sz="2400" b="1" spc="-60" dirty="0">
-                <a:latin typeface="Times New Roman"/>
-                <a:cs typeface="Times New Roman"/>
-              </a:rPr>
-              <a:t> </a:t>
-            </a:r>
-            <a:r>
-              <a:rPr lang="en-US" sz="2400" b="1" dirty="0">
-                <a:latin typeface="Times New Roman"/>
-                <a:cs typeface="Times New Roman"/>
-              </a:rPr>
-              <a:t>values</a:t>
-            </a:r>
-            <a:r>
-              <a:rPr lang="en-US" sz="2400" b="1" spc="-60" dirty="0">
-                <a:latin typeface="Times New Roman"/>
-                <a:cs typeface="Times New Roman"/>
-              </a:rPr>
-              <a:t> </a:t>
-            </a:r>
-            <a:r>
-              <a:rPr lang="en-US" sz="2400" b="1" dirty="0">
-                <a:latin typeface="Times New Roman"/>
-                <a:cs typeface="Times New Roman"/>
-              </a:rPr>
-              <a:t>in</a:t>
-            </a:r>
-            <a:r>
-              <a:rPr lang="en-US" sz="2400" b="1" spc="-60" dirty="0">
-                <a:latin typeface="Times New Roman"/>
-                <a:cs typeface="Times New Roman"/>
-              </a:rPr>
-              <a:t> </a:t>
-            </a:r>
-            <a:r>
-              <a:rPr lang="en-US" sz="2400" b="1" dirty="0">
-                <a:latin typeface="Times New Roman"/>
-                <a:cs typeface="Times New Roman"/>
-              </a:rPr>
-              <a:t>columns</a:t>
-            </a:r>
-            <a:r>
-              <a:rPr lang="en-US" sz="2400" b="1" spc="-60" dirty="0">
-                <a:latin typeface="Times New Roman"/>
-                <a:cs typeface="Times New Roman"/>
-              </a:rPr>
-              <a:t> </a:t>
-            </a:r>
-            <a:r>
-              <a:rPr lang="en-US" sz="2400" b="1" dirty="0">
-                <a:latin typeface="Times New Roman"/>
-                <a:cs typeface="Times New Roman"/>
-              </a:rPr>
-              <a:t>like</a:t>
-            </a:r>
-            <a:r>
-              <a:rPr lang="en-US" sz="2400" b="1" spc="-60" dirty="0">
-                <a:latin typeface="Times New Roman"/>
-                <a:cs typeface="Times New Roman"/>
-              </a:rPr>
-              <a:t> </a:t>
-            </a:r>
-            <a:r>
-              <a:rPr lang="en-US" sz="2400" b="1" dirty="0" err="1">
-                <a:latin typeface="Times New Roman"/>
-                <a:cs typeface="Times New Roman"/>
-              </a:rPr>
-              <a:t>TotalCharges</a:t>
-            </a:r>
-            <a:r>
-              <a:rPr lang="en-US" sz="2400" b="1" spc="-60" dirty="0">
-                <a:latin typeface="Times New Roman"/>
-                <a:cs typeface="Times New Roman"/>
-              </a:rPr>
-              <a:t> </a:t>
-            </a:r>
-            <a:r>
-              <a:rPr lang="en-US" sz="2400" b="1" dirty="0">
-                <a:latin typeface="Times New Roman"/>
-                <a:cs typeface="Times New Roman"/>
-              </a:rPr>
-              <a:t>and</a:t>
-            </a:r>
-            <a:r>
-              <a:rPr lang="en-US" sz="2400" b="1" spc="-60" dirty="0">
-                <a:latin typeface="Times New Roman"/>
-                <a:cs typeface="Times New Roman"/>
-              </a:rPr>
-              <a:t> </a:t>
-            </a:r>
-            <a:r>
-              <a:rPr lang="en-US" sz="2400" b="1" dirty="0">
-                <a:latin typeface="Times New Roman"/>
-                <a:cs typeface="Times New Roman"/>
-              </a:rPr>
-              <a:t>replaced</a:t>
-            </a:r>
-            <a:r>
-              <a:rPr lang="en-US" sz="2400" b="1" spc="-60" dirty="0">
-                <a:latin typeface="Times New Roman"/>
-                <a:cs typeface="Times New Roman"/>
-              </a:rPr>
-              <a:t> </a:t>
-            </a:r>
-            <a:r>
-              <a:rPr lang="en-US" sz="2400" b="1" dirty="0">
-                <a:latin typeface="Times New Roman"/>
-                <a:cs typeface="Times New Roman"/>
-              </a:rPr>
-              <a:t>blanks</a:t>
-            </a:r>
-            <a:r>
-              <a:rPr lang="en-US" sz="2400" b="1" spc="-60" dirty="0">
-                <a:latin typeface="Times New Roman"/>
-                <a:cs typeface="Times New Roman"/>
-              </a:rPr>
-              <a:t> </a:t>
-            </a:r>
-            <a:r>
-              <a:rPr lang="en-US" sz="2400" b="1" dirty="0">
-                <a:latin typeface="Times New Roman"/>
-                <a:cs typeface="Times New Roman"/>
-              </a:rPr>
-              <a:t>where</a:t>
-            </a:r>
-            <a:r>
-              <a:rPr lang="en-US" sz="2400" b="1" spc="-60" dirty="0">
-                <a:latin typeface="Times New Roman"/>
-                <a:cs typeface="Times New Roman"/>
-              </a:rPr>
-              <a:t> </a:t>
-            </a:r>
-            <a:r>
-              <a:rPr lang="en-US" sz="2400" b="1" spc="-10" dirty="0">
-                <a:latin typeface="Times New Roman"/>
-                <a:cs typeface="Times New Roman"/>
-              </a:rPr>
-              <a:t>necessary. </a:t>
-            </a:r>
-            <a:r>
-              <a:rPr lang="en-US" sz="2400" b="1" dirty="0">
-                <a:latin typeface="Times New Roman"/>
-                <a:cs typeface="Times New Roman"/>
-              </a:rPr>
-              <a:t>Converted</a:t>
-            </a:r>
-            <a:r>
-              <a:rPr lang="en-US" sz="2400" b="1" spc="-60" dirty="0">
-                <a:latin typeface="Times New Roman"/>
-                <a:cs typeface="Times New Roman"/>
-              </a:rPr>
-              <a:t> </a:t>
-            </a:r>
-            <a:r>
-              <a:rPr lang="en-US" sz="2400" b="1" dirty="0" err="1">
-                <a:latin typeface="Times New Roman"/>
-                <a:cs typeface="Times New Roman"/>
-              </a:rPr>
-              <a:t>TotalCharges</a:t>
-            </a:r>
-            <a:r>
-              <a:rPr lang="en-US" sz="2400" b="1" spc="-60" dirty="0">
-                <a:latin typeface="Times New Roman"/>
-                <a:cs typeface="Times New Roman"/>
-              </a:rPr>
-              <a:t> </a:t>
-            </a:r>
-            <a:r>
-              <a:rPr lang="en-US" sz="2400" b="1" dirty="0">
-                <a:latin typeface="Times New Roman"/>
-                <a:cs typeface="Times New Roman"/>
-              </a:rPr>
-              <a:t>from</a:t>
-            </a:r>
-            <a:r>
-              <a:rPr lang="en-US" sz="2400" b="1" spc="-60" dirty="0">
-                <a:latin typeface="Times New Roman"/>
-                <a:cs typeface="Times New Roman"/>
-              </a:rPr>
-              <a:t> </a:t>
-            </a:r>
-            <a:r>
-              <a:rPr lang="en-US" sz="2400" b="1" dirty="0">
-                <a:latin typeface="Times New Roman"/>
-                <a:cs typeface="Times New Roman"/>
-              </a:rPr>
-              <a:t>text</a:t>
-            </a:r>
-            <a:r>
-              <a:rPr lang="en-US" sz="2400" b="1" spc="-55" dirty="0">
-                <a:latin typeface="Times New Roman"/>
-                <a:cs typeface="Times New Roman"/>
-              </a:rPr>
-              <a:t> </a:t>
-            </a:r>
-            <a:r>
-              <a:rPr lang="en-US" sz="2400" b="1" dirty="0">
-                <a:latin typeface="Times New Roman"/>
-                <a:cs typeface="Times New Roman"/>
-              </a:rPr>
-              <a:t>to</a:t>
-            </a:r>
-            <a:r>
-              <a:rPr lang="en-US" sz="2400" b="1" spc="-60" dirty="0">
-                <a:latin typeface="Times New Roman"/>
-                <a:cs typeface="Times New Roman"/>
-              </a:rPr>
-              <a:t> </a:t>
-            </a:r>
-            <a:r>
-              <a:rPr lang="en-US" sz="2400" b="1" spc="-10" dirty="0">
-                <a:latin typeface="Times New Roman"/>
-                <a:cs typeface="Times New Roman"/>
-              </a:rPr>
-              <a:t>numeric.</a:t>
-            </a:r>
-            <a:endParaRPr lang="en-US" sz="2400" dirty="0">
-              <a:latin typeface="Times New Roman"/>
-              <a:cs typeface="Times New Roman"/>
-            </a:endParaRPr>
-          </a:p>
-          <a:p>
-            <a:pPr marL="12700" marR="668655">
+              <a:rPr lang="en-US" sz="3600" dirty="0"/>
+              <a:t>Use Trim and Clean to remove spaces and unwanted characters.</a:t>
+            </a:r>
+          </a:p>
+          <a:p>
+            <a:pPr marL="571500" indent="-571500">
               <a:lnSpc>
-                <a:spcPct val="131700"/>
+                <a:spcPct val="150000"/>
               </a:lnSpc>
+              <a:buFont typeface="Wingdings" panose="05000000000000000000" pitchFamily="2" charset="2"/>
+              <a:buChar char="Ø"/>
             </a:pPr>
             <a:r>
-              <a:rPr lang="en-US" sz="2400" b="1" dirty="0">
-                <a:latin typeface="Times New Roman"/>
-                <a:cs typeface="Times New Roman"/>
-              </a:rPr>
-              <a:t>Ensured</a:t>
-            </a:r>
-            <a:r>
-              <a:rPr lang="en-US" sz="2400" b="1" spc="-65" dirty="0">
-                <a:latin typeface="Times New Roman"/>
-                <a:cs typeface="Times New Roman"/>
-              </a:rPr>
-              <a:t> </a:t>
-            </a:r>
-            <a:r>
-              <a:rPr lang="en-US" sz="2400" b="1" dirty="0" err="1">
-                <a:latin typeface="Times New Roman"/>
-                <a:cs typeface="Times New Roman"/>
-              </a:rPr>
-              <a:t>SeniorCitizen</a:t>
-            </a:r>
-            <a:r>
-              <a:rPr lang="en-US" sz="2400" b="1" dirty="0">
-                <a:latin typeface="Times New Roman"/>
-                <a:cs typeface="Times New Roman"/>
-              </a:rPr>
-              <a:t>,</a:t>
-            </a:r>
-            <a:r>
-              <a:rPr lang="en-US" sz="2400" b="1" spc="-60" dirty="0">
-                <a:latin typeface="Times New Roman"/>
-                <a:cs typeface="Times New Roman"/>
-              </a:rPr>
-              <a:t> </a:t>
-            </a:r>
-            <a:r>
-              <a:rPr lang="en-US" sz="2400" b="1" dirty="0">
-                <a:latin typeface="Times New Roman"/>
-                <a:cs typeface="Times New Roman"/>
-              </a:rPr>
-              <a:t>Churn,</a:t>
-            </a:r>
-            <a:r>
-              <a:rPr lang="en-US" sz="2400" b="1" spc="-65" dirty="0">
-                <a:latin typeface="Times New Roman"/>
-                <a:cs typeface="Times New Roman"/>
-              </a:rPr>
-              <a:t> </a:t>
-            </a:r>
-            <a:r>
-              <a:rPr lang="en-US" sz="2400" b="1" dirty="0">
-                <a:latin typeface="Times New Roman"/>
-                <a:cs typeface="Times New Roman"/>
-              </a:rPr>
-              <a:t>and</a:t>
-            </a:r>
-            <a:r>
-              <a:rPr lang="en-US" sz="2400" b="1" spc="-60" dirty="0">
-                <a:latin typeface="Times New Roman"/>
-                <a:cs typeface="Times New Roman"/>
-              </a:rPr>
-              <a:t> </a:t>
-            </a:r>
-            <a:r>
-              <a:rPr lang="en-US" sz="2400" b="1" dirty="0">
-                <a:latin typeface="Times New Roman"/>
-                <a:cs typeface="Times New Roman"/>
-              </a:rPr>
-              <a:t>Partner</a:t>
-            </a:r>
-            <a:r>
-              <a:rPr lang="en-US" sz="2400" b="1" spc="-60" dirty="0">
-                <a:latin typeface="Times New Roman"/>
-                <a:cs typeface="Times New Roman"/>
-              </a:rPr>
-              <a:t> </a:t>
-            </a:r>
-            <a:r>
-              <a:rPr lang="en-US" sz="2400" b="1" dirty="0">
-                <a:latin typeface="Times New Roman"/>
-                <a:cs typeface="Times New Roman"/>
-              </a:rPr>
-              <a:t>were</a:t>
-            </a:r>
-            <a:r>
-              <a:rPr lang="en-US" sz="2400" b="1" spc="-65" dirty="0">
-                <a:latin typeface="Times New Roman"/>
-                <a:cs typeface="Times New Roman"/>
-              </a:rPr>
-              <a:t> </a:t>
-            </a:r>
-            <a:r>
-              <a:rPr lang="en-US" sz="2400" b="1" dirty="0">
-                <a:latin typeface="Times New Roman"/>
-                <a:cs typeface="Times New Roman"/>
-              </a:rPr>
-              <a:t>properly</a:t>
-            </a:r>
-            <a:r>
-              <a:rPr lang="en-US" sz="2400" b="1" spc="-60" dirty="0">
-                <a:latin typeface="Times New Roman"/>
-                <a:cs typeface="Times New Roman"/>
-              </a:rPr>
-              <a:t> </a:t>
-            </a:r>
-            <a:r>
-              <a:rPr lang="en-US" sz="2400" b="1" dirty="0">
-                <a:latin typeface="Times New Roman"/>
-                <a:cs typeface="Times New Roman"/>
-              </a:rPr>
-              <a:t>categorized</a:t>
-            </a:r>
-            <a:r>
-              <a:rPr lang="en-US" sz="2400" b="1" spc="-60" dirty="0">
-                <a:latin typeface="Times New Roman"/>
-                <a:cs typeface="Times New Roman"/>
-              </a:rPr>
-              <a:t> </a:t>
-            </a:r>
-            <a:r>
-              <a:rPr lang="en-US" sz="2400" b="1" dirty="0">
-                <a:latin typeface="Times New Roman"/>
-                <a:cs typeface="Times New Roman"/>
-              </a:rPr>
-              <a:t>as</a:t>
-            </a:r>
-            <a:r>
-              <a:rPr lang="en-US" sz="2400" b="1" spc="-65" dirty="0">
-                <a:latin typeface="Times New Roman"/>
-                <a:cs typeface="Times New Roman"/>
-              </a:rPr>
-              <a:t> </a:t>
-            </a:r>
-            <a:r>
-              <a:rPr lang="en-US" sz="2400" b="1" dirty="0">
-                <a:latin typeface="Times New Roman"/>
-                <a:cs typeface="Times New Roman"/>
-              </a:rPr>
-              <a:t>Yes/No</a:t>
-            </a:r>
-            <a:r>
-              <a:rPr lang="en-US" sz="2400" b="1" spc="-60" dirty="0">
-                <a:latin typeface="Times New Roman"/>
-                <a:cs typeface="Times New Roman"/>
-              </a:rPr>
-              <a:t> </a:t>
-            </a:r>
-            <a:r>
-              <a:rPr lang="en-US" sz="2400" b="1" dirty="0">
-                <a:latin typeface="Times New Roman"/>
-                <a:cs typeface="Times New Roman"/>
-              </a:rPr>
-              <a:t>or</a:t>
-            </a:r>
-            <a:r>
-              <a:rPr lang="en-US" sz="2400" b="1" spc="-65" dirty="0">
-                <a:latin typeface="Times New Roman"/>
-                <a:cs typeface="Times New Roman"/>
-              </a:rPr>
-              <a:t> </a:t>
-            </a:r>
-            <a:r>
-              <a:rPr lang="en-US" sz="2400" b="1" dirty="0">
-                <a:latin typeface="Times New Roman"/>
-                <a:cs typeface="Times New Roman"/>
-              </a:rPr>
-              <a:t>binary</a:t>
-            </a:r>
-            <a:r>
-              <a:rPr lang="en-US" sz="2400" b="1" spc="-60" dirty="0">
-                <a:latin typeface="Times New Roman"/>
-                <a:cs typeface="Times New Roman"/>
-              </a:rPr>
-              <a:t> </a:t>
-            </a:r>
-            <a:r>
-              <a:rPr lang="en-US" sz="2400" b="1" spc="-10" dirty="0">
-                <a:latin typeface="Times New Roman"/>
-                <a:cs typeface="Times New Roman"/>
-              </a:rPr>
-              <a:t>fields. </a:t>
-            </a:r>
-            <a:r>
-              <a:rPr lang="en-US" sz="2400" b="1" dirty="0">
-                <a:latin typeface="Times New Roman"/>
-                <a:cs typeface="Times New Roman"/>
-              </a:rPr>
-              <a:t>Created</a:t>
-            </a:r>
-            <a:r>
-              <a:rPr lang="en-US" sz="2400" b="1" spc="-75" dirty="0">
-                <a:latin typeface="Times New Roman"/>
-                <a:cs typeface="Times New Roman"/>
-              </a:rPr>
-              <a:t> </a:t>
-            </a:r>
-            <a:r>
-              <a:rPr lang="en-US" sz="2400" b="1" dirty="0">
-                <a:latin typeface="Times New Roman"/>
-                <a:cs typeface="Times New Roman"/>
-              </a:rPr>
-              <a:t>calculated</a:t>
-            </a:r>
-            <a:r>
-              <a:rPr lang="en-US" sz="2400" b="1" spc="-75" dirty="0">
-                <a:latin typeface="Times New Roman"/>
-                <a:cs typeface="Times New Roman"/>
-              </a:rPr>
-              <a:t> </a:t>
-            </a:r>
-            <a:r>
-              <a:rPr lang="en-US" sz="2400" b="1" dirty="0">
-                <a:latin typeface="Times New Roman"/>
-                <a:cs typeface="Times New Roman"/>
-              </a:rPr>
-              <a:t>columns</a:t>
-            </a:r>
-            <a:r>
-              <a:rPr lang="en-US" sz="2400" b="1" spc="-70" dirty="0">
-                <a:latin typeface="Times New Roman"/>
-                <a:cs typeface="Times New Roman"/>
-              </a:rPr>
-              <a:t> </a:t>
-            </a:r>
-            <a:r>
-              <a:rPr lang="en-US" sz="2400" b="1" dirty="0">
-                <a:latin typeface="Times New Roman"/>
-                <a:cs typeface="Times New Roman"/>
-              </a:rPr>
-              <a:t>and</a:t>
-            </a:r>
-            <a:r>
-              <a:rPr lang="en-US" sz="2400" b="1" spc="-75" dirty="0">
-                <a:latin typeface="Times New Roman"/>
-                <a:cs typeface="Times New Roman"/>
-              </a:rPr>
-              <a:t> </a:t>
-            </a:r>
-            <a:r>
-              <a:rPr lang="en-US" sz="2400" b="1" dirty="0">
-                <a:latin typeface="Times New Roman"/>
-                <a:cs typeface="Times New Roman"/>
-              </a:rPr>
-              <a:t>DAX</a:t>
-            </a:r>
-            <a:r>
-              <a:rPr lang="en-US" sz="2400" b="1" spc="-70" dirty="0">
-                <a:latin typeface="Times New Roman"/>
-                <a:cs typeface="Times New Roman"/>
-              </a:rPr>
-              <a:t> </a:t>
-            </a:r>
-            <a:r>
-              <a:rPr lang="en-US" sz="2400" b="1" dirty="0">
-                <a:latin typeface="Times New Roman"/>
-                <a:cs typeface="Times New Roman"/>
-              </a:rPr>
-              <a:t>measures</a:t>
-            </a:r>
-            <a:r>
-              <a:rPr lang="en-US" sz="2400" b="1" spc="-75" dirty="0">
-                <a:latin typeface="Times New Roman"/>
-                <a:cs typeface="Times New Roman"/>
-              </a:rPr>
-              <a:t> </a:t>
-            </a:r>
-            <a:r>
-              <a:rPr lang="en-US" sz="2400" b="1" spc="-20" dirty="0">
-                <a:latin typeface="Times New Roman"/>
-                <a:cs typeface="Times New Roman"/>
-              </a:rPr>
-              <a:t>for:</a:t>
-            </a:r>
-            <a:endParaRPr lang="en-US" sz="2400" dirty="0">
-              <a:latin typeface="Times New Roman"/>
-              <a:cs typeface="Times New Roman"/>
-            </a:endParaRPr>
-          </a:p>
-          <a:p>
-            <a:pPr marL="12700" marR="3405504">
+              <a:rPr lang="en-US" sz="3600" dirty="0"/>
+              <a:t>Remove duplicates and blank rows.</a:t>
+            </a:r>
+          </a:p>
+          <a:p>
+            <a:pPr marL="571500" indent="-571500">
               <a:lnSpc>
-                <a:spcPct val="131700"/>
+                <a:spcPct val="150000"/>
               </a:lnSpc>
+              <a:buFont typeface="Wingdings" panose="05000000000000000000" pitchFamily="2" charset="2"/>
+              <a:buChar char="Ø"/>
             </a:pPr>
             <a:r>
-              <a:rPr lang="en-US" sz="2400" b="1" dirty="0">
-                <a:latin typeface="Times New Roman"/>
-                <a:cs typeface="Times New Roman"/>
-              </a:rPr>
-              <a:t>Churn</a:t>
-            </a:r>
-            <a:r>
-              <a:rPr lang="en-US" sz="2400" b="1" spc="-65" dirty="0">
-                <a:latin typeface="Times New Roman"/>
-                <a:cs typeface="Times New Roman"/>
-              </a:rPr>
-              <a:t> </a:t>
-            </a:r>
-            <a:r>
-              <a:rPr lang="en-US" sz="2400" b="1" dirty="0">
-                <a:latin typeface="Times New Roman"/>
-                <a:cs typeface="Times New Roman"/>
-              </a:rPr>
-              <a:t>Rate,</a:t>
-            </a:r>
-            <a:r>
-              <a:rPr lang="en-US" sz="2400" b="1" spc="-60" dirty="0">
-                <a:latin typeface="Times New Roman"/>
-                <a:cs typeface="Times New Roman"/>
-              </a:rPr>
-              <a:t> </a:t>
-            </a:r>
-            <a:r>
-              <a:rPr lang="en-US" sz="2400" b="1" dirty="0">
-                <a:latin typeface="Times New Roman"/>
-                <a:cs typeface="Times New Roman"/>
-              </a:rPr>
-              <a:t>Average</a:t>
-            </a:r>
-            <a:r>
-              <a:rPr lang="en-US" sz="2400" b="1" spc="-60" dirty="0">
-                <a:latin typeface="Times New Roman"/>
-                <a:cs typeface="Times New Roman"/>
-              </a:rPr>
-              <a:t> </a:t>
-            </a:r>
-            <a:r>
-              <a:rPr lang="en-US" sz="2400" b="1" dirty="0">
-                <a:latin typeface="Times New Roman"/>
-                <a:cs typeface="Times New Roman"/>
-              </a:rPr>
-              <a:t>Monthly</a:t>
-            </a:r>
-            <a:r>
-              <a:rPr lang="en-US" sz="2400" b="1" spc="-60" dirty="0">
-                <a:latin typeface="Times New Roman"/>
-                <a:cs typeface="Times New Roman"/>
-              </a:rPr>
-              <a:t> </a:t>
-            </a:r>
-            <a:r>
-              <a:rPr lang="en-US" sz="2400" b="1" dirty="0">
-                <a:latin typeface="Times New Roman"/>
-                <a:cs typeface="Times New Roman"/>
-              </a:rPr>
-              <a:t>Charges,</a:t>
-            </a:r>
-            <a:r>
-              <a:rPr lang="en-US" sz="2400" b="1" spc="-65" dirty="0">
-                <a:latin typeface="Times New Roman"/>
-                <a:cs typeface="Times New Roman"/>
-              </a:rPr>
-              <a:t> </a:t>
-            </a:r>
-            <a:r>
-              <a:rPr lang="en-US" sz="2400" b="1" dirty="0">
-                <a:latin typeface="Times New Roman"/>
-                <a:cs typeface="Times New Roman"/>
-              </a:rPr>
-              <a:t>Average</a:t>
-            </a:r>
-            <a:r>
-              <a:rPr lang="en-US" sz="2400" b="1" spc="-60" dirty="0">
-                <a:latin typeface="Times New Roman"/>
-                <a:cs typeface="Times New Roman"/>
-              </a:rPr>
-              <a:t> </a:t>
-            </a:r>
-            <a:r>
-              <a:rPr lang="en-US" sz="2400" b="1" dirty="0">
-                <a:latin typeface="Times New Roman"/>
-                <a:cs typeface="Times New Roman"/>
-              </a:rPr>
-              <a:t>Tenure,</a:t>
-            </a:r>
-            <a:r>
-              <a:rPr lang="en-US" sz="2400" b="1" spc="-60" dirty="0">
-                <a:latin typeface="Times New Roman"/>
-                <a:cs typeface="Times New Roman"/>
-              </a:rPr>
-              <a:t> </a:t>
-            </a:r>
-            <a:r>
-              <a:rPr lang="en-US" sz="2400" b="1" dirty="0">
-                <a:latin typeface="Times New Roman"/>
-                <a:cs typeface="Times New Roman"/>
-              </a:rPr>
-              <a:t>Total</a:t>
-            </a:r>
-            <a:r>
-              <a:rPr lang="en-US" sz="2400" b="1" spc="-60" dirty="0">
-                <a:latin typeface="Times New Roman"/>
-                <a:cs typeface="Times New Roman"/>
-              </a:rPr>
-              <a:t> </a:t>
-            </a:r>
-            <a:r>
-              <a:rPr lang="en-US" sz="2400" b="1" spc="-10" dirty="0">
-                <a:latin typeface="Times New Roman"/>
-                <a:cs typeface="Times New Roman"/>
-              </a:rPr>
-              <a:t>Revenue </a:t>
-            </a:r>
-            <a:r>
-              <a:rPr lang="en-US" sz="2400" b="1" dirty="0">
-                <a:latin typeface="Times New Roman"/>
-                <a:cs typeface="Times New Roman"/>
-              </a:rPr>
-              <a:t>Standardized</a:t>
-            </a:r>
-            <a:r>
-              <a:rPr lang="en-US" sz="2400" b="1" spc="-50" dirty="0">
-                <a:latin typeface="Times New Roman"/>
-                <a:cs typeface="Times New Roman"/>
-              </a:rPr>
-              <a:t> </a:t>
-            </a:r>
-            <a:r>
-              <a:rPr lang="en-US" sz="2400" b="1" dirty="0">
-                <a:latin typeface="Times New Roman"/>
-                <a:cs typeface="Times New Roman"/>
-              </a:rPr>
-              <a:t>categorical</a:t>
-            </a:r>
-            <a:r>
-              <a:rPr lang="en-US" sz="2400" b="1" spc="-50" dirty="0">
-                <a:latin typeface="Times New Roman"/>
-                <a:cs typeface="Times New Roman"/>
-              </a:rPr>
-              <a:t> </a:t>
-            </a:r>
-            <a:r>
-              <a:rPr lang="en-US" sz="2400" b="1" dirty="0">
-                <a:latin typeface="Times New Roman"/>
-                <a:cs typeface="Times New Roman"/>
-              </a:rPr>
-              <a:t>values</a:t>
-            </a:r>
-            <a:r>
-              <a:rPr lang="en-US" sz="2400" b="1" spc="-50" dirty="0">
-                <a:latin typeface="Times New Roman"/>
-                <a:cs typeface="Times New Roman"/>
-              </a:rPr>
-              <a:t> </a:t>
-            </a:r>
-            <a:r>
-              <a:rPr lang="en-US" sz="2400" b="1" dirty="0">
-                <a:latin typeface="Times New Roman"/>
-                <a:cs typeface="Times New Roman"/>
-              </a:rPr>
-              <a:t>(</a:t>
-            </a:r>
-            <a:r>
-              <a:rPr lang="en-US" sz="2400" b="1" spc="-45" dirty="0">
-                <a:latin typeface="Times New Roman"/>
-                <a:cs typeface="Times New Roman"/>
-              </a:rPr>
-              <a:t> </a:t>
-            </a:r>
-            <a:r>
-              <a:rPr lang="en-US" sz="2400" b="1" dirty="0">
-                <a:latin typeface="Times New Roman"/>
-                <a:cs typeface="Times New Roman"/>
-              </a:rPr>
-              <a:t>No</a:t>
-            </a:r>
-            <a:r>
-              <a:rPr lang="en-US" sz="2400" b="1" spc="-50" dirty="0">
-                <a:latin typeface="Times New Roman"/>
-                <a:cs typeface="Times New Roman"/>
-              </a:rPr>
-              <a:t> </a:t>
-            </a:r>
-            <a:r>
-              <a:rPr lang="en-US" sz="2400" b="1" dirty="0">
-                <a:latin typeface="Times New Roman"/>
-                <a:cs typeface="Times New Roman"/>
-              </a:rPr>
-              <a:t>internet</a:t>
-            </a:r>
-            <a:r>
-              <a:rPr lang="en-US" sz="2400" b="1" spc="-50" dirty="0">
-                <a:latin typeface="Times New Roman"/>
-                <a:cs typeface="Times New Roman"/>
-              </a:rPr>
-              <a:t> </a:t>
-            </a:r>
-            <a:r>
-              <a:rPr lang="en-US" sz="2400" b="1" dirty="0">
-                <a:latin typeface="Times New Roman"/>
-                <a:cs typeface="Times New Roman"/>
-              </a:rPr>
-              <a:t>service</a:t>
-            </a:r>
-            <a:r>
-              <a:rPr lang="en-US" sz="2400" b="1" spc="-45" dirty="0">
-                <a:latin typeface="Times New Roman"/>
-                <a:cs typeface="Times New Roman"/>
-              </a:rPr>
-              <a:t> </a:t>
-            </a:r>
-            <a:r>
-              <a:rPr lang="en-US" sz="2400" b="1" dirty="0">
-                <a:latin typeface="Times New Roman"/>
-                <a:cs typeface="Times New Roman"/>
-              </a:rPr>
-              <a:t>changed</a:t>
-            </a:r>
-            <a:r>
-              <a:rPr lang="en-US" sz="2400" b="1" spc="-50" dirty="0">
-                <a:latin typeface="Times New Roman"/>
-                <a:cs typeface="Times New Roman"/>
-              </a:rPr>
-              <a:t> </a:t>
-            </a:r>
-            <a:r>
-              <a:rPr lang="en-US" sz="2400" b="1" dirty="0">
-                <a:latin typeface="Times New Roman"/>
-                <a:cs typeface="Times New Roman"/>
-              </a:rPr>
-              <a:t>to</a:t>
-            </a:r>
-            <a:r>
-              <a:rPr lang="en-US" sz="2400" b="1" spc="-50" dirty="0">
-                <a:latin typeface="Times New Roman"/>
-                <a:cs typeface="Times New Roman"/>
-              </a:rPr>
-              <a:t> </a:t>
-            </a:r>
-            <a:r>
-              <a:rPr lang="en-US" sz="2400" b="1" dirty="0">
-                <a:latin typeface="Times New Roman"/>
-                <a:cs typeface="Times New Roman"/>
-              </a:rPr>
-              <a:t>No</a:t>
-            </a:r>
-            <a:r>
-              <a:rPr lang="en-US" sz="2400" b="1" spc="-45" dirty="0">
-                <a:latin typeface="Times New Roman"/>
-                <a:cs typeface="Times New Roman"/>
-              </a:rPr>
-              <a:t> </a:t>
-            </a:r>
-            <a:r>
-              <a:rPr lang="en-US" sz="2400" b="1" dirty="0">
-                <a:latin typeface="Times New Roman"/>
-                <a:cs typeface="Times New Roman"/>
-              </a:rPr>
-              <a:t>for</a:t>
-            </a:r>
-            <a:r>
-              <a:rPr lang="en-US" sz="2400" b="1" spc="-50" dirty="0">
-                <a:latin typeface="Times New Roman"/>
-                <a:cs typeface="Times New Roman"/>
-              </a:rPr>
-              <a:t> </a:t>
-            </a:r>
-            <a:r>
-              <a:rPr lang="en-US" sz="2400" b="1" spc="-10" dirty="0">
-                <a:latin typeface="Times New Roman"/>
-                <a:cs typeface="Times New Roman"/>
-              </a:rPr>
-              <a:t>clarity). </a:t>
-            </a:r>
-            <a:r>
-              <a:rPr lang="en-US" sz="2400" b="1" dirty="0">
-                <a:latin typeface="Times New Roman"/>
-                <a:cs typeface="Times New Roman"/>
-              </a:rPr>
-              <a:t>Added</a:t>
-            </a:r>
-            <a:r>
-              <a:rPr lang="en-US" sz="2400" b="1" spc="-60" dirty="0">
-                <a:latin typeface="Times New Roman"/>
-                <a:cs typeface="Times New Roman"/>
-              </a:rPr>
-              <a:t> </a:t>
-            </a:r>
-            <a:r>
-              <a:rPr lang="en-US" sz="2400" b="1" dirty="0">
-                <a:latin typeface="Times New Roman"/>
-                <a:cs typeface="Times New Roman"/>
-              </a:rPr>
-              <a:t>new</a:t>
-            </a:r>
-            <a:r>
-              <a:rPr lang="en-US" sz="2400" b="1" spc="-55" dirty="0">
-                <a:latin typeface="Times New Roman"/>
-                <a:cs typeface="Times New Roman"/>
-              </a:rPr>
-              <a:t> </a:t>
-            </a:r>
-            <a:r>
-              <a:rPr lang="en-US" sz="2400" b="1" dirty="0">
-                <a:latin typeface="Times New Roman"/>
-                <a:cs typeface="Times New Roman"/>
-              </a:rPr>
-              <a:t>derived</a:t>
-            </a:r>
-            <a:r>
-              <a:rPr lang="en-US" sz="2400" b="1" spc="-55" dirty="0">
-                <a:latin typeface="Times New Roman"/>
-                <a:cs typeface="Times New Roman"/>
-              </a:rPr>
-              <a:t> </a:t>
-            </a:r>
-            <a:r>
-              <a:rPr lang="en-US" sz="2400" b="1" dirty="0">
-                <a:latin typeface="Times New Roman"/>
-                <a:cs typeface="Times New Roman"/>
-              </a:rPr>
-              <a:t>fields</a:t>
-            </a:r>
-            <a:r>
-              <a:rPr lang="en-US" sz="2400" b="1" spc="-55" dirty="0">
-                <a:latin typeface="Times New Roman"/>
-                <a:cs typeface="Times New Roman"/>
-              </a:rPr>
-              <a:t> </a:t>
-            </a:r>
-            <a:r>
-              <a:rPr lang="en-US" sz="2400" b="1" dirty="0">
-                <a:latin typeface="Times New Roman"/>
-                <a:cs typeface="Times New Roman"/>
-              </a:rPr>
-              <a:t>for</a:t>
-            </a:r>
-            <a:r>
-              <a:rPr lang="en-US" sz="2400" b="1" spc="-55" dirty="0">
-                <a:latin typeface="Times New Roman"/>
-                <a:cs typeface="Times New Roman"/>
-              </a:rPr>
-              <a:t> </a:t>
-            </a:r>
-            <a:r>
-              <a:rPr lang="en-US" sz="2400" b="1" dirty="0">
-                <a:latin typeface="Times New Roman"/>
-                <a:cs typeface="Times New Roman"/>
-              </a:rPr>
-              <a:t>advanced</a:t>
-            </a:r>
-            <a:r>
-              <a:rPr lang="en-US" sz="2400" b="1" spc="-60" dirty="0">
-                <a:latin typeface="Times New Roman"/>
-                <a:cs typeface="Times New Roman"/>
-              </a:rPr>
-              <a:t> </a:t>
-            </a:r>
-            <a:r>
-              <a:rPr lang="en-US" sz="2400" b="1" dirty="0">
-                <a:latin typeface="Times New Roman"/>
-                <a:cs typeface="Times New Roman"/>
-              </a:rPr>
-              <a:t>analysis</a:t>
-            </a:r>
-            <a:r>
-              <a:rPr lang="en-US" sz="2400" b="1" spc="-55" dirty="0">
-                <a:latin typeface="Times New Roman"/>
-                <a:cs typeface="Times New Roman"/>
-              </a:rPr>
-              <a:t> </a:t>
-            </a:r>
-            <a:r>
-              <a:rPr lang="en-US" sz="2400" b="1" dirty="0">
-                <a:latin typeface="Times New Roman"/>
-                <a:cs typeface="Times New Roman"/>
-              </a:rPr>
-              <a:t>such</a:t>
-            </a:r>
-            <a:r>
-              <a:rPr lang="en-US" sz="2400" b="1" spc="-55" dirty="0">
-                <a:latin typeface="Times New Roman"/>
-                <a:cs typeface="Times New Roman"/>
-              </a:rPr>
-              <a:t> </a:t>
-            </a:r>
-            <a:r>
-              <a:rPr lang="en-US" sz="2400" b="1" spc="-25" dirty="0">
-                <a:latin typeface="Times New Roman"/>
-                <a:cs typeface="Times New Roman"/>
-              </a:rPr>
-              <a:t>as:</a:t>
-            </a:r>
-            <a:endParaRPr lang="en-US" sz="2400" dirty="0">
-              <a:latin typeface="Times New Roman"/>
-              <a:cs typeface="Times New Roman"/>
-            </a:endParaRPr>
-          </a:p>
-          <a:p>
-            <a:pPr marL="12700" marR="5123180">
+              <a:rPr lang="en-US" sz="3600" dirty="0"/>
+              <a:t>Use Replace Values to fix spelling errors or incorrect category names.</a:t>
+            </a:r>
+          </a:p>
+          <a:p>
+            <a:pPr marL="571500" indent="-571500">
               <a:lnSpc>
-                <a:spcPct val="131700"/>
+                <a:spcPct val="150000"/>
               </a:lnSpc>
+              <a:buFont typeface="Wingdings" panose="05000000000000000000" pitchFamily="2" charset="2"/>
+              <a:buChar char="Ø"/>
             </a:pPr>
             <a:r>
-              <a:rPr lang="en-US" sz="2400" b="1" dirty="0">
-                <a:latin typeface="Times New Roman"/>
-                <a:cs typeface="Times New Roman"/>
-              </a:rPr>
-              <a:t>Total</a:t>
-            </a:r>
-            <a:r>
-              <a:rPr lang="en-US" sz="2400" b="1" spc="-55" dirty="0">
-                <a:latin typeface="Times New Roman"/>
-                <a:cs typeface="Times New Roman"/>
-              </a:rPr>
-              <a:t> </a:t>
-            </a:r>
-            <a:r>
-              <a:rPr lang="en-US" sz="2400" b="1" dirty="0">
-                <a:latin typeface="Times New Roman"/>
-                <a:cs typeface="Times New Roman"/>
-              </a:rPr>
-              <a:t>Services</a:t>
-            </a:r>
-            <a:r>
-              <a:rPr lang="en-US" sz="2400" b="1" spc="-50" dirty="0">
-                <a:latin typeface="Times New Roman"/>
-                <a:cs typeface="Times New Roman"/>
-              </a:rPr>
-              <a:t> </a:t>
-            </a:r>
-            <a:r>
-              <a:rPr lang="en-US" sz="2400" b="1" dirty="0">
-                <a:latin typeface="Times New Roman"/>
-                <a:cs typeface="Times New Roman"/>
-              </a:rPr>
-              <a:t>Subscribed</a:t>
-            </a:r>
-            <a:r>
-              <a:rPr lang="en-US" sz="2400" b="1" spc="-55" dirty="0">
-                <a:latin typeface="Times New Roman"/>
-                <a:cs typeface="Times New Roman"/>
-              </a:rPr>
-              <a:t> </a:t>
-            </a:r>
-            <a:r>
-              <a:rPr lang="en-US" sz="2400" b="1" dirty="0">
-                <a:latin typeface="Times New Roman"/>
-                <a:cs typeface="Times New Roman"/>
-              </a:rPr>
-              <a:t>dataset</a:t>
-            </a:r>
-            <a:r>
-              <a:rPr lang="en-US" sz="2400" b="1" spc="-55" dirty="0">
-                <a:latin typeface="Times New Roman"/>
-                <a:cs typeface="Times New Roman"/>
-              </a:rPr>
-              <a:t> </a:t>
-            </a:r>
-            <a:r>
-              <a:rPr lang="en-US" sz="2400" b="1" dirty="0">
-                <a:latin typeface="Times New Roman"/>
-                <a:cs typeface="Times New Roman"/>
-              </a:rPr>
-              <a:t>to</a:t>
-            </a:r>
-            <a:r>
-              <a:rPr lang="en-US" sz="2400" b="1" spc="-60" dirty="0">
-                <a:latin typeface="Times New Roman"/>
-                <a:cs typeface="Times New Roman"/>
-              </a:rPr>
-              <a:t> </a:t>
-            </a:r>
-            <a:r>
-              <a:rPr lang="en-US" sz="2400" b="1" dirty="0">
-                <a:latin typeface="Times New Roman"/>
-                <a:cs typeface="Times New Roman"/>
-              </a:rPr>
-              <a:t>ensure</a:t>
-            </a:r>
-            <a:r>
-              <a:rPr lang="en-US" sz="2400" b="1" spc="-55" dirty="0">
-                <a:latin typeface="Times New Roman"/>
-                <a:cs typeface="Times New Roman"/>
-              </a:rPr>
-              <a:t> </a:t>
-            </a:r>
-            <a:r>
-              <a:rPr lang="en-US" sz="2400" b="1" dirty="0">
-                <a:latin typeface="Times New Roman"/>
-                <a:cs typeface="Times New Roman"/>
-              </a:rPr>
-              <a:t>no</a:t>
-            </a:r>
-            <a:r>
-              <a:rPr lang="en-US" sz="2400" b="1" spc="-60" dirty="0">
-                <a:latin typeface="Times New Roman"/>
-                <a:cs typeface="Times New Roman"/>
-              </a:rPr>
-              <a:t> </a:t>
-            </a:r>
-            <a:r>
-              <a:rPr lang="en-US" sz="2400" b="1" dirty="0">
-                <a:latin typeface="Times New Roman"/>
-                <a:cs typeface="Times New Roman"/>
-              </a:rPr>
-              <a:t>duplicates</a:t>
-            </a:r>
-            <a:r>
-              <a:rPr lang="en-US" sz="2400" b="1" spc="-55" dirty="0">
-                <a:latin typeface="Times New Roman"/>
-                <a:cs typeface="Times New Roman"/>
-              </a:rPr>
-              <a:t> </a:t>
-            </a:r>
-            <a:r>
-              <a:rPr lang="en-US" sz="2400" b="1" dirty="0">
-                <a:latin typeface="Times New Roman"/>
-                <a:cs typeface="Times New Roman"/>
-              </a:rPr>
-              <a:t>or</a:t>
-            </a:r>
-            <a:r>
-              <a:rPr lang="en-US" sz="2400" b="1" spc="-60" dirty="0">
-                <a:latin typeface="Times New Roman"/>
-                <a:cs typeface="Times New Roman"/>
-              </a:rPr>
-              <a:t> </a:t>
-            </a:r>
-            <a:r>
-              <a:rPr lang="en-US" sz="2400" b="1" dirty="0">
-                <a:latin typeface="Times New Roman"/>
-                <a:cs typeface="Times New Roman"/>
-              </a:rPr>
-              <a:t>mismatched</a:t>
-            </a:r>
-            <a:r>
-              <a:rPr lang="en-US" sz="2400" b="1" spc="-60" dirty="0">
-                <a:latin typeface="Times New Roman"/>
-                <a:cs typeface="Times New Roman"/>
-              </a:rPr>
-              <a:t> </a:t>
-            </a:r>
-            <a:r>
-              <a:rPr lang="en-US" sz="2400" b="1" spc="-10" dirty="0">
-                <a:latin typeface="Times New Roman"/>
-                <a:cs typeface="Times New Roman"/>
-              </a:rPr>
-              <a:t>entries.</a:t>
-            </a:r>
-            <a:endParaRPr lang="en-US" sz="2400" dirty="0">
-              <a:latin typeface="Times New Roman"/>
-              <a:cs typeface="Times New Roman"/>
-            </a:endParaRPr>
-          </a:p>
-          <a:p>
-            <a:pPr marL="12700">
+              <a:rPr lang="en-US" sz="3600" dirty="0"/>
+              <a:t>Fill or replace null values with 0 or “Unknown”.</a:t>
+            </a:r>
+          </a:p>
+          <a:p>
+            <a:pPr marL="571500" indent="-571500">
               <a:lnSpc>
-                <a:spcPct val="100000"/>
+                <a:spcPct val="150000"/>
               </a:lnSpc>
-              <a:spcBef>
-                <a:spcPts val="1065"/>
-              </a:spcBef>
+              <a:buFont typeface="Wingdings" panose="05000000000000000000" pitchFamily="2" charset="2"/>
+              <a:buChar char="Ø"/>
             </a:pPr>
             <a:r>
-              <a:rPr lang="en-US" sz="2400" b="1" dirty="0">
-                <a:latin typeface="Times New Roman"/>
-                <a:cs typeface="Times New Roman"/>
-              </a:rPr>
-              <a:t>Loaded</a:t>
-            </a:r>
-            <a:r>
-              <a:rPr lang="en-US" sz="2400" b="1" spc="-45" dirty="0">
-                <a:latin typeface="Times New Roman"/>
-                <a:cs typeface="Times New Roman"/>
-              </a:rPr>
-              <a:t> </a:t>
-            </a:r>
-            <a:r>
-              <a:rPr lang="en-US" sz="2400" b="1" dirty="0">
-                <a:latin typeface="Times New Roman"/>
-                <a:cs typeface="Times New Roman"/>
-              </a:rPr>
-              <a:t>the</a:t>
-            </a:r>
-            <a:r>
-              <a:rPr lang="en-US" sz="2400" b="1" spc="-45" dirty="0">
-                <a:latin typeface="Times New Roman"/>
-                <a:cs typeface="Times New Roman"/>
-              </a:rPr>
-              <a:t> </a:t>
-            </a:r>
-            <a:r>
-              <a:rPr lang="en-US" sz="2400" b="1" dirty="0">
-                <a:latin typeface="Times New Roman"/>
-                <a:cs typeface="Times New Roman"/>
-              </a:rPr>
-              <a:t>cleaned</a:t>
-            </a:r>
-            <a:r>
-              <a:rPr lang="en-US" sz="2400" b="1" spc="-45" dirty="0">
-                <a:latin typeface="Times New Roman"/>
-                <a:cs typeface="Times New Roman"/>
-              </a:rPr>
-              <a:t> </a:t>
-            </a:r>
-            <a:r>
-              <a:rPr lang="en-US" sz="2400" b="1" dirty="0">
-                <a:latin typeface="Times New Roman"/>
-                <a:cs typeface="Times New Roman"/>
-              </a:rPr>
-              <a:t>data</a:t>
-            </a:r>
-            <a:r>
-              <a:rPr lang="en-US" sz="2400" b="1" spc="-45" dirty="0">
-                <a:latin typeface="Times New Roman"/>
-                <a:cs typeface="Times New Roman"/>
-              </a:rPr>
-              <a:t> </a:t>
-            </a:r>
-            <a:r>
-              <a:rPr lang="en-US" sz="2400" b="1" dirty="0">
-                <a:latin typeface="Times New Roman"/>
-                <a:cs typeface="Times New Roman"/>
-              </a:rPr>
-              <a:t>into</a:t>
-            </a:r>
-            <a:r>
-              <a:rPr lang="en-US" sz="2400" b="1" spc="-40" dirty="0">
-                <a:latin typeface="Times New Roman"/>
-                <a:cs typeface="Times New Roman"/>
-              </a:rPr>
-              <a:t> </a:t>
-            </a:r>
-            <a:r>
-              <a:rPr lang="en-US" sz="2400" b="1" dirty="0">
-                <a:latin typeface="Times New Roman"/>
-                <a:cs typeface="Times New Roman"/>
-              </a:rPr>
-              <a:t>the</a:t>
-            </a:r>
-            <a:r>
-              <a:rPr lang="en-US" sz="2400" b="1" spc="-45" dirty="0">
-                <a:latin typeface="Times New Roman"/>
-                <a:cs typeface="Times New Roman"/>
-              </a:rPr>
-              <a:t> </a:t>
-            </a:r>
-            <a:r>
-              <a:rPr lang="en-US" sz="2400" b="1" dirty="0">
-                <a:latin typeface="Times New Roman"/>
-                <a:cs typeface="Times New Roman"/>
-              </a:rPr>
-              <a:t>Power</a:t>
-            </a:r>
-            <a:r>
-              <a:rPr lang="en-US" sz="2400" b="1" spc="-45" dirty="0">
-                <a:latin typeface="Times New Roman"/>
-                <a:cs typeface="Times New Roman"/>
-              </a:rPr>
-              <a:t> </a:t>
-            </a:r>
-            <a:r>
-              <a:rPr lang="en-US" sz="2400" b="1" dirty="0">
-                <a:latin typeface="Times New Roman"/>
-                <a:cs typeface="Times New Roman"/>
-              </a:rPr>
-              <a:t>BI</a:t>
-            </a:r>
-            <a:r>
-              <a:rPr lang="en-US" sz="2400" b="1" spc="-45" dirty="0">
-                <a:latin typeface="Times New Roman"/>
-                <a:cs typeface="Times New Roman"/>
-              </a:rPr>
-              <a:t> </a:t>
-            </a:r>
-            <a:r>
-              <a:rPr lang="en-US" sz="2400" b="1" dirty="0">
-                <a:latin typeface="Times New Roman"/>
-                <a:cs typeface="Times New Roman"/>
-              </a:rPr>
-              <a:t>Model</a:t>
-            </a:r>
-            <a:r>
-              <a:rPr lang="en-US" sz="2400" b="1" spc="-45" dirty="0">
-                <a:latin typeface="Times New Roman"/>
-                <a:cs typeface="Times New Roman"/>
-              </a:rPr>
-              <a:t> </a:t>
-            </a:r>
-            <a:r>
-              <a:rPr lang="en-US" sz="2400" b="1" dirty="0">
-                <a:latin typeface="Times New Roman"/>
-                <a:cs typeface="Times New Roman"/>
-              </a:rPr>
-              <a:t>for</a:t>
-            </a:r>
-            <a:r>
-              <a:rPr lang="en-US" sz="2400" b="1" spc="-40" dirty="0">
-                <a:latin typeface="Times New Roman"/>
-                <a:cs typeface="Times New Roman"/>
-              </a:rPr>
-              <a:t> </a:t>
-            </a:r>
-            <a:r>
-              <a:rPr lang="en-US" sz="2400" b="1" dirty="0">
-                <a:latin typeface="Times New Roman"/>
-                <a:cs typeface="Times New Roman"/>
-              </a:rPr>
-              <a:t>visualization</a:t>
-            </a:r>
-            <a:r>
-              <a:rPr lang="en-US" sz="2400" b="1" spc="-45" dirty="0">
-                <a:latin typeface="Times New Roman"/>
-                <a:cs typeface="Times New Roman"/>
-              </a:rPr>
-              <a:t> </a:t>
-            </a:r>
-            <a:r>
-              <a:rPr lang="en-US" sz="2400" b="1" dirty="0">
-                <a:latin typeface="Times New Roman"/>
-                <a:cs typeface="Times New Roman"/>
-              </a:rPr>
-              <a:t>and</a:t>
-            </a:r>
-            <a:r>
-              <a:rPr lang="en-US" sz="2400" b="1" spc="-45" dirty="0">
-                <a:latin typeface="Times New Roman"/>
-                <a:cs typeface="Times New Roman"/>
-              </a:rPr>
-              <a:t> </a:t>
-            </a:r>
-            <a:r>
-              <a:rPr lang="en-US" sz="2400" b="1" spc="-10" dirty="0">
-                <a:latin typeface="Times New Roman"/>
-                <a:cs typeface="Times New Roman"/>
-              </a:rPr>
-              <a:t>analysis.</a:t>
+              <a:rPr lang="en-US" sz="3600" dirty="0"/>
+              <a:t>Delete unwanted columns and click Close &amp; Apply to load the cleaned data.</a:t>
             </a:r>
           </a:p>
         </p:txBody>
@@ -9498,13 +7935,26 @@
         <p:spPr>
           <a:xfrm>
             <a:off x="5638800" y="1181100"/>
-            <a:ext cx="16383000" cy="8654742"/>
+            <a:ext cx="14554200" cy="8669681"/>
           </a:xfrm>
           <a:prstGeom prst="rect">
             <a:avLst/>
           </a:prstGeom>
-          <a:noFill/>
         </p:spPr>
+        <p:style>
+          <a:lnRef idx="2">
+            <a:schemeClr val="accent2"/>
+          </a:lnRef>
+          <a:fillRef idx="1">
+            <a:schemeClr val="lt1"/>
+          </a:fillRef>
+          <a:effectRef idx="0">
+            <a:schemeClr val="accent2"/>
+          </a:effectRef>
+          <a:fontRef idx="minor">
+            <a:schemeClr val="dk1"/>
+          </a:fontRef>
+        </p:style>
         <p:txBody>
           <a:bodyPr wrap="square" rtlCol="0">
             <a:spAutoFit/>
@@ -10089,7 +8539,7 @@
         </p:nvSpPr>
         <p:spPr>
           <a:xfrm>
-            <a:off x="6705600" y="201508"/>
+            <a:off x="6019800" y="185179"/>
             <a:ext cx="11353799" cy="646331"/>
           </a:xfrm>
           <a:prstGeom prst="rect">
@@ -10122,7 +8572,7 @@
                   <a:srgbClr val="FF0000"/>
                 </a:solidFill>
               </a:rPr>
-              <a:t>DASHBOARD	 VISUALIZATIONS :</a:t>
+              <a:t>      DASHBOARD	 VISUALIZATIONS :</a:t>
             </a:r>
           </a:p>
         </p:txBody>
@@ -10141,14 +8591,27 @@
         </p:nvSpPr>
         <p:spPr>
           <a:xfrm>
-            <a:off x="4876800" y="1104900"/>
+            <a:off x="4893129" y="1028700"/>
             <a:ext cx="14478000" cy="7170874"/>
           </a:xfrm>
           <a:prstGeom prst="rect">
             <a:avLst/>
           </a:prstGeom>
-          <a:noFill/>
         </p:spPr>
+        <p:style>
+          <a:lnRef idx="2">
+            <a:schemeClr val="accent2"/>
+          </a:lnRef>
+          <a:fillRef idx="1">
+            <a:schemeClr val="lt1"/>
+          </a:fillRef>
+          <a:effectRef idx="0">
+            <a:schemeClr val="accent2"/>
+          </a:effectRef>
+          <a:fontRef idx="minor">
+            <a:schemeClr val="dk1"/>
+          </a:fontRef>
+        </p:style>
         <p:txBody>
           <a:bodyPr wrap="square" rtlCol="0">
             <a:spAutoFit/>
